--- a/スライド資料/UI/20210531_UI.pptx
+++ b/スライド資料/UI/20210531_UI.pptx
@@ -1,35 +1,35 @@
 
 <file path=ppt/presentation.xml><?xml version="1.0" encoding="utf-8"?>
-<p:presentation xmlns:a="http://schemas.openxmlformats.org/drawingml/2006/main" xmlns:r="http://schemas.openxmlformats.org/officeDocument/2006/relationships" xmlns:mc="http://schemas.openxmlformats.org/markup-compatibility/2006" xmlns:mv="urn:schemas-microsoft-com:mac:vml" xmlns:p="http://schemas.openxmlformats.org/presentationml/2006/main" xmlns:c="http://schemas.openxmlformats.org/drawingml/2006/chart" xmlns:dgm="http://schemas.openxmlformats.org/drawingml/2006/diagram" xmlns:o="urn:schemas-microsoft-com:office:office" xmlns:v="urn:schemas-microsoft-com:vml" xmlns:pvml="urn:schemas-microsoft-com:office:powerpoint" xmlns:com="http://schemas.openxmlformats.org/drawingml/2006/compatibility" xmlns:p14="http://schemas.microsoft.com/office/powerpoint/2010/main" xmlns:p15="http://schemas.microsoft.com/office/powerpoint/2012/main" xmlns:ahyp="http://schemas.microsoft.com/office/drawing/2018/hyperlinkcolor" autoCompressPictures="0" strictFirstAndLastChars="0" saveSubsetFonts="1">
+<p:presentation xmlns:a="http://schemas.openxmlformats.org/drawingml/2006/main" xmlns:r="http://schemas.openxmlformats.org/officeDocument/2006/relationships" xmlns:p="http://schemas.openxmlformats.org/presentationml/2006/main" strictFirstAndLastChars="0" saveSubsetFonts="1" autoCompressPictures="0">
   <p:sldMasterIdLst>
-    <p:sldMasterId id="2147483659" r:id="rId4"/>
+    <p:sldMasterId id="2147483659" r:id="rId1"/>
   </p:sldMasterIdLst>
   <p:notesMasterIdLst>
-    <p:notesMasterId r:id="rId5"/>
+    <p:notesMasterId r:id="rId19"/>
   </p:notesMasterIdLst>
   <p:sldIdLst>
-    <p:sldId id="256" r:id="rId6"/>
-    <p:sldId id="257" r:id="rId7"/>
-    <p:sldId id="258" r:id="rId8"/>
-    <p:sldId id="259" r:id="rId9"/>
-    <p:sldId id="260" r:id="rId10"/>
-    <p:sldId id="261" r:id="rId11"/>
-    <p:sldId id="262" r:id="rId12"/>
-    <p:sldId id="263" r:id="rId13"/>
-    <p:sldId id="264" r:id="rId14"/>
-    <p:sldId id="265" r:id="rId15"/>
-    <p:sldId id="266" r:id="rId16"/>
-    <p:sldId id="267" r:id="rId17"/>
-    <p:sldId id="268" r:id="rId18"/>
-    <p:sldId id="269" r:id="rId19"/>
-    <p:sldId id="270" r:id="rId20"/>
-    <p:sldId id="271" r:id="rId21"/>
-    <p:sldId id="272" r:id="rId22"/>
+    <p:sldId id="256" r:id="rId2"/>
+    <p:sldId id="257" r:id="rId3"/>
+    <p:sldId id="258" r:id="rId4"/>
+    <p:sldId id="259" r:id="rId5"/>
+    <p:sldId id="260" r:id="rId6"/>
+    <p:sldId id="261" r:id="rId7"/>
+    <p:sldId id="262" r:id="rId8"/>
+    <p:sldId id="263" r:id="rId9"/>
+    <p:sldId id="264" r:id="rId10"/>
+    <p:sldId id="265" r:id="rId11"/>
+    <p:sldId id="266" r:id="rId12"/>
+    <p:sldId id="267" r:id="rId13"/>
+    <p:sldId id="268" r:id="rId14"/>
+    <p:sldId id="269" r:id="rId15"/>
+    <p:sldId id="270" r:id="rId16"/>
+    <p:sldId id="271" r:id="rId17"/>
+    <p:sldId id="272" r:id="rId18"/>
   </p:sldIdLst>
-  <p:sldSz cy="5143500" cx="9144000"/>
+  <p:sldSz cx="9144000" cy="5143500" type="screen16x9"/>
   <p:notesSz cx="6858000" cy="9144000"/>
   <p:defaultTextStyle>
-    <a:defPPr lvl="0" marR="0" rtl="0" algn="l">
+    <a:defPPr marR="0" lvl="0" algn="l" rtl="0">
       <a:lnSpc>
         <a:spcPct val="100000"/>
       </a:lnSpc>
@@ -40,7 +40,7 @@
         <a:spcPts val="0"/>
       </a:spcAft>
     </a:defPPr>
-    <a:lvl1pPr lvl="0" marR="0" rtl="0" algn="l">
+    <a:lvl1pPr marR="0" lvl="0" algn="l" rtl="0">
       <a:lnSpc>
         <a:spcPct val="100000"/>
       </a:lnSpc>
@@ -54,7 +54,7 @@
         <a:srgbClr val="000000"/>
       </a:buClr>
       <a:buFont typeface="Arial"/>
-      <a:defRPr b="0" i="0" sz="1400" u="none" cap="none" strike="noStrike">
+      <a:defRPr sz="1400" b="0" i="0" u="none" strike="noStrike" cap="none">
         <a:solidFill>
           <a:srgbClr val="000000"/>
         </a:solidFill>
@@ -64,7 +64,7 @@
         <a:sym typeface="Arial"/>
       </a:defRPr>
     </a:lvl1pPr>
-    <a:lvl2pPr lvl="1" marR="0" rtl="0" algn="l">
+    <a:lvl2pPr marR="0" lvl="1" algn="l" rtl="0">
       <a:lnSpc>
         <a:spcPct val="100000"/>
       </a:lnSpc>
@@ -78,7 +78,7 @@
         <a:srgbClr val="000000"/>
       </a:buClr>
       <a:buFont typeface="Arial"/>
-      <a:defRPr b="0" i="0" sz="1400" u="none" cap="none" strike="noStrike">
+      <a:defRPr sz="1400" b="0" i="0" u="none" strike="noStrike" cap="none">
         <a:solidFill>
           <a:srgbClr val="000000"/>
         </a:solidFill>
@@ -88,7 +88,7 @@
         <a:sym typeface="Arial"/>
       </a:defRPr>
     </a:lvl2pPr>
-    <a:lvl3pPr lvl="2" marR="0" rtl="0" algn="l">
+    <a:lvl3pPr marR="0" lvl="2" algn="l" rtl="0">
       <a:lnSpc>
         <a:spcPct val="100000"/>
       </a:lnSpc>
@@ -102,7 +102,7 @@
         <a:srgbClr val="000000"/>
       </a:buClr>
       <a:buFont typeface="Arial"/>
-      <a:defRPr b="0" i="0" sz="1400" u="none" cap="none" strike="noStrike">
+      <a:defRPr sz="1400" b="0" i="0" u="none" strike="noStrike" cap="none">
         <a:solidFill>
           <a:srgbClr val="000000"/>
         </a:solidFill>
@@ -112,7 +112,7 @@
         <a:sym typeface="Arial"/>
       </a:defRPr>
     </a:lvl3pPr>
-    <a:lvl4pPr lvl="3" marR="0" rtl="0" algn="l">
+    <a:lvl4pPr marR="0" lvl="3" algn="l" rtl="0">
       <a:lnSpc>
         <a:spcPct val="100000"/>
       </a:lnSpc>
@@ -126,7 +126,7 @@
         <a:srgbClr val="000000"/>
       </a:buClr>
       <a:buFont typeface="Arial"/>
-      <a:defRPr b="0" i="0" sz="1400" u="none" cap="none" strike="noStrike">
+      <a:defRPr sz="1400" b="0" i="0" u="none" strike="noStrike" cap="none">
         <a:solidFill>
           <a:srgbClr val="000000"/>
         </a:solidFill>
@@ -136,7 +136,7 @@
         <a:sym typeface="Arial"/>
       </a:defRPr>
     </a:lvl4pPr>
-    <a:lvl5pPr lvl="4" marR="0" rtl="0" algn="l">
+    <a:lvl5pPr marR="0" lvl="4" algn="l" rtl="0">
       <a:lnSpc>
         <a:spcPct val="100000"/>
       </a:lnSpc>
@@ -150,7 +150,7 @@
         <a:srgbClr val="000000"/>
       </a:buClr>
       <a:buFont typeface="Arial"/>
-      <a:defRPr b="0" i="0" sz="1400" u="none" cap="none" strike="noStrike">
+      <a:defRPr sz="1400" b="0" i="0" u="none" strike="noStrike" cap="none">
         <a:solidFill>
           <a:srgbClr val="000000"/>
         </a:solidFill>
@@ -160,7 +160,7 @@
         <a:sym typeface="Arial"/>
       </a:defRPr>
     </a:lvl5pPr>
-    <a:lvl6pPr lvl="5" marR="0" rtl="0" algn="l">
+    <a:lvl6pPr marR="0" lvl="5" algn="l" rtl="0">
       <a:lnSpc>
         <a:spcPct val="100000"/>
       </a:lnSpc>
@@ -174,7 +174,7 @@
         <a:srgbClr val="000000"/>
       </a:buClr>
       <a:buFont typeface="Arial"/>
-      <a:defRPr b="0" i="0" sz="1400" u="none" cap="none" strike="noStrike">
+      <a:defRPr sz="1400" b="0" i="0" u="none" strike="noStrike" cap="none">
         <a:solidFill>
           <a:srgbClr val="000000"/>
         </a:solidFill>
@@ -184,7 +184,7 @@
         <a:sym typeface="Arial"/>
       </a:defRPr>
     </a:lvl6pPr>
-    <a:lvl7pPr lvl="6" marR="0" rtl="0" algn="l">
+    <a:lvl7pPr marR="0" lvl="6" algn="l" rtl="0">
       <a:lnSpc>
         <a:spcPct val="100000"/>
       </a:lnSpc>
@@ -198,7 +198,7 @@
         <a:srgbClr val="000000"/>
       </a:buClr>
       <a:buFont typeface="Arial"/>
-      <a:defRPr b="0" i="0" sz="1400" u="none" cap="none" strike="noStrike">
+      <a:defRPr sz="1400" b="0" i="0" u="none" strike="noStrike" cap="none">
         <a:solidFill>
           <a:srgbClr val="000000"/>
         </a:solidFill>
@@ -208,7 +208,7 @@
         <a:sym typeface="Arial"/>
       </a:defRPr>
     </a:lvl7pPr>
-    <a:lvl8pPr lvl="7" marR="0" rtl="0" algn="l">
+    <a:lvl8pPr marR="0" lvl="7" algn="l" rtl="0">
       <a:lnSpc>
         <a:spcPct val="100000"/>
       </a:lnSpc>
@@ -222,7 +222,7 @@
         <a:srgbClr val="000000"/>
       </a:buClr>
       <a:buFont typeface="Arial"/>
-      <a:defRPr b="0" i="0" sz="1400" u="none" cap="none" strike="noStrike">
+      <a:defRPr sz="1400" b="0" i="0" u="none" strike="noStrike" cap="none">
         <a:solidFill>
           <a:srgbClr val="000000"/>
         </a:solidFill>
@@ -232,7 +232,7 @@
         <a:sym typeface="Arial"/>
       </a:defRPr>
     </a:lvl8pPr>
-    <a:lvl9pPr lvl="8" marR="0" rtl="0" algn="l">
+    <a:lvl9pPr marR="0" lvl="8" algn="l" rtl="0">
       <a:lnSpc>
         <a:spcPct val="100000"/>
       </a:lnSpc>
@@ -246,7 +246,7 @@
         <a:srgbClr val="000000"/>
       </a:buClr>
       <a:buFont typeface="Arial"/>
-      <a:defRPr b="0" i="0" sz="1400" u="none" cap="none" strike="noStrike">
+      <a:defRPr sz="1400" b="0" i="0" u="none" strike="noStrike" cap="none">
         <a:solidFill>
           <a:srgbClr val="000000"/>
         </a:solidFill>
@@ -259,7 +259,7 @@
   </p:defaultTextStyle>
   <p:extLst>
     <p:ext uri="{EFAFB233-063F-42B5-8137-9DF3F51BA10A}">
-      <p15:sldGuideLst>
+      <p15:sldGuideLst xmlns:p15="http://schemas.microsoft.com/office/powerpoint/2012/main">
         <p15:guide id="1" orient="horz" pos="1620">
           <p15:clr>
             <a:srgbClr val="A4A3A4"/>
@@ -277,11 +277,16 @@
 </file>
 
 <file path=ppt/notesMasters/notesMaster1.xml><?xml version="1.0" encoding="utf-8"?>
-<p:notesMaster xmlns:a="http://schemas.openxmlformats.org/drawingml/2006/main" xmlns:r="http://schemas.openxmlformats.org/officeDocument/2006/relationships" xmlns:mc="http://schemas.openxmlformats.org/markup-compatibility/2006" xmlns:mv="urn:schemas-microsoft-com:mac:vml" xmlns:p="http://schemas.openxmlformats.org/presentationml/2006/main" xmlns:c="http://schemas.openxmlformats.org/drawingml/2006/chart" xmlns:dgm="http://schemas.openxmlformats.org/drawingml/2006/diagram" xmlns:o="urn:schemas-microsoft-com:office:office" xmlns:v="urn:schemas-microsoft-com:vml" xmlns:pvml="urn:schemas-microsoft-com:office:powerpoint" xmlns:com="http://schemas.openxmlformats.org/drawingml/2006/compatibility" xmlns:p14="http://schemas.microsoft.com/office/powerpoint/2010/main" xmlns:p15="http://schemas.microsoft.com/office/powerpoint/2012/main" xmlns:ahyp="http://schemas.microsoft.com/office/drawing/2018/hyperlinkcolor">
+<p:notesMaster xmlns:a="http://schemas.openxmlformats.org/drawingml/2006/main" xmlns:r="http://schemas.openxmlformats.org/officeDocument/2006/relationships" xmlns:p="http://schemas.openxmlformats.org/presentationml/2006/main">
   <p:cSld>
+    <p:bg>
+      <p:bgRef idx="1001">
+        <a:schemeClr val="bg1"/>
+      </p:bgRef>
+    </p:bg>
     <p:spTree>
       <p:nvGrpSpPr>
-        <p:cNvPr id="2" name="Shape 2"/>
+        <p:cNvPr id="1" name="Shape 2"/>
         <p:cNvGrpSpPr/>
         <p:nvPr/>
       </p:nvGrpSpPr>
@@ -296,9 +301,11 @@
       <p:sp>
         <p:nvSpPr>
           <p:cNvPr id="3" name="Google Shape;3;n"/>
-          <p:cNvSpPr/>
+          <p:cNvSpPr>
+            <a:spLocks noGrp="1" noRot="1" noChangeAspect="1"/>
+          </p:cNvSpPr>
           <p:nvPr>
-            <p:ph idx="2" type="sldImg"/>
+            <p:ph type="sldImg" idx="2"/>
           </p:nvPr>
         </p:nvSpPr>
         <p:spPr>
@@ -307,9 +314,13 @@
             <a:ext cx="6096075" cy="3429000"/>
           </a:xfrm>
           <a:custGeom>
-            <a:rect b="b" l="l" r="r" t="t"/>
+            <a:avLst/>
+            <a:gdLst/>
+            <a:ahLst/>
+            <a:cxnLst/>
+            <a:rect l="l" t="t" r="r" b="b"/>
             <a:pathLst>
-              <a:path extrusionOk="0" h="120000" w="120000">
+              <a:path w="120000" h="120000" extrusionOk="0">
                 <a:moveTo>
                   <a:pt x="0" y="0"/>
                 </a:moveTo>
@@ -327,23 +338,25 @@
             </a:pathLst>
           </a:custGeom>
           <a:noFill/>
-          <a:ln cap="flat" cmpd="sng" w="9525">
+          <a:ln w="9525" cap="flat" cmpd="sng">
             <a:solidFill>
               <a:srgbClr val="000000"/>
             </a:solidFill>
             <a:prstDash val="solid"/>
             <a:round/>
-            <a:headEnd len="sm" w="sm" type="none"/>
-            <a:tailEnd len="sm" w="sm" type="none"/>
+            <a:headEnd type="none" w="sm" len="sm"/>
+            <a:tailEnd type="none" w="sm" len="sm"/>
           </a:ln>
         </p:spPr>
       </p:sp>
       <p:sp>
         <p:nvSpPr>
           <p:cNvPr id="4" name="Google Shape;4;n"/>
-          <p:cNvSpPr txBox="1"/>
+          <p:cNvSpPr txBox="1">
+            <a:spLocks noGrp="1"/>
+          </p:cNvSpPr>
           <p:nvPr>
-            <p:ph idx="1" type="body"/>
+            <p:ph type="body" idx="1"/>
           </p:nvPr>
         </p:nvSpPr>
         <p:spPr>
@@ -360,11 +373,11 @@
           </a:ln>
         </p:spPr>
         <p:txBody>
-          <a:bodyPr anchorCtr="0" anchor="t" bIns="91425" lIns="91425" spcFirstLastPara="1" rIns="91425" wrap="square" tIns="91425">
+          <a:bodyPr spcFirstLastPara="1" wrap="square" lIns="91425" tIns="91425" rIns="91425" bIns="91425" anchor="t" anchorCtr="0">
             <a:noAutofit/>
           </a:bodyPr>
           <a:lstStyle>
-            <a:lvl1pPr indent="-298450" lvl="0" marL="457200">
+            <a:lvl1pPr marL="457200" lvl="0" indent="-298450">
               <a:spcBef>
                 <a:spcPts val="0"/>
               </a:spcBef>
@@ -375,7 +388,7 @@
               <a:buChar char="●"/>
               <a:defRPr sz="1100"/>
             </a:lvl1pPr>
-            <a:lvl2pPr indent="-298450" lvl="1" marL="914400">
+            <a:lvl2pPr marL="914400" lvl="1" indent="-298450">
               <a:spcBef>
                 <a:spcPts val="0"/>
               </a:spcBef>
@@ -386,7 +399,7 @@
               <a:buChar char="○"/>
               <a:defRPr sz="1100"/>
             </a:lvl2pPr>
-            <a:lvl3pPr indent="-298450" lvl="2" marL="1371600">
+            <a:lvl3pPr marL="1371600" lvl="2" indent="-298450">
               <a:spcBef>
                 <a:spcPts val="0"/>
               </a:spcBef>
@@ -397,7 +410,7 @@
               <a:buChar char="■"/>
               <a:defRPr sz="1100"/>
             </a:lvl3pPr>
-            <a:lvl4pPr indent="-298450" lvl="3" marL="1828800">
+            <a:lvl4pPr marL="1828800" lvl="3" indent="-298450">
               <a:spcBef>
                 <a:spcPts val="0"/>
               </a:spcBef>
@@ -408,7 +421,7 @@
               <a:buChar char="●"/>
               <a:defRPr sz="1100"/>
             </a:lvl4pPr>
-            <a:lvl5pPr indent="-298450" lvl="4" marL="2286000">
+            <a:lvl5pPr marL="2286000" lvl="4" indent="-298450">
               <a:spcBef>
                 <a:spcPts val="0"/>
               </a:spcBef>
@@ -419,7 +432,7 @@
               <a:buChar char="○"/>
               <a:defRPr sz="1100"/>
             </a:lvl5pPr>
-            <a:lvl6pPr indent="-298450" lvl="5" marL="2743200">
+            <a:lvl6pPr marL="2743200" lvl="5" indent="-298450">
               <a:spcBef>
                 <a:spcPts val="0"/>
               </a:spcBef>
@@ -430,7 +443,7 @@
               <a:buChar char="■"/>
               <a:defRPr sz="1100"/>
             </a:lvl6pPr>
-            <a:lvl7pPr indent="-298450" lvl="6" marL="3200400">
+            <a:lvl7pPr marL="3200400" lvl="6" indent="-298450">
               <a:spcBef>
                 <a:spcPts val="0"/>
               </a:spcBef>
@@ -441,7 +454,7 @@
               <a:buChar char="●"/>
               <a:defRPr sz="1100"/>
             </a:lvl7pPr>
-            <a:lvl8pPr indent="-298450" lvl="7" marL="3657600">
+            <a:lvl8pPr marL="3657600" lvl="7" indent="-298450">
               <a:spcBef>
                 <a:spcPts val="0"/>
               </a:spcBef>
@@ -452,7 +465,7 @@
               <a:buChar char="○"/>
               <a:defRPr sz="1100"/>
             </a:lvl8pPr>
-            <a:lvl9pPr indent="-298450" lvl="8" marL="4114800">
+            <a:lvl9pPr marL="4114800" lvl="8" indent="-298450">
               <a:spcBef>
                 <a:spcPts val="0"/>
               </a:spcBef>
@@ -464,14 +477,16 @@
               <a:defRPr sz="1100"/>
             </a:lvl9pPr>
           </a:lstStyle>
-          <a:p/>
+          <a:p>
+            <a:endParaRPr/>
+          </a:p>
         </p:txBody>
       </p:sp>
     </p:spTree>
   </p:cSld>
-  <p:clrMap accent1="accent1" accent2="accent2" accent3="accent3" accent4="accent4" accent5="accent5" accent6="accent6" bg1="lt1" bg2="dk2" tx1="dk1" tx2="lt2" folHlink="folHlink" hlink="hlink"/>
+  <p:clrMap bg1="lt1" tx1="dk1" bg2="dk2" tx2="lt2" accent1="accent1" accent2="accent2" accent3="accent3" accent4="accent4" accent5="accent5" accent6="accent6" hlink="hlink" folHlink="folHlink"/>
   <p:notesStyle>
-    <a:defPPr lvl="0" marR="0" rtl="0" algn="l">
+    <a:defPPr marR="0" lvl="0" algn="l" rtl="0">
       <a:lnSpc>
         <a:spcPct val="100000"/>
       </a:lnSpc>
@@ -482,7 +497,7 @@
         <a:spcPts val="0"/>
       </a:spcAft>
     </a:defPPr>
-    <a:lvl1pPr lvl="0" marR="0" rtl="0" algn="l">
+    <a:lvl1pPr marR="0" lvl="0" algn="l" rtl="0">
       <a:lnSpc>
         <a:spcPct val="100000"/>
       </a:lnSpc>
@@ -496,7 +511,7 @@
         <a:srgbClr val="000000"/>
       </a:buClr>
       <a:buFont typeface="Arial"/>
-      <a:defRPr b="0" i="0" sz="1400" u="none" cap="none" strike="noStrike">
+      <a:defRPr sz="1400" b="0" i="0" u="none" strike="noStrike" cap="none">
         <a:solidFill>
           <a:srgbClr val="000000"/>
         </a:solidFill>
@@ -506,7 +521,7 @@
         <a:sym typeface="Arial"/>
       </a:defRPr>
     </a:lvl1pPr>
-    <a:lvl2pPr lvl="1" marR="0" rtl="0" algn="l">
+    <a:lvl2pPr marR="0" lvl="1" algn="l" rtl="0">
       <a:lnSpc>
         <a:spcPct val="100000"/>
       </a:lnSpc>
@@ -520,7 +535,7 @@
         <a:srgbClr val="000000"/>
       </a:buClr>
       <a:buFont typeface="Arial"/>
-      <a:defRPr b="0" i="0" sz="1400" u="none" cap="none" strike="noStrike">
+      <a:defRPr sz="1400" b="0" i="0" u="none" strike="noStrike" cap="none">
         <a:solidFill>
           <a:srgbClr val="000000"/>
         </a:solidFill>
@@ -530,7 +545,7 @@
         <a:sym typeface="Arial"/>
       </a:defRPr>
     </a:lvl2pPr>
-    <a:lvl3pPr lvl="2" marR="0" rtl="0" algn="l">
+    <a:lvl3pPr marR="0" lvl="2" algn="l" rtl="0">
       <a:lnSpc>
         <a:spcPct val="100000"/>
       </a:lnSpc>
@@ -544,7 +559,7 @@
         <a:srgbClr val="000000"/>
       </a:buClr>
       <a:buFont typeface="Arial"/>
-      <a:defRPr b="0" i="0" sz="1400" u="none" cap="none" strike="noStrike">
+      <a:defRPr sz="1400" b="0" i="0" u="none" strike="noStrike" cap="none">
         <a:solidFill>
           <a:srgbClr val="000000"/>
         </a:solidFill>
@@ -554,7 +569,7 @@
         <a:sym typeface="Arial"/>
       </a:defRPr>
     </a:lvl3pPr>
-    <a:lvl4pPr lvl="3" marR="0" rtl="0" algn="l">
+    <a:lvl4pPr marR="0" lvl="3" algn="l" rtl="0">
       <a:lnSpc>
         <a:spcPct val="100000"/>
       </a:lnSpc>
@@ -568,7 +583,7 @@
         <a:srgbClr val="000000"/>
       </a:buClr>
       <a:buFont typeface="Arial"/>
-      <a:defRPr b="0" i="0" sz="1400" u="none" cap="none" strike="noStrike">
+      <a:defRPr sz="1400" b="0" i="0" u="none" strike="noStrike" cap="none">
         <a:solidFill>
           <a:srgbClr val="000000"/>
         </a:solidFill>
@@ -578,7 +593,7 @@
         <a:sym typeface="Arial"/>
       </a:defRPr>
     </a:lvl4pPr>
-    <a:lvl5pPr lvl="4" marR="0" rtl="0" algn="l">
+    <a:lvl5pPr marR="0" lvl="4" algn="l" rtl="0">
       <a:lnSpc>
         <a:spcPct val="100000"/>
       </a:lnSpc>
@@ -592,7 +607,7 @@
         <a:srgbClr val="000000"/>
       </a:buClr>
       <a:buFont typeface="Arial"/>
-      <a:defRPr b="0" i="0" sz="1400" u="none" cap="none" strike="noStrike">
+      <a:defRPr sz="1400" b="0" i="0" u="none" strike="noStrike" cap="none">
         <a:solidFill>
           <a:srgbClr val="000000"/>
         </a:solidFill>
@@ -602,7 +617,7 @@
         <a:sym typeface="Arial"/>
       </a:defRPr>
     </a:lvl5pPr>
-    <a:lvl6pPr lvl="5" marR="0" rtl="0" algn="l">
+    <a:lvl6pPr marR="0" lvl="5" algn="l" rtl="0">
       <a:lnSpc>
         <a:spcPct val="100000"/>
       </a:lnSpc>
@@ -616,7 +631,7 @@
         <a:srgbClr val="000000"/>
       </a:buClr>
       <a:buFont typeface="Arial"/>
-      <a:defRPr b="0" i="0" sz="1400" u="none" cap="none" strike="noStrike">
+      <a:defRPr sz="1400" b="0" i="0" u="none" strike="noStrike" cap="none">
         <a:solidFill>
           <a:srgbClr val="000000"/>
         </a:solidFill>
@@ -626,7 +641,7 @@
         <a:sym typeface="Arial"/>
       </a:defRPr>
     </a:lvl6pPr>
-    <a:lvl7pPr lvl="6" marR="0" rtl="0" algn="l">
+    <a:lvl7pPr marR="0" lvl="6" algn="l" rtl="0">
       <a:lnSpc>
         <a:spcPct val="100000"/>
       </a:lnSpc>
@@ -640,7 +655,7 @@
         <a:srgbClr val="000000"/>
       </a:buClr>
       <a:buFont typeface="Arial"/>
-      <a:defRPr b="0" i="0" sz="1400" u="none" cap="none" strike="noStrike">
+      <a:defRPr sz="1400" b="0" i="0" u="none" strike="noStrike" cap="none">
         <a:solidFill>
           <a:srgbClr val="000000"/>
         </a:solidFill>
@@ -650,7 +665,7 @@
         <a:sym typeface="Arial"/>
       </a:defRPr>
     </a:lvl7pPr>
-    <a:lvl8pPr lvl="7" marR="0" rtl="0" algn="l">
+    <a:lvl8pPr marR="0" lvl="7" algn="l" rtl="0">
       <a:lnSpc>
         <a:spcPct val="100000"/>
       </a:lnSpc>
@@ -664,7 +679,7 @@
         <a:srgbClr val="000000"/>
       </a:buClr>
       <a:buFont typeface="Arial"/>
-      <a:defRPr b="0" i="0" sz="1400" u="none" cap="none" strike="noStrike">
+      <a:defRPr sz="1400" b="0" i="0" u="none" strike="noStrike" cap="none">
         <a:solidFill>
           <a:srgbClr val="000000"/>
         </a:solidFill>
@@ -674,7 +689,7 @@
         <a:sym typeface="Arial"/>
       </a:defRPr>
     </a:lvl8pPr>
-    <a:lvl9pPr lvl="8" marR="0" rtl="0" algn="l">
+    <a:lvl9pPr marR="0" lvl="8" algn="l" rtl="0">
       <a:lnSpc>
         <a:spcPct val="100000"/>
       </a:lnSpc>
@@ -688,7 +703,7 @@
         <a:srgbClr val="000000"/>
       </a:buClr>
       <a:buFont typeface="Arial"/>
-      <a:defRPr b="0" i="0" sz="1400" u="none" cap="none" strike="noStrike">
+      <a:defRPr sz="1400" b="0" i="0" u="none" strike="noStrike" cap="none">
         <a:solidFill>
           <a:srgbClr val="000000"/>
         </a:solidFill>
@@ -703,11 +718,11 @@
 </file>
 
 <file path=ppt/notesSlides/notesSlide1.xml><?xml version="1.0" encoding="utf-8"?>
-<p:notes xmlns:a="http://schemas.openxmlformats.org/drawingml/2006/main" xmlns:r="http://schemas.openxmlformats.org/officeDocument/2006/relationships" xmlns:mc="http://schemas.openxmlformats.org/markup-compatibility/2006" xmlns:mv="urn:schemas-microsoft-com:mac:vml" xmlns:p="http://schemas.openxmlformats.org/presentationml/2006/main" xmlns:c="http://schemas.openxmlformats.org/drawingml/2006/chart" xmlns:dgm="http://schemas.openxmlformats.org/drawingml/2006/diagram" xmlns:o="urn:schemas-microsoft-com:office:office" xmlns:v="urn:schemas-microsoft-com:vml" xmlns:pvml="urn:schemas-microsoft-com:office:powerpoint" xmlns:com="http://schemas.openxmlformats.org/drawingml/2006/compatibility" xmlns:p14="http://schemas.microsoft.com/office/powerpoint/2010/main" xmlns:p15="http://schemas.microsoft.com/office/powerpoint/2012/main" xmlns:ahyp="http://schemas.microsoft.com/office/drawing/2018/hyperlinkcolor" showMasterPhAnim="0" showMasterSp="0">
+<p:notes xmlns:a="http://schemas.openxmlformats.org/drawingml/2006/main" xmlns:r="http://schemas.openxmlformats.org/officeDocument/2006/relationships" xmlns:p="http://schemas.openxmlformats.org/presentationml/2006/main" showMasterSp="0" showMasterPhAnim="0">
   <p:cSld>
     <p:spTree>
       <p:nvGrpSpPr>
-        <p:cNvPr id="50" name="Shape 50"/>
+        <p:cNvPr id="1" name="Shape 50"/>
         <p:cNvGrpSpPr/>
         <p:nvPr/>
       </p:nvGrpSpPr>
@@ -722,9 +737,11 @@
       <p:sp>
         <p:nvSpPr>
           <p:cNvPr id="51" name="Google Shape;51;p:notes"/>
-          <p:cNvSpPr/>
+          <p:cNvSpPr>
+            <a:spLocks noGrp="1" noRot="1" noChangeAspect="1"/>
+          </p:cNvSpPr>
           <p:nvPr>
-            <p:ph idx="2" type="sldImg"/>
+            <p:ph type="sldImg" idx="2"/>
           </p:nvPr>
         </p:nvSpPr>
         <p:spPr>
@@ -733,9 +750,13 @@
             <a:ext cx="6096000" cy="3429000"/>
           </a:xfrm>
           <a:custGeom>
-            <a:rect b="b" l="l" r="r" t="t"/>
+            <a:avLst/>
+            <a:gdLst/>
+            <a:ahLst/>
+            <a:cxnLst/>
+            <a:rect l="l" t="t" r="r" b="b"/>
             <a:pathLst>
-              <a:path extrusionOk="0" h="120000" w="120000">
+              <a:path w="120000" h="120000" extrusionOk="0">
                 <a:moveTo>
                   <a:pt x="0" y="0"/>
                 </a:moveTo>
@@ -757,9 +778,11 @@
       <p:sp>
         <p:nvSpPr>
           <p:cNvPr id="52" name="Google Shape;52;p:notes"/>
-          <p:cNvSpPr txBox="1"/>
+          <p:cNvSpPr txBox="1">
+            <a:spLocks noGrp="1"/>
+          </p:cNvSpPr>
           <p:nvPr>
-            <p:ph idx="1" type="body"/>
+            <p:ph type="body" idx="1"/>
           </p:nvPr>
         </p:nvSpPr>
         <p:spPr>
@@ -772,12 +795,12 @@
           </a:prstGeom>
         </p:spPr>
         <p:txBody>
-          <a:bodyPr anchorCtr="0" anchor="t" bIns="91425" lIns="91425" spcFirstLastPara="1" rIns="91425" wrap="square" tIns="91425">
+          <a:bodyPr spcFirstLastPara="1" wrap="square" lIns="91425" tIns="91425" rIns="91425" bIns="91425" anchor="t" anchorCtr="0">
             <a:noAutofit/>
           </a:bodyPr>
           <a:lstStyle/>
           <a:p>
-            <a:pPr indent="0" lvl="0" marL="0" rtl="0" algn="l">
+            <a:pPr marL="0" lvl="0" indent="0" algn="l" rtl="0">
               <a:spcBef>
                 <a:spcPts val="0"/>
               </a:spcBef>
@@ -786,9 +809,6 @@
               </a:spcAft>
               <a:buNone/>
             </a:pPr>
-            <a:r>
-              <a:t/>
-            </a:r>
             <a:endParaRPr/>
           </a:p>
         </p:txBody>
@@ -802,11 +822,11 @@
 </file>
 
 <file path=ppt/notesSlides/notesSlide10.xml><?xml version="1.0" encoding="utf-8"?>
-<p:notes xmlns:a="http://schemas.openxmlformats.org/drawingml/2006/main" xmlns:r="http://schemas.openxmlformats.org/officeDocument/2006/relationships" xmlns:mc="http://schemas.openxmlformats.org/markup-compatibility/2006" xmlns:mv="urn:schemas-microsoft-com:mac:vml" xmlns:p="http://schemas.openxmlformats.org/presentationml/2006/main" xmlns:c="http://schemas.openxmlformats.org/drawingml/2006/chart" xmlns:dgm="http://schemas.openxmlformats.org/drawingml/2006/diagram" xmlns:o="urn:schemas-microsoft-com:office:office" xmlns:v="urn:schemas-microsoft-com:vml" xmlns:pvml="urn:schemas-microsoft-com:office:powerpoint" xmlns:com="http://schemas.openxmlformats.org/drawingml/2006/compatibility" xmlns:p14="http://schemas.microsoft.com/office/powerpoint/2010/main" xmlns:p15="http://schemas.microsoft.com/office/powerpoint/2012/main" xmlns:ahyp="http://schemas.microsoft.com/office/drawing/2018/hyperlinkcolor" showMasterPhAnim="0" showMasterSp="0">
+<p:notes xmlns:a="http://schemas.openxmlformats.org/drawingml/2006/main" xmlns:r="http://schemas.openxmlformats.org/officeDocument/2006/relationships" xmlns:p="http://schemas.openxmlformats.org/presentationml/2006/main" showMasterSp="0" showMasterPhAnim="0">
   <p:cSld>
     <p:spTree>
       <p:nvGrpSpPr>
-        <p:cNvPr id="149" name="Shape 149"/>
+        <p:cNvPr id="1" name="Shape 149"/>
         <p:cNvGrpSpPr/>
         <p:nvPr/>
       </p:nvGrpSpPr>
@@ -821,9 +841,11 @@
       <p:sp>
         <p:nvSpPr>
           <p:cNvPr id="150" name="Google Shape;150;gdd78baeb04_0_65:notes"/>
-          <p:cNvSpPr/>
+          <p:cNvSpPr>
+            <a:spLocks noGrp="1" noRot="1" noChangeAspect="1"/>
+          </p:cNvSpPr>
           <p:nvPr>
-            <p:ph idx="2" type="sldImg"/>
+            <p:ph type="sldImg" idx="2"/>
           </p:nvPr>
         </p:nvSpPr>
         <p:spPr>
@@ -832,9 +854,13 @@
             <a:ext cx="6096000" cy="3429000"/>
           </a:xfrm>
           <a:custGeom>
-            <a:rect b="b" l="l" r="r" t="t"/>
+            <a:avLst/>
+            <a:gdLst/>
+            <a:ahLst/>
+            <a:cxnLst/>
+            <a:rect l="l" t="t" r="r" b="b"/>
             <a:pathLst>
-              <a:path extrusionOk="0" h="120000" w="120000">
+              <a:path w="120000" h="120000" extrusionOk="0">
                 <a:moveTo>
                   <a:pt x="0" y="0"/>
                 </a:moveTo>
@@ -856,9 +882,11 @@
       <p:sp>
         <p:nvSpPr>
           <p:cNvPr id="151" name="Google Shape;151;gdd78baeb04_0_65:notes"/>
-          <p:cNvSpPr txBox="1"/>
+          <p:cNvSpPr txBox="1">
+            <a:spLocks noGrp="1"/>
+          </p:cNvSpPr>
           <p:nvPr>
-            <p:ph idx="1" type="body"/>
+            <p:ph type="body" idx="1"/>
           </p:nvPr>
         </p:nvSpPr>
         <p:spPr>
@@ -871,12 +899,12 @@
           </a:prstGeom>
         </p:spPr>
         <p:txBody>
-          <a:bodyPr anchorCtr="0" anchor="t" bIns="91425" lIns="91425" spcFirstLastPara="1" rIns="91425" wrap="square" tIns="91425">
+          <a:bodyPr spcFirstLastPara="1" wrap="square" lIns="91425" tIns="91425" rIns="91425" bIns="91425" anchor="t" anchorCtr="0">
             <a:noAutofit/>
           </a:bodyPr>
           <a:lstStyle/>
           <a:p>
-            <a:pPr indent="0" lvl="0" marL="0" rtl="0" algn="l">
+            <a:pPr marL="0" lvl="0" indent="0" algn="l" rtl="0">
               <a:spcBef>
                 <a:spcPts val="0"/>
               </a:spcBef>
@@ -885,9 +913,6 @@
               </a:spcAft>
               <a:buNone/>
             </a:pPr>
-            <a:r>
-              <a:t/>
-            </a:r>
             <a:endParaRPr/>
           </a:p>
         </p:txBody>
@@ -901,11 +926,11 @@
 </file>
 
 <file path=ppt/notesSlides/notesSlide11.xml><?xml version="1.0" encoding="utf-8"?>
-<p:notes xmlns:a="http://schemas.openxmlformats.org/drawingml/2006/main" xmlns:r="http://schemas.openxmlformats.org/officeDocument/2006/relationships" xmlns:mc="http://schemas.openxmlformats.org/markup-compatibility/2006" xmlns:mv="urn:schemas-microsoft-com:mac:vml" xmlns:p="http://schemas.openxmlformats.org/presentationml/2006/main" xmlns:c="http://schemas.openxmlformats.org/drawingml/2006/chart" xmlns:dgm="http://schemas.openxmlformats.org/drawingml/2006/diagram" xmlns:o="urn:schemas-microsoft-com:office:office" xmlns:v="urn:schemas-microsoft-com:vml" xmlns:pvml="urn:schemas-microsoft-com:office:powerpoint" xmlns:com="http://schemas.openxmlformats.org/drawingml/2006/compatibility" xmlns:p14="http://schemas.microsoft.com/office/powerpoint/2010/main" xmlns:p15="http://schemas.microsoft.com/office/powerpoint/2012/main" xmlns:ahyp="http://schemas.microsoft.com/office/drawing/2018/hyperlinkcolor" showMasterPhAnim="0" showMasterSp="0">
+<p:notes xmlns:a="http://schemas.openxmlformats.org/drawingml/2006/main" xmlns:r="http://schemas.openxmlformats.org/officeDocument/2006/relationships" xmlns:p="http://schemas.openxmlformats.org/presentationml/2006/main" showMasterSp="0" showMasterPhAnim="0">
   <p:cSld>
     <p:spTree>
       <p:nvGrpSpPr>
-        <p:cNvPr id="155" name="Shape 155"/>
+        <p:cNvPr id="1" name="Shape 155"/>
         <p:cNvGrpSpPr/>
         <p:nvPr/>
       </p:nvGrpSpPr>
@@ -920,9 +945,11 @@
       <p:sp>
         <p:nvSpPr>
           <p:cNvPr id="156" name="Google Shape;156;gdd78baeb04_0_35:notes"/>
-          <p:cNvSpPr/>
+          <p:cNvSpPr>
+            <a:spLocks noGrp="1" noRot="1" noChangeAspect="1"/>
+          </p:cNvSpPr>
           <p:nvPr>
-            <p:ph idx="2" type="sldImg"/>
+            <p:ph type="sldImg" idx="2"/>
           </p:nvPr>
         </p:nvSpPr>
         <p:spPr>
@@ -931,9 +958,13 @@
             <a:ext cx="6096000" cy="3429000"/>
           </a:xfrm>
           <a:custGeom>
-            <a:rect b="b" l="l" r="r" t="t"/>
+            <a:avLst/>
+            <a:gdLst/>
+            <a:ahLst/>
+            <a:cxnLst/>
+            <a:rect l="l" t="t" r="r" b="b"/>
             <a:pathLst>
-              <a:path extrusionOk="0" h="120000" w="120000">
+              <a:path w="120000" h="120000" extrusionOk="0">
                 <a:moveTo>
                   <a:pt x="0" y="0"/>
                 </a:moveTo>
@@ -955,9 +986,11 @@
       <p:sp>
         <p:nvSpPr>
           <p:cNvPr id="157" name="Google Shape;157;gdd78baeb04_0_35:notes"/>
-          <p:cNvSpPr txBox="1"/>
+          <p:cNvSpPr txBox="1">
+            <a:spLocks noGrp="1"/>
+          </p:cNvSpPr>
           <p:nvPr>
-            <p:ph idx="1" type="body"/>
+            <p:ph type="body" idx="1"/>
           </p:nvPr>
         </p:nvSpPr>
         <p:spPr>
@@ -970,12 +1003,12 @@
           </a:prstGeom>
         </p:spPr>
         <p:txBody>
-          <a:bodyPr anchorCtr="0" anchor="t" bIns="91425" lIns="91425" spcFirstLastPara="1" rIns="91425" wrap="square" tIns="91425">
+          <a:bodyPr spcFirstLastPara="1" wrap="square" lIns="91425" tIns="91425" rIns="91425" bIns="91425" anchor="t" anchorCtr="0">
             <a:noAutofit/>
           </a:bodyPr>
           <a:lstStyle/>
           <a:p>
-            <a:pPr indent="0" lvl="0" marL="0" rtl="0" algn="l">
+            <a:pPr marL="0" lvl="0" indent="0" algn="l" rtl="0">
               <a:spcBef>
                 <a:spcPts val="0"/>
               </a:spcBef>
@@ -984,9 +1017,6 @@
               </a:spcAft>
               <a:buNone/>
             </a:pPr>
-            <a:r>
-              <a:t/>
-            </a:r>
             <a:endParaRPr/>
           </a:p>
         </p:txBody>
@@ -1000,11 +1030,11 @@
 </file>
 
 <file path=ppt/notesSlides/notesSlide12.xml><?xml version="1.0" encoding="utf-8"?>
-<p:notes xmlns:a="http://schemas.openxmlformats.org/drawingml/2006/main" xmlns:r="http://schemas.openxmlformats.org/officeDocument/2006/relationships" xmlns:mc="http://schemas.openxmlformats.org/markup-compatibility/2006" xmlns:mv="urn:schemas-microsoft-com:mac:vml" xmlns:p="http://schemas.openxmlformats.org/presentationml/2006/main" xmlns:c="http://schemas.openxmlformats.org/drawingml/2006/chart" xmlns:dgm="http://schemas.openxmlformats.org/drawingml/2006/diagram" xmlns:o="urn:schemas-microsoft-com:office:office" xmlns:v="urn:schemas-microsoft-com:vml" xmlns:pvml="urn:schemas-microsoft-com:office:powerpoint" xmlns:com="http://schemas.openxmlformats.org/drawingml/2006/compatibility" xmlns:p14="http://schemas.microsoft.com/office/powerpoint/2010/main" xmlns:p15="http://schemas.microsoft.com/office/powerpoint/2012/main" xmlns:ahyp="http://schemas.microsoft.com/office/drawing/2018/hyperlinkcolor" showMasterPhAnim="0" showMasterSp="0">
+<p:notes xmlns:a="http://schemas.openxmlformats.org/drawingml/2006/main" xmlns:r="http://schemas.openxmlformats.org/officeDocument/2006/relationships" xmlns:p="http://schemas.openxmlformats.org/presentationml/2006/main" showMasterSp="0" showMasterPhAnim="0">
   <p:cSld>
     <p:spTree>
       <p:nvGrpSpPr>
-        <p:cNvPr id="162" name="Shape 162"/>
+        <p:cNvPr id="1" name="Shape 162"/>
         <p:cNvGrpSpPr/>
         <p:nvPr/>
       </p:nvGrpSpPr>
@@ -1019,9 +1049,11 @@
       <p:sp>
         <p:nvSpPr>
           <p:cNvPr id="163" name="Google Shape;163;gdd78baeb04_13_1:notes"/>
-          <p:cNvSpPr/>
+          <p:cNvSpPr>
+            <a:spLocks noGrp="1" noRot="1" noChangeAspect="1"/>
+          </p:cNvSpPr>
           <p:nvPr>
-            <p:ph idx="2" type="sldImg"/>
+            <p:ph type="sldImg" idx="2"/>
           </p:nvPr>
         </p:nvSpPr>
         <p:spPr>
@@ -1030,9 +1062,13 @@
             <a:ext cx="6096000" cy="3429000"/>
           </a:xfrm>
           <a:custGeom>
-            <a:rect b="b" l="l" r="r" t="t"/>
+            <a:avLst/>
+            <a:gdLst/>
+            <a:ahLst/>
+            <a:cxnLst/>
+            <a:rect l="l" t="t" r="r" b="b"/>
             <a:pathLst>
-              <a:path extrusionOk="0" h="120000" w="120000">
+              <a:path w="120000" h="120000" extrusionOk="0">
                 <a:moveTo>
                   <a:pt x="0" y="0"/>
                 </a:moveTo>
@@ -1054,9 +1090,11 @@
       <p:sp>
         <p:nvSpPr>
           <p:cNvPr id="164" name="Google Shape;164;gdd78baeb04_13_1:notes"/>
-          <p:cNvSpPr txBox="1"/>
+          <p:cNvSpPr txBox="1">
+            <a:spLocks noGrp="1"/>
+          </p:cNvSpPr>
           <p:nvPr>
-            <p:ph idx="1" type="body"/>
+            <p:ph type="body" idx="1"/>
           </p:nvPr>
         </p:nvSpPr>
         <p:spPr>
@@ -1069,12 +1107,12 @@
           </a:prstGeom>
         </p:spPr>
         <p:txBody>
-          <a:bodyPr anchorCtr="0" anchor="t" bIns="91425" lIns="91425" spcFirstLastPara="1" rIns="91425" wrap="square" tIns="91425">
+          <a:bodyPr spcFirstLastPara="1" wrap="square" lIns="91425" tIns="91425" rIns="91425" bIns="91425" anchor="t" anchorCtr="0">
             <a:noAutofit/>
           </a:bodyPr>
           <a:lstStyle/>
           <a:p>
-            <a:pPr indent="0" lvl="0" marL="0" rtl="0" algn="l">
+            <a:pPr marL="0" lvl="0" indent="0" algn="l" rtl="0">
               <a:spcBef>
                 <a:spcPts val="0"/>
               </a:spcBef>
@@ -1083,9 +1121,6 @@
               </a:spcAft>
               <a:buNone/>
             </a:pPr>
-            <a:r>
-              <a:t/>
-            </a:r>
             <a:endParaRPr/>
           </a:p>
         </p:txBody>
@@ -1099,11 +1134,11 @@
 </file>
 
 <file path=ppt/notesSlides/notesSlide13.xml><?xml version="1.0" encoding="utf-8"?>
-<p:notes xmlns:a="http://schemas.openxmlformats.org/drawingml/2006/main" xmlns:r="http://schemas.openxmlformats.org/officeDocument/2006/relationships" xmlns:mc="http://schemas.openxmlformats.org/markup-compatibility/2006" xmlns:mv="urn:schemas-microsoft-com:mac:vml" xmlns:p="http://schemas.openxmlformats.org/presentationml/2006/main" xmlns:c="http://schemas.openxmlformats.org/drawingml/2006/chart" xmlns:dgm="http://schemas.openxmlformats.org/drawingml/2006/diagram" xmlns:o="urn:schemas-microsoft-com:office:office" xmlns:v="urn:schemas-microsoft-com:vml" xmlns:pvml="urn:schemas-microsoft-com:office:powerpoint" xmlns:com="http://schemas.openxmlformats.org/drawingml/2006/compatibility" xmlns:p14="http://schemas.microsoft.com/office/powerpoint/2010/main" xmlns:p15="http://schemas.microsoft.com/office/powerpoint/2012/main" xmlns:ahyp="http://schemas.microsoft.com/office/drawing/2018/hyperlinkcolor" showMasterPhAnim="0" showMasterSp="0">
+<p:notes xmlns:a="http://schemas.openxmlformats.org/drawingml/2006/main" xmlns:r="http://schemas.openxmlformats.org/officeDocument/2006/relationships" xmlns:p="http://schemas.openxmlformats.org/presentationml/2006/main" showMasterSp="0" showMasterPhAnim="0">
   <p:cSld>
     <p:spTree>
       <p:nvGrpSpPr>
-        <p:cNvPr id="171" name="Shape 171"/>
+        <p:cNvPr id="1" name="Shape 171"/>
         <p:cNvGrpSpPr/>
         <p:nvPr/>
       </p:nvGrpSpPr>
@@ -1118,9 +1153,11 @@
       <p:sp>
         <p:nvSpPr>
           <p:cNvPr id="172" name="Google Shape;172;gdd78baeb04_15_0:notes"/>
-          <p:cNvSpPr/>
+          <p:cNvSpPr>
+            <a:spLocks noGrp="1" noRot="1" noChangeAspect="1"/>
+          </p:cNvSpPr>
           <p:nvPr>
-            <p:ph idx="2" type="sldImg"/>
+            <p:ph type="sldImg" idx="2"/>
           </p:nvPr>
         </p:nvSpPr>
         <p:spPr>
@@ -1129,9 +1166,13 @@
             <a:ext cx="6096000" cy="3429000"/>
           </a:xfrm>
           <a:custGeom>
-            <a:rect b="b" l="l" r="r" t="t"/>
+            <a:avLst/>
+            <a:gdLst/>
+            <a:ahLst/>
+            <a:cxnLst/>
+            <a:rect l="l" t="t" r="r" b="b"/>
             <a:pathLst>
-              <a:path extrusionOk="0" h="120000" w="120000">
+              <a:path w="120000" h="120000" extrusionOk="0">
                 <a:moveTo>
                   <a:pt x="0" y="0"/>
                 </a:moveTo>
@@ -1153,9 +1194,11 @@
       <p:sp>
         <p:nvSpPr>
           <p:cNvPr id="173" name="Google Shape;173;gdd78baeb04_15_0:notes"/>
-          <p:cNvSpPr txBox="1"/>
+          <p:cNvSpPr txBox="1">
+            <a:spLocks noGrp="1"/>
+          </p:cNvSpPr>
           <p:nvPr>
-            <p:ph idx="1" type="body"/>
+            <p:ph type="body" idx="1"/>
           </p:nvPr>
         </p:nvSpPr>
         <p:spPr>
@@ -1168,12 +1211,12 @@
           </a:prstGeom>
         </p:spPr>
         <p:txBody>
-          <a:bodyPr anchorCtr="0" anchor="t" bIns="91425" lIns="91425" spcFirstLastPara="1" rIns="91425" wrap="square" tIns="91425">
+          <a:bodyPr spcFirstLastPara="1" wrap="square" lIns="91425" tIns="91425" rIns="91425" bIns="91425" anchor="t" anchorCtr="0">
             <a:noAutofit/>
           </a:bodyPr>
           <a:lstStyle/>
           <a:p>
-            <a:pPr indent="0" lvl="0" marL="0" rtl="0" algn="l">
+            <a:pPr marL="0" lvl="0" indent="0" algn="l" rtl="0">
               <a:spcBef>
                 <a:spcPts val="0"/>
               </a:spcBef>
@@ -1182,9 +1225,6 @@
               </a:spcAft>
               <a:buNone/>
             </a:pPr>
-            <a:r>
-              <a:t/>
-            </a:r>
             <a:endParaRPr/>
           </a:p>
         </p:txBody>
@@ -1198,11 +1238,11 @@
 </file>
 
 <file path=ppt/notesSlides/notesSlide14.xml><?xml version="1.0" encoding="utf-8"?>
-<p:notes xmlns:a="http://schemas.openxmlformats.org/drawingml/2006/main" xmlns:r="http://schemas.openxmlformats.org/officeDocument/2006/relationships" xmlns:mc="http://schemas.openxmlformats.org/markup-compatibility/2006" xmlns:mv="urn:schemas-microsoft-com:mac:vml" xmlns:p="http://schemas.openxmlformats.org/presentationml/2006/main" xmlns:c="http://schemas.openxmlformats.org/drawingml/2006/chart" xmlns:dgm="http://schemas.openxmlformats.org/drawingml/2006/diagram" xmlns:o="urn:schemas-microsoft-com:office:office" xmlns:v="urn:schemas-microsoft-com:vml" xmlns:pvml="urn:schemas-microsoft-com:office:powerpoint" xmlns:com="http://schemas.openxmlformats.org/drawingml/2006/compatibility" xmlns:p14="http://schemas.microsoft.com/office/powerpoint/2010/main" xmlns:p15="http://schemas.microsoft.com/office/powerpoint/2012/main" xmlns:ahyp="http://schemas.microsoft.com/office/drawing/2018/hyperlinkcolor" showMasterPhAnim="0" showMasterSp="0">
+<p:notes xmlns:a="http://schemas.openxmlformats.org/drawingml/2006/main" xmlns:r="http://schemas.openxmlformats.org/officeDocument/2006/relationships" xmlns:p="http://schemas.openxmlformats.org/presentationml/2006/main" showMasterSp="0" showMasterPhAnim="0">
   <p:cSld>
     <p:spTree>
       <p:nvGrpSpPr>
-        <p:cNvPr id="177" name="Shape 177"/>
+        <p:cNvPr id="1" name="Shape 177"/>
         <p:cNvGrpSpPr/>
         <p:nvPr/>
       </p:nvGrpSpPr>
@@ -1217,9 +1257,11 @@
       <p:sp>
         <p:nvSpPr>
           <p:cNvPr id="178" name="Google Shape;178;gdd78baeb04_13_27:notes"/>
-          <p:cNvSpPr/>
+          <p:cNvSpPr>
+            <a:spLocks noGrp="1" noRot="1" noChangeAspect="1"/>
+          </p:cNvSpPr>
           <p:nvPr>
-            <p:ph idx="2" type="sldImg"/>
+            <p:ph type="sldImg" idx="2"/>
           </p:nvPr>
         </p:nvSpPr>
         <p:spPr>
@@ -1228,9 +1270,13 @@
             <a:ext cx="6096000" cy="3429000"/>
           </a:xfrm>
           <a:custGeom>
-            <a:rect b="b" l="l" r="r" t="t"/>
+            <a:avLst/>
+            <a:gdLst/>
+            <a:ahLst/>
+            <a:cxnLst/>
+            <a:rect l="l" t="t" r="r" b="b"/>
             <a:pathLst>
-              <a:path extrusionOk="0" h="120000" w="120000">
+              <a:path w="120000" h="120000" extrusionOk="0">
                 <a:moveTo>
                   <a:pt x="0" y="0"/>
                 </a:moveTo>
@@ -1252,9 +1298,11 @@
       <p:sp>
         <p:nvSpPr>
           <p:cNvPr id="179" name="Google Shape;179;gdd78baeb04_13_27:notes"/>
-          <p:cNvSpPr txBox="1"/>
+          <p:cNvSpPr txBox="1">
+            <a:spLocks noGrp="1"/>
+          </p:cNvSpPr>
           <p:nvPr>
-            <p:ph idx="1" type="body"/>
+            <p:ph type="body" idx="1"/>
           </p:nvPr>
         </p:nvSpPr>
         <p:spPr>
@@ -1267,12 +1315,12 @@
           </a:prstGeom>
         </p:spPr>
         <p:txBody>
-          <a:bodyPr anchorCtr="0" anchor="t" bIns="91425" lIns="91425" spcFirstLastPara="1" rIns="91425" wrap="square" tIns="91425">
+          <a:bodyPr spcFirstLastPara="1" wrap="square" lIns="91425" tIns="91425" rIns="91425" bIns="91425" anchor="t" anchorCtr="0">
             <a:noAutofit/>
           </a:bodyPr>
           <a:lstStyle/>
           <a:p>
-            <a:pPr indent="0" lvl="0" marL="0" rtl="0" algn="l">
+            <a:pPr marL="0" lvl="0" indent="0" algn="l" rtl="0">
               <a:spcBef>
                 <a:spcPts val="0"/>
               </a:spcBef>
@@ -1281,9 +1329,6 @@
               </a:spcAft>
               <a:buNone/>
             </a:pPr>
-            <a:r>
-              <a:t/>
-            </a:r>
             <a:endParaRPr/>
           </a:p>
         </p:txBody>
@@ -1297,11 +1342,11 @@
 </file>
 
 <file path=ppt/notesSlides/notesSlide15.xml><?xml version="1.0" encoding="utf-8"?>
-<p:notes xmlns:a="http://schemas.openxmlformats.org/drawingml/2006/main" xmlns:r="http://schemas.openxmlformats.org/officeDocument/2006/relationships" xmlns:mc="http://schemas.openxmlformats.org/markup-compatibility/2006" xmlns:mv="urn:schemas-microsoft-com:mac:vml" xmlns:p="http://schemas.openxmlformats.org/presentationml/2006/main" xmlns:c="http://schemas.openxmlformats.org/drawingml/2006/chart" xmlns:dgm="http://schemas.openxmlformats.org/drawingml/2006/diagram" xmlns:o="urn:schemas-microsoft-com:office:office" xmlns:v="urn:schemas-microsoft-com:vml" xmlns:pvml="urn:schemas-microsoft-com:office:powerpoint" xmlns:com="http://schemas.openxmlformats.org/drawingml/2006/compatibility" xmlns:p14="http://schemas.microsoft.com/office/powerpoint/2010/main" xmlns:p15="http://schemas.microsoft.com/office/powerpoint/2012/main" xmlns:ahyp="http://schemas.microsoft.com/office/drawing/2018/hyperlinkcolor" showMasterPhAnim="0" showMasterSp="0">
+<p:notes xmlns:a="http://schemas.openxmlformats.org/drawingml/2006/main" xmlns:r="http://schemas.openxmlformats.org/officeDocument/2006/relationships" xmlns:p="http://schemas.openxmlformats.org/presentationml/2006/main" showMasterSp="0" showMasterPhAnim="0">
   <p:cSld>
     <p:spTree>
       <p:nvGrpSpPr>
-        <p:cNvPr id="183" name="Shape 183"/>
+        <p:cNvPr id="1" name="Shape 183"/>
         <p:cNvGrpSpPr/>
         <p:nvPr/>
       </p:nvGrpSpPr>
@@ -1316,9 +1361,11 @@
       <p:sp>
         <p:nvSpPr>
           <p:cNvPr id="184" name="Google Shape;184;gdd78baeb04_0_59:notes"/>
-          <p:cNvSpPr/>
+          <p:cNvSpPr>
+            <a:spLocks noGrp="1" noRot="1" noChangeAspect="1"/>
+          </p:cNvSpPr>
           <p:nvPr>
-            <p:ph idx="2" type="sldImg"/>
+            <p:ph type="sldImg" idx="2"/>
           </p:nvPr>
         </p:nvSpPr>
         <p:spPr>
@@ -1327,9 +1374,13 @@
             <a:ext cx="6096000" cy="3429000"/>
           </a:xfrm>
           <a:custGeom>
-            <a:rect b="b" l="l" r="r" t="t"/>
+            <a:avLst/>
+            <a:gdLst/>
+            <a:ahLst/>
+            <a:cxnLst/>
+            <a:rect l="l" t="t" r="r" b="b"/>
             <a:pathLst>
-              <a:path extrusionOk="0" h="120000" w="120000">
+              <a:path w="120000" h="120000" extrusionOk="0">
                 <a:moveTo>
                   <a:pt x="0" y="0"/>
                 </a:moveTo>
@@ -1351,9 +1402,11 @@
       <p:sp>
         <p:nvSpPr>
           <p:cNvPr id="185" name="Google Shape;185;gdd78baeb04_0_59:notes"/>
-          <p:cNvSpPr txBox="1"/>
+          <p:cNvSpPr txBox="1">
+            <a:spLocks noGrp="1"/>
+          </p:cNvSpPr>
           <p:nvPr>
-            <p:ph idx="1" type="body"/>
+            <p:ph type="body" idx="1"/>
           </p:nvPr>
         </p:nvSpPr>
         <p:spPr>
@@ -1366,12 +1419,12 @@
           </a:prstGeom>
         </p:spPr>
         <p:txBody>
-          <a:bodyPr anchorCtr="0" anchor="t" bIns="91425" lIns="91425" spcFirstLastPara="1" rIns="91425" wrap="square" tIns="91425">
+          <a:bodyPr spcFirstLastPara="1" wrap="square" lIns="91425" tIns="91425" rIns="91425" bIns="91425" anchor="t" anchorCtr="0">
             <a:noAutofit/>
           </a:bodyPr>
           <a:lstStyle/>
           <a:p>
-            <a:pPr indent="0" lvl="0" marL="0" rtl="0" algn="l">
+            <a:pPr marL="0" lvl="0" indent="0" algn="l" rtl="0">
               <a:spcBef>
                 <a:spcPts val="0"/>
               </a:spcBef>
@@ -1380,9 +1433,6 @@
               </a:spcAft>
               <a:buNone/>
             </a:pPr>
-            <a:r>
-              <a:t/>
-            </a:r>
             <a:endParaRPr/>
           </a:p>
         </p:txBody>
@@ -1396,11 +1446,11 @@
 </file>
 
 <file path=ppt/notesSlides/notesSlide16.xml><?xml version="1.0" encoding="utf-8"?>
-<p:notes xmlns:a="http://schemas.openxmlformats.org/drawingml/2006/main" xmlns:r="http://schemas.openxmlformats.org/officeDocument/2006/relationships" xmlns:mc="http://schemas.openxmlformats.org/markup-compatibility/2006" xmlns:mv="urn:schemas-microsoft-com:mac:vml" xmlns:p="http://schemas.openxmlformats.org/presentationml/2006/main" xmlns:c="http://schemas.openxmlformats.org/drawingml/2006/chart" xmlns:dgm="http://schemas.openxmlformats.org/drawingml/2006/diagram" xmlns:o="urn:schemas-microsoft-com:office:office" xmlns:v="urn:schemas-microsoft-com:vml" xmlns:pvml="urn:schemas-microsoft-com:office:powerpoint" xmlns:com="http://schemas.openxmlformats.org/drawingml/2006/compatibility" xmlns:p14="http://schemas.microsoft.com/office/powerpoint/2010/main" xmlns:p15="http://schemas.microsoft.com/office/powerpoint/2012/main" xmlns:ahyp="http://schemas.microsoft.com/office/drawing/2018/hyperlinkcolor" showMasterPhAnim="0" showMasterSp="0">
+<p:notes xmlns:a="http://schemas.openxmlformats.org/drawingml/2006/main" xmlns:r="http://schemas.openxmlformats.org/officeDocument/2006/relationships" xmlns:p="http://schemas.openxmlformats.org/presentationml/2006/main" showMasterSp="0" showMasterPhAnim="0">
   <p:cSld>
     <p:spTree>
       <p:nvGrpSpPr>
-        <p:cNvPr id="195" name="Shape 195"/>
+        <p:cNvPr id="1" name="Shape 195"/>
         <p:cNvGrpSpPr/>
         <p:nvPr/>
       </p:nvGrpSpPr>
@@ -1415,9 +1465,11 @@
       <p:sp>
         <p:nvSpPr>
           <p:cNvPr id="196" name="Google Shape;196;gdd78baeb04_0_53:notes"/>
-          <p:cNvSpPr/>
+          <p:cNvSpPr>
+            <a:spLocks noGrp="1" noRot="1" noChangeAspect="1"/>
+          </p:cNvSpPr>
           <p:nvPr>
-            <p:ph idx="2" type="sldImg"/>
+            <p:ph type="sldImg" idx="2"/>
           </p:nvPr>
         </p:nvSpPr>
         <p:spPr>
@@ -1426,9 +1478,13 @@
             <a:ext cx="6096000" cy="3429000"/>
           </a:xfrm>
           <a:custGeom>
-            <a:rect b="b" l="l" r="r" t="t"/>
+            <a:avLst/>
+            <a:gdLst/>
+            <a:ahLst/>
+            <a:cxnLst/>
+            <a:rect l="l" t="t" r="r" b="b"/>
             <a:pathLst>
-              <a:path extrusionOk="0" h="120000" w="120000">
+              <a:path w="120000" h="120000" extrusionOk="0">
                 <a:moveTo>
                   <a:pt x="0" y="0"/>
                 </a:moveTo>
@@ -1450,9 +1506,11 @@
       <p:sp>
         <p:nvSpPr>
           <p:cNvPr id="197" name="Google Shape;197;gdd78baeb04_0_53:notes"/>
-          <p:cNvSpPr txBox="1"/>
+          <p:cNvSpPr txBox="1">
+            <a:spLocks noGrp="1"/>
+          </p:cNvSpPr>
           <p:nvPr>
-            <p:ph idx="1" type="body"/>
+            <p:ph type="body" idx="1"/>
           </p:nvPr>
         </p:nvSpPr>
         <p:spPr>
@@ -1465,12 +1523,12 @@
           </a:prstGeom>
         </p:spPr>
         <p:txBody>
-          <a:bodyPr anchorCtr="0" anchor="t" bIns="91425" lIns="91425" spcFirstLastPara="1" rIns="91425" wrap="square" tIns="91425">
+          <a:bodyPr spcFirstLastPara="1" wrap="square" lIns="91425" tIns="91425" rIns="91425" bIns="91425" anchor="t" anchorCtr="0">
             <a:noAutofit/>
           </a:bodyPr>
           <a:lstStyle/>
           <a:p>
-            <a:pPr indent="0" lvl="0" marL="0" rtl="0" algn="l">
+            <a:pPr marL="0" lvl="0" indent="0" algn="l" rtl="0">
               <a:spcBef>
                 <a:spcPts val="0"/>
               </a:spcBef>
@@ -1479,9 +1537,6 @@
               </a:spcAft>
               <a:buNone/>
             </a:pPr>
-            <a:r>
-              <a:t/>
-            </a:r>
             <a:endParaRPr/>
           </a:p>
         </p:txBody>
@@ -1495,11 +1550,11 @@
 </file>
 
 <file path=ppt/notesSlides/notesSlide17.xml><?xml version="1.0" encoding="utf-8"?>
-<p:notes xmlns:a="http://schemas.openxmlformats.org/drawingml/2006/main" xmlns:r="http://schemas.openxmlformats.org/officeDocument/2006/relationships" xmlns:mc="http://schemas.openxmlformats.org/markup-compatibility/2006" xmlns:mv="urn:schemas-microsoft-com:mac:vml" xmlns:p="http://schemas.openxmlformats.org/presentationml/2006/main" xmlns:c="http://schemas.openxmlformats.org/drawingml/2006/chart" xmlns:dgm="http://schemas.openxmlformats.org/drawingml/2006/diagram" xmlns:o="urn:schemas-microsoft-com:office:office" xmlns:v="urn:schemas-microsoft-com:vml" xmlns:pvml="urn:schemas-microsoft-com:office:powerpoint" xmlns:com="http://schemas.openxmlformats.org/drawingml/2006/compatibility" xmlns:p14="http://schemas.microsoft.com/office/powerpoint/2010/main" xmlns:p15="http://schemas.microsoft.com/office/powerpoint/2012/main" xmlns:ahyp="http://schemas.microsoft.com/office/drawing/2018/hyperlinkcolor" showMasterPhAnim="0" showMasterSp="0">
+<p:notes xmlns:a="http://schemas.openxmlformats.org/drawingml/2006/main" xmlns:r="http://schemas.openxmlformats.org/officeDocument/2006/relationships" xmlns:p="http://schemas.openxmlformats.org/presentationml/2006/main" showMasterSp="0" showMasterPhAnim="0">
   <p:cSld>
     <p:spTree>
       <p:nvGrpSpPr>
-        <p:cNvPr id="202" name="Shape 202"/>
+        <p:cNvPr id="1" name="Shape 202"/>
         <p:cNvGrpSpPr/>
         <p:nvPr/>
       </p:nvGrpSpPr>
@@ -1514,9 +1569,11 @@
       <p:sp>
         <p:nvSpPr>
           <p:cNvPr id="203" name="Google Shape;203;gdd78baeb04_0_47:notes"/>
-          <p:cNvSpPr/>
+          <p:cNvSpPr>
+            <a:spLocks noGrp="1" noRot="1" noChangeAspect="1"/>
+          </p:cNvSpPr>
           <p:nvPr>
-            <p:ph idx="2" type="sldImg"/>
+            <p:ph type="sldImg" idx="2"/>
           </p:nvPr>
         </p:nvSpPr>
         <p:spPr>
@@ -1525,9 +1582,13 @@
             <a:ext cx="6096000" cy="3429000"/>
           </a:xfrm>
           <a:custGeom>
-            <a:rect b="b" l="l" r="r" t="t"/>
+            <a:avLst/>
+            <a:gdLst/>
+            <a:ahLst/>
+            <a:cxnLst/>
+            <a:rect l="l" t="t" r="r" b="b"/>
             <a:pathLst>
-              <a:path extrusionOk="0" h="120000" w="120000">
+              <a:path w="120000" h="120000" extrusionOk="0">
                 <a:moveTo>
                   <a:pt x="0" y="0"/>
                 </a:moveTo>
@@ -1549,9 +1610,11 @@
       <p:sp>
         <p:nvSpPr>
           <p:cNvPr id="204" name="Google Shape;204;gdd78baeb04_0_47:notes"/>
-          <p:cNvSpPr txBox="1"/>
+          <p:cNvSpPr txBox="1">
+            <a:spLocks noGrp="1"/>
+          </p:cNvSpPr>
           <p:nvPr>
-            <p:ph idx="1" type="body"/>
+            <p:ph type="body" idx="1"/>
           </p:nvPr>
         </p:nvSpPr>
         <p:spPr>
@@ -1564,12 +1627,12 @@
           </a:prstGeom>
         </p:spPr>
         <p:txBody>
-          <a:bodyPr anchorCtr="0" anchor="t" bIns="91425" lIns="91425" spcFirstLastPara="1" rIns="91425" wrap="square" tIns="91425">
+          <a:bodyPr spcFirstLastPara="1" wrap="square" lIns="91425" tIns="91425" rIns="91425" bIns="91425" anchor="t" anchorCtr="0">
             <a:noAutofit/>
           </a:bodyPr>
           <a:lstStyle/>
           <a:p>
-            <a:pPr indent="0" lvl="0" marL="0" rtl="0" algn="l">
+            <a:pPr marL="0" lvl="0" indent="0" algn="l" rtl="0">
               <a:spcBef>
                 <a:spcPts val="0"/>
               </a:spcBef>
@@ -1578,9 +1641,6 @@
               </a:spcAft>
               <a:buNone/>
             </a:pPr>
-            <a:r>
-              <a:t/>
-            </a:r>
             <a:endParaRPr/>
           </a:p>
         </p:txBody>
@@ -1594,11 +1654,11 @@
 </file>
 
 <file path=ppt/notesSlides/notesSlide2.xml><?xml version="1.0" encoding="utf-8"?>
-<p:notes xmlns:a="http://schemas.openxmlformats.org/drawingml/2006/main" xmlns:r="http://schemas.openxmlformats.org/officeDocument/2006/relationships" xmlns:mc="http://schemas.openxmlformats.org/markup-compatibility/2006" xmlns:mv="urn:schemas-microsoft-com:mac:vml" xmlns:p="http://schemas.openxmlformats.org/presentationml/2006/main" xmlns:c="http://schemas.openxmlformats.org/drawingml/2006/chart" xmlns:dgm="http://schemas.openxmlformats.org/drawingml/2006/diagram" xmlns:o="urn:schemas-microsoft-com:office:office" xmlns:v="urn:schemas-microsoft-com:vml" xmlns:pvml="urn:schemas-microsoft-com:office:powerpoint" xmlns:com="http://schemas.openxmlformats.org/drawingml/2006/compatibility" xmlns:p14="http://schemas.microsoft.com/office/powerpoint/2010/main" xmlns:p15="http://schemas.microsoft.com/office/powerpoint/2012/main" xmlns:ahyp="http://schemas.microsoft.com/office/drawing/2018/hyperlinkcolor" showMasterPhAnim="0" showMasterSp="0">
+<p:notes xmlns:a="http://schemas.openxmlformats.org/drawingml/2006/main" xmlns:r="http://schemas.openxmlformats.org/officeDocument/2006/relationships" xmlns:p="http://schemas.openxmlformats.org/presentationml/2006/main" showMasterSp="0" showMasterPhAnim="0">
   <p:cSld>
     <p:spTree>
       <p:nvGrpSpPr>
-        <p:cNvPr id="56" name="Shape 56"/>
+        <p:cNvPr id="1" name="Shape 56"/>
         <p:cNvGrpSpPr/>
         <p:nvPr/>
       </p:nvGrpSpPr>
@@ -1613,9 +1673,11 @@
       <p:sp>
         <p:nvSpPr>
           <p:cNvPr id="57" name="Google Shape;57;gdd78baeb04_0_20:notes"/>
-          <p:cNvSpPr/>
+          <p:cNvSpPr>
+            <a:spLocks noGrp="1" noRot="1" noChangeAspect="1"/>
+          </p:cNvSpPr>
           <p:nvPr>
-            <p:ph idx="2" type="sldImg"/>
+            <p:ph type="sldImg" idx="2"/>
           </p:nvPr>
         </p:nvSpPr>
         <p:spPr>
@@ -1624,9 +1686,13 @@
             <a:ext cx="6096000" cy="3429000"/>
           </a:xfrm>
           <a:custGeom>
-            <a:rect b="b" l="l" r="r" t="t"/>
+            <a:avLst/>
+            <a:gdLst/>
+            <a:ahLst/>
+            <a:cxnLst/>
+            <a:rect l="l" t="t" r="r" b="b"/>
             <a:pathLst>
-              <a:path extrusionOk="0" h="120000" w="120000">
+              <a:path w="120000" h="120000" extrusionOk="0">
                 <a:moveTo>
                   <a:pt x="0" y="0"/>
                 </a:moveTo>
@@ -1648,9 +1714,11 @@
       <p:sp>
         <p:nvSpPr>
           <p:cNvPr id="58" name="Google Shape;58;gdd78baeb04_0_20:notes"/>
-          <p:cNvSpPr txBox="1"/>
+          <p:cNvSpPr txBox="1">
+            <a:spLocks noGrp="1"/>
+          </p:cNvSpPr>
           <p:nvPr>
-            <p:ph idx="1" type="body"/>
+            <p:ph type="body" idx="1"/>
           </p:nvPr>
         </p:nvSpPr>
         <p:spPr>
@@ -1663,12 +1731,12 @@
           </a:prstGeom>
         </p:spPr>
         <p:txBody>
-          <a:bodyPr anchorCtr="0" anchor="t" bIns="91425" lIns="91425" spcFirstLastPara="1" rIns="91425" wrap="square" tIns="91425">
+          <a:bodyPr spcFirstLastPara="1" wrap="square" lIns="91425" tIns="91425" rIns="91425" bIns="91425" anchor="t" anchorCtr="0">
             <a:noAutofit/>
           </a:bodyPr>
           <a:lstStyle/>
           <a:p>
-            <a:pPr indent="0" lvl="0" marL="0" rtl="0" algn="l">
+            <a:pPr marL="0" lvl="0" indent="0" algn="l" rtl="0">
               <a:spcBef>
                 <a:spcPts val="0"/>
               </a:spcBef>
@@ -1677,9 +1745,6 @@
               </a:spcAft>
               <a:buNone/>
             </a:pPr>
-            <a:r>
-              <a:t/>
-            </a:r>
             <a:endParaRPr/>
           </a:p>
         </p:txBody>
@@ -1693,11 +1758,11 @@
 </file>
 
 <file path=ppt/notesSlides/notesSlide3.xml><?xml version="1.0" encoding="utf-8"?>
-<p:notes xmlns:a="http://schemas.openxmlformats.org/drawingml/2006/main" xmlns:r="http://schemas.openxmlformats.org/officeDocument/2006/relationships" xmlns:mc="http://schemas.openxmlformats.org/markup-compatibility/2006" xmlns:mv="urn:schemas-microsoft-com:mac:vml" xmlns:p="http://schemas.openxmlformats.org/presentationml/2006/main" xmlns:c="http://schemas.openxmlformats.org/drawingml/2006/chart" xmlns:dgm="http://schemas.openxmlformats.org/drawingml/2006/diagram" xmlns:o="urn:schemas-microsoft-com:office:office" xmlns:v="urn:schemas-microsoft-com:vml" xmlns:pvml="urn:schemas-microsoft-com:office:powerpoint" xmlns:com="http://schemas.openxmlformats.org/drawingml/2006/compatibility" xmlns:p14="http://schemas.microsoft.com/office/powerpoint/2010/main" xmlns:p15="http://schemas.microsoft.com/office/powerpoint/2012/main" xmlns:ahyp="http://schemas.microsoft.com/office/drawing/2018/hyperlinkcolor" showMasterPhAnim="0" showMasterSp="0">
+<p:notes xmlns:a="http://schemas.openxmlformats.org/drawingml/2006/main" xmlns:r="http://schemas.openxmlformats.org/officeDocument/2006/relationships" xmlns:p="http://schemas.openxmlformats.org/presentationml/2006/main" showMasterSp="0" showMasterPhAnim="0">
   <p:cSld>
     <p:spTree>
       <p:nvGrpSpPr>
-        <p:cNvPr id="75" name="Shape 75"/>
+        <p:cNvPr id="1" name="Shape 75"/>
         <p:cNvGrpSpPr/>
         <p:nvPr/>
       </p:nvGrpSpPr>
@@ -1712,9 +1777,11 @@
       <p:sp>
         <p:nvSpPr>
           <p:cNvPr id="76" name="Google Shape;76;gdd78baeb04_0_0:notes"/>
-          <p:cNvSpPr/>
+          <p:cNvSpPr>
+            <a:spLocks noGrp="1" noRot="1" noChangeAspect="1"/>
+          </p:cNvSpPr>
           <p:nvPr>
-            <p:ph idx="2" type="sldImg"/>
+            <p:ph type="sldImg" idx="2"/>
           </p:nvPr>
         </p:nvSpPr>
         <p:spPr>
@@ -1723,9 +1790,13 @@
             <a:ext cx="6096000" cy="3429000"/>
           </a:xfrm>
           <a:custGeom>
-            <a:rect b="b" l="l" r="r" t="t"/>
+            <a:avLst/>
+            <a:gdLst/>
+            <a:ahLst/>
+            <a:cxnLst/>
+            <a:rect l="l" t="t" r="r" b="b"/>
             <a:pathLst>
-              <a:path extrusionOk="0" h="120000" w="120000">
+              <a:path w="120000" h="120000" extrusionOk="0">
                 <a:moveTo>
                   <a:pt x="0" y="0"/>
                 </a:moveTo>
@@ -1747,9 +1818,11 @@
       <p:sp>
         <p:nvSpPr>
           <p:cNvPr id="77" name="Google Shape;77;gdd78baeb04_0_0:notes"/>
-          <p:cNvSpPr txBox="1"/>
+          <p:cNvSpPr txBox="1">
+            <a:spLocks noGrp="1"/>
+          </p:cNvSpPr>
           <p:nvPr>
-            <p:ph idx="1" type="body"/>
+            <p:ph type="body" idx="1"/>
           </p:nvPr>
         </p:nvSpPr>
         <p:spPr>
@@ -1762,12 +1835,12 @@
           </a:prstGeom>
         </p:spPr>
         <p:txBody>
-          <a:bodyPr anchorCtr="0" anchor="t" bIns="91425" lIns="91425" spcFirstLastPara="1" rIns="91425" wrap="square" tIns="91425">
+          <a:bodyPr spcFirstLastPara="1" wrap="square" lIns="91425" tIns="91425" rIns="91425" bIns="91425" anchor="t" anchorCtr="0">
             <a:noAutofit/>
           </a:bodyPr>
           <a:lstStyle/>
           <a:p>
-            <a:pPr indent="0" lvl="0" marL="0" rtl="0" algn="l">
+            <a:pPr marL="0" lvl="0" indent="0" algn="l" rtl="0">
               <a:spcBef>
                 <a:spcPts val="0"/>
               </a:spcBef>
@@ -1776,9 +1849,6 @@
               </a:spcAft>
               <a:buNone/>
             </a:pPr>
-            <a:r>
-              <a:t/>
-            </a:r>
             <a:endParaRPr/>
           </a:p>
         </p:txBody>
@@ -1792,11 +1862,11 @@
 </file>
 
 <file path=ppt/notesSlides/notesSlide4.xml><?xml version="1.0" encoding="utf-8"?>
-<p:notes xmlns:a="http://schemas.openxmlformats.org/drawingml/2006/main" xmlns:r="http://schemas.openxmlformats.org/officeDocument/2006/relationships" xmlns:mc="http://schemas.openxmlformats.org/markup-compatibility/2006" xmlns:mv="urn:schemas-microsoft-com:mac:vml" xmlns:p="http://schemas.openxmlformats.org/presentationml/2006/main" xmlns:c="http://schemas.openxmlformats.org/drawingml/2006/chart" xmlns:dgm="http://schemas.openxmlformats.org/drawingml/2006/diagram" xmlns:o="urn:schemas-microsoft-com:office:office" xmlns:v="urn:schemas-microsoft-com:vml" xmlns:pvml="urn:schemas-microsoft-com:office:powerpoint" xmlns:com="http://schemas.openxmlformats.org/drawingml/2006/compatibility" xmlns:p14="http://schemas.microsoft.com/office/powerpoint/2010/main" xmlns:p15="http://schemas.microsoft.com/office/powerpoint/2012/main" xmlns:ahyp="http://schemas.microsoft.com/office/drawing/2018/hyperlinkcolor" showMasterPhAnim="0" showMasterSp="0">
+<p:notes xmlns:a="http://schemas.openxmlformats.org/drawingml/2006/main" xmlns:r="http://schemas.openxmlformats.org/officeDocument/2006/relationships" xmlns:p="http://schemas.openxmlformats.org/presentationml/2006/main" showMasterSp="0" showMasterPhAnim="0">
   <p:cSld>
     <p:spTree>
       <p:nvGrpSpPr>
-        <p:cNvPr id="81" name="Shape 81"/>
+        <p:cNvPr id="1" name="Shape 81"/>
         <p:cNvGrpSpPr/>
         <p:nvPr/>
       </p:nvGrpSpPr>
@@ -1811,9 +1881,11 @@
       <p:sp>
         <p:nvSpPr>
           <p:cNvPr id="82" name="Google Shape;82;gdd78baeb04_0_138:notes"/>
-          <p:cNvSpPr/>
+          <p:cNvSpPr>
+            <a:spLocks noGrp="1" noRot="1" noChangeAspect="1"/>
+          </p:cNvSpPr>
           <p:nvPr>
-            <p:ph idx="2" type="sldImg"/>
+            <p:ph type="sldImg" idx="2"/>
           </p:nvPr>
         </p:nvSpPr>
         <p:spPr>
@@ -1822,9 +1894,13 @@
             <a:ext cx="6096000" cy="3429000"/>
           </a:xfrm>
           <a:custGeom>
-            <a:rect b="b" l="l" r="r" t="t"/>
+            <a:avLst/>
+            <a:gdLst/>
+            <a:ahLst/>
+            <a:cxnLst/>
+            <a:rect l="l" t="t" r="r" b="b"/>
             <a:pathLst>
-              <a:path extrusionOk="0" h="120000" w="120000">
+              <a:path w="120000" h="120000" extrusionOk="0">
                 <a:moveTo>
                   <a:pt x="0" y="0"/>
                 </a:moveTo>
@@ -1846,9 +1922,11 @@
       <p:sp>
         <p:nvSpPr>
           <p:cNvPr id="83" name="Google Shape;83;gdd78baeb04_0_138:notes"/>
-          <p:cNvSpPr txBox="1"/>
+          <p:cNvSpPr txBox="1">
+            <a:spLocks noGrp="1"/>
+          </p:cNvSpPr>
           <p:nvPr>
-            <p:ph idx="1" type="body"/>
+            <p:ph type="body" idx="1"/>
           </p:nvPr>
         </p:nvSpPr>
         <p:spPr>
@@ -1861,12 +1939,12 @@
           </a:prstGeom>
         </p:spPr>
         <p:txBody>
-          <a:bodyPr anchorCtr="0" anchor="t" bIns="91425" lIns="91425" spcFirstLastPara="1" rIns="91425" wrap="square" tIns="91425">
+          <a:bodyPr spcFirstLastPara="1" wrap="square" lIns="91425" tIns="91425" rIns="91425" bIns="91425" anchor="t" anchorCtr="0">
             <a:noAutofit/>
           </a:bodyPr>
           <a:lstStyle/>
           <a:p>
-            <a:pPr indent="0" lvl="0" marL="0" rtl="0" algn="l">
+            <a:pPr marL="0" lvl="0" indent="0" algn="l" rtl="0">
               <a:spcBef>
                 <a:spcPts val="0"/>
               </a:spcBef>
@@ -1875,9 +1953,6 @@
               </a:spcAft>
               <a:buNone/>
             </a:pPr>
-            <a:r>
-              <a:t/>
-            </a:r>
             <a:endParaRPr/>
           </a:p>
         </p:txBody>
@@ -1891,11 +1966,11 @@
 </file>
 
 <file path=ppt/notesSlides/notesSlide5.xml><?xml version="1.0" encoding="utf-8"?>
-<p:notes xmlns:a="http://schemas.openxmlformats.org/drawingml/2006/main" xmlns:r="http://schemas.openxmlformats.org/officeDocument/2006/relationships" xmlns:mc="http://schemas.openxmlformats.org/markup-compatibility/2006" xmlns:mv="urn:schemas-microsoft-com:mac:vml" xmlns:p="http://schemas.openxmlformats.org/presentationml/2006/main" xmlns:c="http://schemas.openxmlformats.org/drawingml/2006/chart" xmlns:dgm="http://schemas.openxmlformats.org/drawingml/2006/diagram" xmlns:o="urn:schemas-microsoft-com:office:office" xmlns:v="urn:schemas-microsoft-com:vml" xmlns:pvml="urn:schemas-microsoft-com:office:powerpoint" xmlns:com="http://schemas.openxmlformats.org/drawingml/2006/compatibility" xmlns:p14="http://schemas.microsoft.com/office/powerpoint/2010/main" xmlns:p15="http://schemas.microsoft.com/office/powerpoint/2012/main" xmlns:ahyp="http://schemas.microsoft.com/office/drawing/2018/hyperlinkcolor" showMasterPhAnim="0" showMasterSp="0">
+<p:notes xmlns:a="http://schemas.openxmlformats.org/drawingml/2006/main" xmlns:r="http://schemas.openxmlformats.org/officeDocument/2006/relationships" xmlns:p="http://schemas.openxmlformats.org/presentationml/2006/main" showMasterSp="0" showMasterPhAnim="0">
   <p:cSld>
     <p:spTree>
       <p:nvGrpSpPr>
-        <p:cNvPr id="88" name="Shape 88"/>
+        <p:cNvPr id="1" name="Shape 88"/>
         <p:cNvGrpSpPr/>
         <p:nvPr/>
       </p:nvGrpSpPr>
@@ -1910,20 +1985,26 @@
       <p:sp>
         <p:nvSpPr>
           <p:cNvPr id="89" name="Google Shape;89;gdd78baeb04_13_19:notes"/>
-          <p:cNvSpPr/>
+          <p:cNvSpPr>
+            <a:spLocks noGrp="1" noRot="1" noChangeAspect="1"/>
+          </p:cNvSpPr>
           <p:nvPr>
-            <p:ph idx="2" type="sldImg"/>
+            <p:ph type="sldImg" idx="2"/>
           </p:nvPr>
         </p:nvSpPr>
         <p:spPr>
           <a:xfrm>
-            <a:off x="381300" y="685800"/>
+            <a:off x="381000" y="685800"/>
             <a:ext cx="6096000" cy="3429000"/>
           </a:xfrm>
           <a:custGeom>
-            <a:rect b="b" l="l" r="r" t="t"/>
+            <a:avLst/>
+            <a:gdLst/>
+            <a:ahLst/>
+            <a:cxnLst/>
+            <a:rect l="l" t="t" r="r" b="b"/>
             <a:pathLst>
-              <a:path extrusionOk="0" h="120000" w="120000">
+              <a:path w="120000" h="120000" extrusionOk="0">
                 <a:moveTo>
                   <a:pt x="0" y="0"/>
                 </a:moveTo>
@@ -1945,9 +2026,11 @@
       <p:sp>
         <p:nvSpPr>
           <p:cNvPr id="90" name="Google Shape;90;gdd78baeb04_13_19:notes"/>
-          <p:cNvSpPr txBox="1"/>
+          <p:cNvSpPr txBox="1">
+            <a:spLocks noGrp="1"/>
+          </p:cNvSpPr>
           <p:nvPr>
-            <p:ph idx="1" type="body"/>
+            <p:ph type="body" idx="1"/>
           </p:nvPr>
         </p:nvSpPr>
         <p:spPr>
@@ -1960,12 +2043,12 @@
           </a:prstGeom>
         </p:spPr>
         <p:txBody>
-          <a:bodyPr anchorCtr="0" anchor="t" bIns="91425" lIns="91425" spcFirstLastPara="1" rIns="91425" wrap="square" tIns="91425">
+          <a:bodyPr spcFirstLastPara="1" wrap="square" lIns="91425" tIns="91425" rIns="91425" bIns="91425" anchor="t" anchorCtr="0">
             <a:noAutofit/>
           </a:bodyPr>
           <a:lstStyle/>
           <a:p>
-            <a:pPr indent="0" lvl="0" marL="0" rtl="0" algn="l">
+            <a:pPr marL="0" lvl="0" indent="0" algn="l" rtl="0">
               <a:spcBef>
                 <a:spcPts val="0"/>
               </a:spcBef>
@@ -1974,9 +2057,6 @@
               </a:spcAft>
               <a:buNone/>
             </a:pPr>
-            <a:r>
-              <a:t/>
-            </a:r>
             <a:endParaRPr/>
           </a:p>
         </p:txBody>
@@ -1990,11 +2070,11 @@
 </file>
 
 <file path=ppt/notesSlides/notesSlide6.xml><?xml version="1.0" encoding="utf-8"?>
-<p:notes xmlns:a="http://schemas.openxmlformats.org/drawingml/2006/main" xmlns:r="http://schemas.openxmlformats.org/officeDocument/2006/relationships" xmlns:mc="http://schemas.openxmlformats.org/markup-compatibility/2006" xmlns:mv="urn:schemas-microsoft-com:mac:vml" xmlns:p="http://schemas.openxmlformats.org/presentationml/2006/main" xmlns:c="http://schemas.openxmlformats.org/drawingml/2006/chart" xmlns:dgm="http://schemas.openxmlformats.org/drawingml/2006/diagram" xmlns:o="urn:schemas-microsoft-com:office:office" xmlns:v="urn:schemas-microsoft-com:vml" xmlns:pvml="urn:schemas-microsoft-com:office:powerpoint" xmlns:com="http://schemas.openxmlformats.org/drawingml/2006/compatibility" xmlns:p14="http://schemas.microsoft.com/office/powerpoint/2010/main" xmlns:p15="http://schemas.microsoft.com/office/powerpoint/2012/main" xmlns:ahyp="http://schemas.microsoft.com/office/drawing/2018/hyperlinkcolor" showMasterPhAnim="0" showMasterSp="0">
+<p:notes xmlns:a="http://schemas.openxmlformats.org/drawingml/2006/main" xmlns:r="http://schemas.openxmlformats.org/officeDocument/2006/relationships" xmlns:p="http://schemas.openxmlformats.org/presentationml/2006/main" showMasterSp="0" showMasterPhAnim="0">
   <p:cSld>
     <p:spTree>
       <p:nvGrpSpPr>
-        <p:cNvPr id="96" name="Shape 96"/>
+        <p:cNvPr id="1" name="Shape 96"/>
         <p:cNvGrpSpPr/>
         <p:nvPr/>
       </p:nvGrpSpPr>
@@ -2009,9 +2089,11 @@
       <p:sp>
         <p:nvSpPr>
           <p:cNvPr id="97" name="Google Shape;97;gdd78baeb04_13_13:notes"/>
-          <p:cNvSpPr/>
+          <p:cNvSpPr>
+            <a:spLocks noGrp="1" noRot="1" noChangeAspect="1"/>
+          </p:cNvSpPr>
           <p:nvPr>
-            <p:ph idx="2" type="sldImg"/>
+            <p:ph type="sldImg" idx="2"/>
           </p:nvPr>
         </p:nvSpPr>
         <p:spPr>
@@ -2020,9 +2102,13 @@
             <a:ext cx="6096000" cy="3429000"/>
           </a:xfrm>
           <a:custGeom>
-            <a:rect b="b" l="l" r="r" t="t"/>
+            <a:avLst/>
+            <a:gdLst/>
+            <a:ahLst/>
+            <a:cxnLst/>
+            <a:rect l="l" t="t" r="r" b="b"/>
             <a:pathLst>
-              <a:path extrusionOk="0" h="120000" w="120000">
+              <a:path w="120000" h="120000" extrusionOk="0">
                 <a:moveTo>
                   <a:pt x="0" y="0"/>
                 </a:moveTo>
@@ -2044,9 +2130,11 @@
       <p:sp>
         <p:nvSpPr>
           <p:cNvPr id="98" name="Google Shape;98;gdd78baeb04_13_13:notes"/>
-          <p:cNvSpPr txBox="1"/>
+          <p:cNvSpPr txBox="1">
+            <a:spLocks noGrp="1"/>
+          </p:cNvSpPr>
           <p:nvPr>
-            <p:ph idx="1" type="body"/>
+            <p:ph type="body" idx="1"/>
           </p:nvPr>
         </p:nvSpPr>
         <p:spPr>
@@ -2059,12 +2147,12 @@
           </a:prstGeom>
         </p:spPr>
         <p:txBody>
-          <a:bodyPr anchorCtr="0" anchor="t" bIns="91425" lIns="91425" spcFirstLastPara="1" rIns="91425" wrap="square" tIns="91425">
+          <a:bodyPr spcFirstLastPara="1" wrap="square" lIns="91425" tIns="91425" rIns="91425" bIns="91425" anchor="t" anchorCtr="0">
             <a:noAutofit/>
           </a:bodyPr>
           <a:lstStyle/>
           <a:p>
-            <a:pPr indent="0" lvl="0" marL="0" rtl="0" algn="l">
+            <a:pPr marL="0" lvl="0" indent="0" algn="l" rtl="0">
               <a:spcBef>
                 <a:spcPts val="0"/>
               </a:spcBef>
@@ -2073,9 +2161,6 @@
               </a:spcAft>
               <a:buNone/>
             </a:pPr>
-            <a:r>
-              <a:t/>
-            </a:r>
             <a:endParaRPr/>
           </a:p>
         </p:txBody>
@@ -2089,11 +2174,11 @@
 </file>
 
 <file path=ppt/notesSlides/notesSlide7.xml><?xml version="1.0" encoding="utf-8"?>
-<p:notes xmlns:a="http://schemas.openxmlformats.org/drawingml/2006/main" xmlns:r="http://schemas.openxmlformats.org/officeDocument/2006/relationships" xmlns:mc="http://schemas.openxmlformats.org/markup-compatibility/2006" xmlns:mv="urn:schemas-microsoft-com:mac:vml" xmlns:p="http://schemas.openxmlformats.org/presentationml/2006/main" xmlns:c="http://schemas.openxmlformats.org/drawingml/2006/chart" xmlns:dgm="http://schemas.openxmlformats.org/drawingml/2006/diagram" xmlns:o="urn:schemas-microsoft-com:office:office" xmlns:v="urn:schemas-microsoft-com:vml" xmlns:pvml="urn:schemas-microsoft-com:office:powerpoint" xmlns:com="http://schemas.openxmlformats.org/drawingml/2006/compatibility" xmlns:p14="http://schemas.microsoft.com/office/powerpoint/2010/main" xmlns:p15="http://schemas.microsoft.com/office/powerpoint/2012/main" xmlns:ahyp="http://schemas.microsoft.com/office/drawing/2018/hyperlinkcolor" showMasterPhAnim="0" showMasterSp="0">
+<p:notes xmlns:a="http://schemas.openxmlformats.org/drawingml/2006/main" xmlns:r="http://schemas.openxmlformats.org/officeDocument/2006/relationships" xmlns:p="http://schemas.openxmlformats.org/presentationml/2006/main" showMasterSp="0" showMasterPhAnim="0">
   <p:cSld>
     <p:spTree>
       <p:nvGrpSpPr>
-        <p:cNvPr id="106" name="Shape 106"/>
+        <p:cNvPr id="1" name="Shape 106"/>
         <p:cNvGrpSpPr/>
         <p:nvPr/>
       </p:nvGrpSpPr>
@@ -2108,9 +2193,11 @@
       <p:sp>
         <p:nvSpPr>
           <p:cNvPr id="107" name="Google Shape;107;gdd78baeb04_0_132:notes"/>
-          <p:cNvSpPr/>
+          <p:cNvSpPr>
+            <a:spLocks noGrp="1" noRot="1" noChangeAspect="1"/>
+          </p:cNvSpPr>
           <p:nvPr>
-            <p:ph idx="2" type="sldImg"/>
+            <p:ph type="sldImg" idx="2"/>
           </p:nvPr>
         </p:nvSpPr>
         <p:spPr>
@@ -2119,9 +2206,13 @@
             <a:ext cx="6096000" cy="3429000"/>
           </a:xfrm>
           <a:custGeom>
-            <a:rect b="b" l="l" r="r" t="t"/>
+            <a:avLst/>
+            <a:gdLst/>
+            <a:ahLst/>
+            <a:cxnLst/>
+            <a:rect l="l" t="t" r="r" b="b"/>
             <a:pathLst>
-              <a:path extrusionOk="0" h="120000" w="120000">
+              <a:path w="120000" h="120000" extrusionOk="0">
                 <a:moveTo>
                   <a:pt x="0" y="0"/>
                 </a:moveTo>
@@ -2143,9 +2234,11 @@
       <p:sp>
         <p:nvSpPr>
           <p:cNvPr id="108" name="Google Shape;108;gdd78baeb04_0_132:notes"/>
-          <p:cNvSpPr txBox="1"/>
+          <p:cNvSpPr txBox="1">
+            <a:spLocks noGrp="1"/>
+          </p:cNvSpPr>
           <p:nvPr>
-            <p:ph idx="1" type="body"/>
+            <p:ph type="body" idx="1"/>
           </p:nvPr>
         </p:nvSpPr>
         <p:spPr>
@@ -2158,12 +2251,12 @@
           </a:prstGeom>
         </p:spPr>
         <p:txBody>
-          <a:bodyPr anchorCtr="0" anchor="t" bIns="91425" lIns="91425" spcFirstLastPara="1" rIns="91425" wrap="square" tIns="91425">
+          <a:bodyPr spcFirstLastPara="1" wrap="square" lIns="91425" tIns="91425" rIns="91425" bIns="91425" anchor="t" anchorCtr="0">
             <a:noAutofit/>
           </a:bodyPr>
           <a:lstStyle/>
           <a:p>
-            <a:pPr indent="0" lvl="0" marL="0" rtl="0" algn="l">
+            <a:pPr marL="0" lvl="0" indent="0" algn="l" rtl="0">
               <a:spcBef>
                 <a:spcPts val="0"/>
               </a:spcBef>
@@ -2172,9 +2265,6 @@
               </a:spcAft>
               <a:buNone/>
             </a:pPr>
-            <a:r>
-              <a:t/>
-            </a:r>
             <a:endParaRPr/>
           </a:p>
         </p:txBody>
@@ -2188,11 +2278,11 @@
 </file>
 
 <file path=ppt/notesSlides/notesSlide8.xml><?xml version="1.0" encoding="utf-8"?>
-<p:notes xmlns:a="http://schemas.openxmlformats.org/drawingml/2006/main" xmlns:r="http://schemas.openxmlformats.org/officeDocument/2006/relationships" xmlns:mc="http://schemas.openxmlformats.org/markup-compatibility/2006" xmlns:mv="urn:schemas-microsoft-com:mac:vml" xmlns:p="http://schemas.openxmlformats.org/presentationml/2006/main" xmlns:c="http://schemas.openxmlformats.org/drawingml/2006/chart" xmlns:dgm="http://schemas.openxmlformats.org/drawingml/2006/diagram" xmlns:o="urn:schemas-microsoft-com:office:office" xmlns:v="urn:schemas-microsoft-com:vml" xmlns:pvml="urn:schemas-microsoft-com:office:powerpoint" xmlns:com="http://schemas.openxmlformats.org/drawingml/2006/compatibility" xmlns:p14="http://schemas.microsoft.com/office/powerpoint/2010/main" xmlns:p15="http://schemas.microsoft.com/office/powerpoint/2012/main" xmlns:ahyp="http://schemas.microsoft.com/office/drawing/2018/hyperlinkcolor" showMasterPhAnim="0" showMasterSp="0">
+<p:notes xmlns:a="http://schemas.openxmlformats.org/drawingml/2006/main" xmlns:r="http://schemas.openxmlformats.org/officeDocument/2006/relationships" xmlns:p="http://schemas.openxmlformats.org/presentationml/2006/main" showMasterSp="0" showMasterPhAnim="0">
   <p:cSld>
     <p:spTree>
       <p:nvGrpSpPr>
-        <p:cNvPr id="112" name="Shape 112"/>
+        <p:cNvPr id="1" name="Shape 112"/>
         <p:cNvGrpSpPr/>
         <p:nvPr/>
       </p:nvGrpSpPr>
@@ -2207,9 +2297,11 @@
       <p:sp>
         <p:nvSpPr>
           <p:cNvPr id="113" name="Google Shape;113;gdd78baeb04_0_5:notes"/>
-          <p:cNvSpPr/>
+          <p:cNvSpPr>
+            <a:spLocks noGrp="1" noRot="1" noChangeAspect="1"/>
+          </p:cNvSpPr>
           <p:nvPr>
-            <p:ph idx="2" type="sldImg"/>
+            <p:ph type="sldImg" idx="2"/>
           </p:nvPr>
         </p:nvSpPr>
         <p:spPr>
@@ -2218,9 +2310,13 @@
             <a:ext cx="6096000" cy="3429000"/>
           </a:xfrm>
           <a:custGeom>
-            <a:rect b="b" l="l" r="r" t="t"/>
+            <a:avLst/>
+            <a:gdLst/>
+            <a:ahLst/>
+            <a:cxnLst/>
+            <a:rect l="l" t="t" r="r" b="b"/>
             <a:pathLst>
-              <a:path extrusionOk="0" h="120000" w="120000">
+              <a:path w="120000" h="120000" extrusionOk="0">
                 <a:moveTo>
                   <a:pt x="0" y="0"/>
                 </a:moveTo>
@@ -2242,9 +2338,11 @@
       <p:sp>
         <p:nvSpPr>
           <p:cNvPr id="114" name="Google Shape;114;gdd78baeb04_0_5:notes"/>
-          <p:cNvSpPr txBox="1"/>
+          <p:cNvSpPr txBox="1">
+            <a:spLocks noGrp="1"/>
+          </p:cNvSpPr>
           <p:nvPr>
-            <p:ph idx="1" type="body"/>
+            <p:ph type="body" idx="1"/>
           </p:nvPr>
         </p:nvSpPr>
         <p:spPr>
@@ -2257,12 +2355,12 @@
           </a:prstGeom>
         </p:spPr>
         <p:txBody>
-          <a:bodyPr anchorCtr="0" anchor="t" bIns="91425" lIns="91425" spcFirstLastPara="1" rIns="91425" wrap="square" tIns="91425">
+          <a:bodyPr spcFirstLastPara="1" wrap="square" lIns="91425" tIns="91425" rIns="91425" bIns="91425" anchor="t" anchorCtr="0">
             <a:noAutofit/>
           </a:bodyPr>
           <a:lstStyle/>
           <a:p>
-            <a:pPr indent="0" lvl="0" marL="0" rtl="0" algn="l">
+            <a:pPr marL="0" lvl="0" indent="0" algn="l" rtl="0">
               <a:spcBef>
                 <a:spcPts val="0"/>
               </a:spcBef>
@@ -2271,9 +2369,6 @@
               </a:spcAft>
               <a:buNone/>
             </a:pPr>
-            <a:r>
-              <a:t/>
-            </a:r>
             <a:endParaRPr/>
           </a:p>
         </p:txBody>
@@ -2287,11 +2382,11 @@
 </file>
 
 <file path=ppt/notesSlides/notesSlide9.xml><?xml version="1.0" encoding="utf-8"?>
-<p:notes xmlns:a="http://schemas.openxmlformats.org/drawingml/2006/main" xmlns:r="http://schemas.openxmlformats.org/officeDocument/2006/relationships" xmlns:mc="http://schemas.openxmlformats.org/markup-compatibility/2006" xmlns:mv="urn:schemas-microsoft-com:mac:vml" xmlns:p="http://schemas.openxmlformats.org/presentationml/2006/main" xmlns:c="http://schemas.openxmlformats.org/drawingml/2006/chart" xmlns:dgm="http://schemas.openxmlformats.org/drawingml/2006/diagram" xmlns:o="urn:schemas-microsoft-com:office:office" xmlns:v="urn:schemas-microsoft-com:vml" xmlns:pvml="urn:schemas-microsoft-com:office:powerpoint" xmlns:com="http://schemas.openxmlformats.org/drawingml/2006/compatibility" xmlns:p14="http://schemas.microsoft.com/office/powerpoint/2010/main" xmlns:p15="http://schemas.microsoft.com/office/powerpoint/2012/main" xmlns:ahyp="http://schemas.microsoft.com/office/drawing/2018/hyperlinkcolor" showMasterPhAnim="0" showMasterSp="0">
+<p:notes xmlns:a="http://schemas.openxmlformats.org/drawingml/2006/main" xmlns:r="http://schemas.openxmlformats.org/officeDocument/2006/relationships" xmlns:p="http://schemas.openxmlformats.org/presentationml/2006/main" showMasterSp="0" showMasterPhAnim="0">
   <p:cSld>
     <p:spTree>
       <p:nvGrpSpPr>
-        <p:cNvPr id="136" name="Shape 136"/>
+        <p:cNvPr id="1" name="Shape 136"/>
         <p:cNvGrpSpPr/>
         <p:nvPr/>
       </p:nvGrpSpPr>
@@ -2306,9 +2401,11 @@
       <p:sp>
         <p:nvSpPr>
           <p:cNvPr id="137" name="Google Shape;137;gdd78baeb04_11_0:notes"/>
-          <p:cNvSpPr/>
+          <p:cNvSpPr>
+            <a:spLocks noGrp="1" noRot="1" noChangeAspect="1"/>
+          </p:cNvSpPr>
           <p:nvPr>
-            <p:ph idx="2" type="sldImg"/>
+            <p:ph type="sldImg" idx="2"/>
           </p:nvPr>
         </p:nvSpPr>
         <p:spPr>
@@ -2317,9 +2414,13 @@
             <a:ext cx="6096000" cy="3429000"/>
           </a:xfrm>
           <a:custGeom>
-            <a:rect b="b" l="l" r="r" t="t"/>
+            <a:avLst/>
+            <a:gdLst/>
+            <a:ahLst/>
+            <a:cxnLst/>
+            <a:rect l="l" t="t" r="r" b="b"/>
             <a:pathLst>
-              <a:path extrusionOk="0" h="120000" w="120000">
+              <a:path w="120000" h="120000" extrusionOk="0">
                 <a:moveTo>
                   <a:pt x="0" y="0"/>
                 </a:moveTo>
@@ -2341,9 +2442,11 @@
       <p:sp>
         <p:nvSpPr>
           <p:cNvPr id="138" name="Google Shape;138;gdd78baeb04_11_0:notes"/>
-          <p:cNvSpPr txBox="1"/>
+          <p:cNvSpPr txBox="1">
+            <a:spLocks noGrp="1"/>
+          </p:cNvSpPr>
           <p:nvPr>
-            <p:ph idx="1" type="body"/>
+            <p:ph type="body" idx="1"/>
           </p:nvPr>
         </p:nvSpPr>
         <p:spPr>
@@ -2356,12 +2459,12 @@
           </a:prstGeom>
         </p:spPr>
         <p:txBody>
-          <a:bodyPr anchorCtr="0" anchor="t" bIns="91425" lIns="91425" spcFirstLastPara="1" rIns="91425" wrap="square" tIns="91425">
+          <a:bodyPr spcFirstLastPara="1" wrap="square" lIns="91425" tIns="91425" rIns="91425" bIns="91425" anchor="t" anchorCtr="0">
             <a:noAutofit/>
           </a:bodyPr>
           <a:lstStyle/>
           <a:p>
-            <a:pPr indent="0" lvl="0" marL="0" rtl="0" algn="l">
+            <a:pPr marL="0" lvl="0" indent="0" algn="l" rtl="0">
               <a:spcBef>
                 <a:spcPts val="0"/>
               </a:spcBef>
@@ -2370,9 +2473,6 @@
               </a:spcAft>
               <a:buNone/>
             </a:pPr>
-            <a:r>
-              <a:t/>
-            </a:r>
             <a:endParaRPr/>
           </a:p>
         </p:txBody>
@@ -2386,11 +2486,11 @@
 </file>
 
 <file path=ppt/slideLayouts/slideLayout1.xml><?xml version="1.0" encoding="utf-8"?>
-<p:sldLayout xmlns:a="http://schemas.openxmlformats.org/drawingml/2006/main" xmlns:r="http://schemas.openxmlformats.org/officeDocument/2006/relationships" xmlns:mc="http://schemas.openxmlformats.org/markup-compatibility/2006" xmlns:mv="urn:schemas-microsoft-com:mac:vml" xmlns:p="http://schemas.openxmlformats.org/presentationml/2006/main" xmlns:c="http://schemas.openxmlformats.org/drawingml/2006/chart" xmlns:dgm="http://schemas.openxmlformats.org/drawingml/2006/diagram" xmlns:o="urn:schemas-microsoft-com:office:office" xmlns:v="urn:schemas-microsoft-com:vml" xmlns:pvml="urn:schemas-microsoft-com:office:powerpoint" xmlns:com="http://schemas.openxmlformats.org/drawingml/2006/compatibility" xmlns:p14="http://schemas.microsoft.com/office/powerpoint/2010/main" xmlns:p15="http://schemas.microsoft.com/office/powerpoint/2012/main" xmlns:ahyp="http://schemas.microsoft.com/office/drawing/2018/hyperlinkcolor" matchingName="Title slide" type="title">
+<p:sldLayout xmlns:a="http://schemas.openxmlformats.org/drawingml/2006/main" xmlns:r="http://schemas.openxmlformats.org/officeDocument/2006/relationships" xmlns:p="http://schemas.openxmlformats.org/presentationml/2006/main" matchingName="Title slide" type="title">
   <p:cSld name="TITLE">
     <p:spTree>
       <p:nvGrpSpPr>
-        <p:cNvPr id="9" name="Shape 9"/>
+        <p:cNvPr id="1" name="Shape 9"/>
         <p:cNvGrpSpPr/>
         <p:nvPr/>
       </p:nvGrpSpPr>
@@ -2405,7 +2505,9 @@
       <p:sp>
         <p:nvSpPr>
           <p:cNvPr id="10" name="Google Shape;10;p2"/>
-          <p:cNvSpPr txBox="1"/>
+          <p:cNvSpPr txBox="1">
+            <a:spLocks noGrp="1"/>
+          </p:cNvSpPr>
           <p:nvPr>
             <p:ph type="ctrTitle"/>
           </p:nvPr>
@@ -2420,7 +2522,7 @@
           </a:prstGeom>
         </p:spPr>
         <p:txBody>
-          <a:bodyPr anchorCtr="0" anchor="b" bIns="91425" lIns="91425" spcFirstLastPara="1" rIns="91425" wrap="square" tIns="91425">
+          <a:bodyPr spcFirstLastPara="1" wrap="square" lIns="91425" tIns="91425" rIns="91425" bIns="91425" anchor="b" anchorCtr="0">
             <a:normAutofit/>
           </a:bodyPr>
           <a:lstStyle>
@@ -2524,15 +2626,19 @@
               <a:defRPr sz="5200"/>
             </a:lvl9pPr>
           </a:lstStyle>
-          <a:p/>
+          <a:p>
+            <a:endParaRPr/>
+          </a:p>
         </p:txBody>
       </p:sp>
       <p:sp>
         <p:nvSpPr>
           <p:cNvPr id="11" name="Google Shape;11;p2"/>
-          <p:cNvSpPr txBox="1"/>
+          <p:cNvSpPr txBox="1">
+            <a:spLocks noGrp="1"/>
+          </p:cNvSpPr>
           <p:nvPr>
-            <p:ph idx="1" type="subTitle"/>
+            <p:ph type="subTitle" idx="1"/>
           </p:nvPr>
         </p:nvSpPr>
         <p:spPr>
@@ -2545,7 +2651,7 @@
           </a:prstGeom>
         </p:spPr>
         <p:txBody>
-          <a:bodyPr anchorCtr="0" anchor="t" bIns="91425" lIns="91425" spcFirstLastPara="1" rIns="91425" wrap="square" tIns="91425">
+          <a:bodyPr spcFirstLastPara="1" wrap="square" lIns="91425" tIns="91425" rIns="91425" bIns="91425" anchor="t" anchorCtr="0">
             <a:normAutofit/>
           </a:bodyPr>
           <a:lstStyle>
@@ -2676,15 +2782,19 @@
               <a:defRPr sz="2800"/>
             </a:lvl9pPr>
           </a:lstStyle>
-          <a:p/>
+          <a:p>
+            <a:endParaRPr/>
+          </a:p>
         </p:txBody>
       </p:sp>
       <p:sp>
         <p:nvSpPr>
           <p:cNvPr id="12" name="Google Shape;12;p2"/>
-          <p:cNvSpPr txBox="1"/>
+          <p:cNvSpPr txBox="1">
+            <a:spLocks noGrp="1"/>
+          </p:cNvSpPr>
           <p:nvPr>
-            <p:ph idx="12" type="sldNum"/>
+            <p:ph type="sldNum" idx="12"/>
           </p:nvPr>
         </p:nvSpPr>
         <p:spPr>
@@ -2697,7 +2807,7 @@
           </a:prstGeom>
         </p:spPr>
         <p:txBody>
-          <a:bodyPr anchorCtr="0" anchor="ctr" bIns="91425" lIns="91425" spcFirstLastPara="1" rIns="91425" wrap="square" tIns="91425">
+          <a:bodyPr spcFirstLastPara="1" wrap="square" lIns="91425" tIns="91425" rIns="91425" bIns="91425" anchor="ctr" anchorCtr="0">
             <a:normAutofit/>
           </a:bodyPr>
           <a:lstStyle>
@@ -2739,7 +2849,7 @@
             </a:lvl9pPr>
           </a:lstStyle>
           <a:p>
-            <a:pPr indent="0" lvl="0" marL="0" rtl="0" algn="r">
+            <a:pPr marL="0" lvl="0" indent="0" algn="r" rtl="0">
               <a:spcBef>
                 <a:spcPts val="0"/>
               </a:spcBef>
@@ -2765,11 +2875,11 @@
 </file>
 
 <file path=ppt/slideLayouts/slideLayout10.xml><?xml version="1.0" encoding="utf-8"?>
-<p:sldLayout xmlns:a="http://schemas.openxmlformats.org/drawingml/2006/main" xmlns:r="http://schemas.openxmlformats.org/officeDocument/2006/relationships" xmlns:mc="http://schemas.openxmlformats.org/markup-compatibility/2006" xmlns:mv="urn:schemas-microsoft-com:mac:vml" xmlns:p="http://schemas.openxmlformats.org/presentationml/2006/main" xmlns:c="http://schemas.openxmlformats.org/drawingml/2006/chart" xmlns:dgm="http://schemas.openxmlformats.org/drawingml/2006/diagram" xmlns:o="urn:schemas-microsoft-com:office:office" xmlns:v="urn:schemas-microsoft-com:vml" xmlns:pvml="urn:schemas-microsoft-com:office:powerpoint" xmlns:com="http://schemas.openxmlformats.org/drawingml/2006/compatibility" xmlns:p14="http://schemas.microsoft.com/office/powerpoint/2010/main" xmlns:p15="http://schemas.microsoft.com/office/powerpoint/2012/main" xmlns:ahyp="http://schemas.microsoft.com/office/drawing/2018/hyperlinkcolor" matchingName="Big number">
+<p:sldLayout xmlns:a="http://schemas.openxmlformats.org/drawingml/2006/main" xmlns:r="http://schemas.openxmlformats.org/officeDocument/2006/relationships" xmlns:p="http://schemas.openxmlformats.org/presentationml/2006/main" matchingName="Big number">
   <p:cSld name="BIG_NUMBER">
     <p:spTree>
       <p:nvGrpSpPr>
-        <p:cNvPr id="44" name="Shape 44"/>
+        <p:cNvPr id="1" name="Shape 44"/>
         <p:cNvGrpSpPr/>
         <p:nvPr/>
       </p:nvGrpSpPr>
@@ -2784,9 +2894,11 @@
       <p:sp>
         <p:nvSpPr>
           <p:cNvPr id="45" name="Google Shape;45;p11"/>
-          <p:cNvSpPr txBox="1"/>
+          <p:cNvSpPr txBox="1">
+            <a:spLocks noGrp="1"/>
+          </p:cNvSpPr>
           <p:nvPr>
-            <p:ph hasCustomPrompt="1" type="title"/>
+            <p:ph type="title" hasCustomPrompt="1"/>
           </p:nvPr>
         </p:nvSpPr>
         <p:spPr>
@@ -2799,7 +2911,7 @@
           </a:prstGeom>
         </p:spPr>
         <p:txBody>
-          <a:bodyPr anchorCtr="0" anchor="b" bIns="91425" lIns="91425" spcFirstLastPara="1" rIns="91425" wrap="square" tIns="91425">
+          <a:bodyPr spcFirstLastPara="1" wrap="square" lIns="91425" tIns="91425" rIns="91425" bIns="91425" anchor="b" anchorCtr="0">
             <a:normAutofit/>
           </a:bodyPr>
           <a:lstStyle>
@@ -2913,9 +3025,11 @@
       <p:sp>
         <p:nvSpPr>
           <p:cNvPr id="46" name="Google Shape;46;p11"/>
-          <p:cNvSpPr txBox="1"/>
+          <p:cNvSpPr txBox="1">
+            <a:spLocks noGrp="1"/>
+          </p:cNvSpPr>
           <p:nvPr>
-            <p:ph idx="1" type="body"/>
+            <p:ph type="body" idx="1"/>
           </p:nvPr>
         </p:nvSpPr>
         <p:spPr>
@@ -2928,11 +3042,11 @@
           </a:prstGeom>
         </p:spPr>
         <p:txBody>
-          <a:bodyPr anchorCtr="0" anchor="t" bIns="91425" lIns="91425" spcFirstLastPara="1" rIns="91425" wrap="square" tIns="91425">
+          <a:bodyPr spcFirstLastPara="1" wrap="square" lIns="91425" tIns="91425" rIns="91425" bIns="91425" anchor="t" anchorCtr="0">
             <a:normAutofit/>
           </a:bodyPr>
           <a:lstStyle>
-            <a:lvl1pPr indent="-342900" lvl="0" marL="457200" algn="ctr">
+            <a:lvl1pPr marL="457200" lvl="0" indent="-342900" algn="ctr">
               <a:spcBef>
                 <a:spcPts val="0"/>
               </a:spcBef>
@@ -2943,7 +3057,7 @@
               <a:buChar char="●"/>
               <a:defRPr/>
             </a:lvl1pPr>
-            <a:lvl2pPr indent="-317500" lvl="1" marL="914400" algn="ctr">
+            <a:lvl2pPr marL="914400" lvl="1" indent="-317500" algn="ctr">
               <a:spcBef>
                 <a:spcPts val="0"/>
               </a:spcBef>
@@ -2954,7 +3068,7 @@
               <a:buChar char="○"/>
               <a:defRPr/>
             </a:lvl2pPr>
-            <a:lvl3pPr indent="-317500" lvl="2" marL="1371600" algn="ctr">
+            <a:lvl3pPr marL="1371600" lvl="2" indent="-317500" algn="ctr">
               <a:spcBef>
                 <a:spcPts val="0"/>
               </a:spcBef>
@@ -2965,7 +3079,7 @@
               <a:buChar char="■"/>
               <a:defRPr/>
             </a:lvl3pPr>
-            <a:lvl4pPr indent="-317500" lvl="3" marL="1828800" algn="ctr">
+            <a:lvl4pPr marL="1828800" lvl="3" indent="-317500" algn="ctr">
               <a:spcBef>
                 <a:spcPts val="0"/>
               </a:spcBef>
@@ -2976,7 +3090,7 @@
               <a:buChar char="●"/>
               <a:defRPr/>
             </a:lvl4pPr>
-            <a:lvl5pPr indent="-317500" lvl="4" marL="2286000" algn="ctr">
+            <a:lvl5pPr marL="2286000" lvl="4" indent="-317500" algn="ctr">
               <a:spcBef>
                 <a:spcPts val="0"/>
               </a:spcBef>
@@ -2987,7 +3101,7 @@
               <a:buChar char="○"/>
               <a:defRPr/>
             </a:lvl5pPr>
-            <a:lvl6pPr indent="-317500" lvl="5" marL="2743200" algn="ctr">
+            <a:lvl6pPr marL="2743200" lvl="5" indent="-317500" algn="ctr">
               <a:spcBef>
                 <a:spcPts val="0"/>
               </a:spcBef>
@@ -2998,7 +3112,7 @@
               <a:buChar char="■"/>
               <a:defRPr/>
             </a:lvl6pPr>
-            <a:lvl7pPr indent="-317500" lvl="6" marL="3200400" algn="ctr">
+            <a:lvl7pPr marL="3200400" lvl="6" indent="-317500" algn="ctr">
               <a:spcBef>
                 <a:spcPts val="0"/>
               </a:spcBef>
@@ -3009,7 +3123,7 @@
               <a:buChar char="●"/>
               <a:defRPr/>
             </a:lvl7pPr>
-            <a:lvl8pPr indent="-317500" lvl="7" marL="3657600" algn="ctr">
+            <a:lvl8pPr marL="3657600" lvl="7" indent="-317500" algn="ctr">
               <a:spcBef>
                 <a:spcPts val="0"/>
               </a:spcBef>
@@ -3020,7 +3134,7 @@
               <a:buChar char="○"/>
               <a:defRPr/>
             </a:lvl8pPr>
-            <a:lvl9pPr indent="-317500" lvl="8" marL="4114800" algn="ctr">
+            <a:lvl9pPr marL="4114800" lvl="8" indent="-317500" algn="ctr">
               <a:spcBef>
                 <a:spcPts val="0"/>
               </a:spcBef>
@@ -3032,15 +3146,19 @@
               <a:defRPr/>
             </a:lvl9pPr>
           </a:lstStyle>
-          <a:p/>
+          <a:p>
+            <a:endParaRPr/>
+          </a:p>
         </p:txBody>
       </p:sp>
       <p:sp>
         <p:nvSpPr>
           <p:cNvPr id="47" name="Google Shape;47;p11"/>
-          <p:cNvSpPr txBox="1"/>
+          <p:cNvSpPr txBox="1">
+            <a:spLocks noGrp="1"/>
+          </p:cNvSpPr>
           <p:nvPr>
-            <p:ph idx="12" type="sldNum"/>
+            <p:ph type="sldNum" idx="12"/>
           </p:nvPr>
         </p:nvSpPr>
         <p:spPr>
@@ -3053,7 +3171,7 @@
           </a:prstGeom>
         </p:spPr>
         <p:txBody>
-          <a:bodyPr anchorCtr="0" anchor="ctr" bIns="91425" lIns="91425" spcFirstLastPara="1" rIns="91425" wrap="square" tIns="91425">
+          <a:bodyPr spcFirstLastPara="1" wrap="square" lIns="91425" tIns="91425" rIns="91425" bIns="91425" anchor="ctr" anchorCtr="0">
             <a:normAutofit/>
           </a:bodyPr>
           <a:lstStyle>
@@ -3095,7 +3213,7 @@
             </a:lvl9pPr>
           </a:lstStyle>
           <a:p>
-            <a:pPr indent="0" lvl="0" marL="0" rtl="0" algn="r">
+            <a:pPr marL="0" lvl="0" indent="0" algn="r" rtl="0">
               <a:spcBef>
                 <a:spcPts val="0"/>
               </a:spcBef>
@@ -3121,11 +3239,11 @@
 </file>
 
 <file path=ppt/slideLayouts/slideLayout11.xml><?xml version="1.0" encoding="utf-8"?>
-<p:sldLayout xmlns:a="http://schemas.openxmlformats.org/drawingml/2006/main" xmlns:r="http://schemas.openxmlformats.org/officeDocument/2006/relationships" xmlns:mc="http://schemas.openxmlformats.org/markup-compatibility/2006" xmlns:mv="urn:schemas-microsoft-com:mac:vml" xmlns:p="http://schemas.openxmlformats.org/presentationml/2006/main" xmlns:c="http://schemas.openxmlformats.org/drawingml/2006/chart" xmlns:dgm="http://schemas.openxmlformats.org/drawingml/2006/diagram" xmlns:o="urn:schemas-microsoft-com:office:office" xmlns:v="urn:schemas-microsoft-com:vml" xmlns:pvml="urn:schemas-microsoft-com:office:powerpoint" xmlns:com="http://schemas.openxmlformats.org/drawingml/2006/compatibility" xmlns:p14="http://schemas.microsoft.com/office/powerpoint/2010/main" xmlns:p15="http://schemas.microsoft.com/office/powerpoint/2012/main" xmlns:ahyp="http://schemas.microsoft.com/office/drawing/2018/hyperlinkcolor" matchingName="Blank" type="blank">
+<p:sldLayout xmlns:a="http://schemas.openxmlformats.org/drawingml/2006/main" xmlns:r="http://schemas.openxmlformats.org/officeDocument/2006/relationships" xmlns:p="http://schemas.openxmlformats.org/presentationml/2006/main" matchingName="Blank" type="blank">
   <p:cSld name="BLANK">
     <p:spTree>
       <p:nvGrpSpPr>
-        <p:cNvPr id="48" name="Shape 48"/>
+        <p:cNvPr id="1" name="Shape 48"/>
         <p:cNvGrpSpPr/>
         <p:nvPr/>
       </p:nvGrpSpPr>
@@ -3140,9 +3258,11 @@
       <p:sp>
         <p:nvSpPr>
           <p:cNvPr id="49" name="Google Shape;49;p12"/>
-          <p:cNvSpPr txBox="1"/>
+          <p:cNvSpPr txBox="1">
+            <a:spLocks noGrp="1"/>
+          </p:cNvSpPr>
           <p:nvPr>
-            <p:ph idx="12" type="sldNum"/>
+            <p:ph type="sldNum" idx="12"/>
           </p:nvPr>
         </p:nvSpPr>
         <p:spPr>
@@ -3155,7 +3275,7 @@
           </a:prstGeom>
         </p:spPr>
         <p:txBody>
-          <a:bodyPr anchorCtr="0" anchor="ctr" bIns="91425" lIns="91425" spcFirstLastPara="1" rIns="91425" wrap="square" tIns="91425">
+          <a:bodyPr spcFirstLastPara="1" wrap="square" lIns="91425" tIns="91425" rIns="91425" bIns="91425" anchor="ctr" anchorCtr="0">
             <a:normAutofit/>
           </a:bodyPr>
           <a:lstStyle>
@@ -3197,7 +3317,7 @@
             </a:lvl9pPr>
           </a:lstStyle>
           <a:p>
-            <a:pPr indent="0" lvl="0" marL="0" rtl="0" algn="r">
+            <a:pPr marL="0" lvl="0" indent="0" algn="r" rtl="0">
               <a:spcBef>
                 <a:spcPts val="0"/>
               </a:spcBef>
@@ -3223,11 +3343,11 @@
 </file>
 
 <file path=ppt/slideLayouts/slideLayout2.xml><?xml version="1.0" encoding="utf-8"?>
-<p:sldLayout xmlns:a="http://schemas.openxmlformats.org/drawingml/2006/main" xmlns:r="http://schemas.openxmlformats.org/officeDocument/2006/relationships" xmlns:mc="http://schemas.openxmlformats.org/markup-compatibility/2006" xmlns:mv="urn:schemas-microsoft-com:mac:vml" xmlns:p="http://schemas.openxmlformats.org/presentationml/2006/main" xmlns:c="http://schemas.openxmlformats.org/drawingml/2006/chart" xmlns:dgm="http://schemas.openxmlformats.org/drawingml/2006/diagram" xmlns:o="urn:schemas-microsoft-com:office:office" xmlns:v="urn:schemas-microsoft-com:vml" xmlns:pvml="urn:schemas-microsoft-com:office:powerpoint" xmlns:com="http://schemas.openxmlformats.org/drawingml/2006/compatibility" xmlns:p14="http://schemas.microsoft.com/office/powerpoint/2010/main" xmlns:p15="http://schemas.microsoft.com/office/powerpoint/2012/main" xmlns:ahyp="http://schemas.microsoft.com/office/drawing/2018/hyperlinkcolor" matchingName="Section header" type="secHead">
+<p:sldLayout xmlns:a="http://schemas.openxmlformats.org/drawingml/2006/main" xmlns:r="http://schemas.openxmlformats.org/officeDocument/2006/relationships" xmlns:p="http://schemas.openxmlformats.org/presentationml/2006/main" matchingName="Section header" type="secHead">
   <p:cSld name="SECTION_HEADER">
     <p:spTree>
       <p:nvGrpSpPr>
-        <p:cNvPr id="13" name="Shape 13"/>
+        <p:cNvPr id="1" name="Shape 13"/>
         <p:cNvGrpSpPr/>
         <p:nvPr/>
       </p:nvGrpSpPr>
@@ -3242,7 +3362,9 @@
       <p:sp>
         <p:nvSpPr>
           <p:cNvPr id="14" name="Google Shape;14;p3"/>
-          <p:cNvSpPr txBox="1"/>
+          <p:cNvSpPr txBox="1">
+            <a:spLocks noGrp="1"/>
+          </p:cNvSpPr>
           <p:nvPr>
             <p:ph type="title"/>
           </p:nvPr>
@@ -3257,7 +3379,7 @@
           </a:prstGeom>
         </p:spPr>
         <p:txBody>
-          <a:bodyPr anchorCtr="0" anchor="ctr" bIns="91425" lIns="91425" spcFirstLastPara="1" rIns="91425" wrap="square" tIns="91425">
+          <a:bodyPr spcFirstLastPara="1" wrap="square" lIns="91425" tIns="91425" rIns="91425" bIns="91425" anchor="ctr" anchorCtr="0">
             <a:normAutofit/>
           </a:bodyPr>
           <a:lstStyle>
@@ -3361,15 +3483,19 @@
               <a:defRPr sz="3600"/>
             </a:lvl9pPr>
           </a:lstStyle>
-          <a:p/>
+          <a:p>
+            <a:endParaRPr/>
+          </a:p>
         </p:txBody>
       </p:sp>
       <p:sp>
         <p:nvSpPr>
           <p:cNvPr id="15" name="Google Shape;15;p3"/>
-          <p:cNvSpPr txBox="1"/>
+          <p:cNvSpPr txBox="1">
+            <a:spLocks noGrp="1"/>
+          </p:cNvSpPr>
           <p:nvPr>
-            <p:ph idx="12" type="sldNum"/>
+            <p:ph type="sldNum" idx="12"/>
           </p:nvPr>
         </p:nvSpPr>
         <p:spPr>
@@ -3382,7 +3508,7 @@
           </a:prstGeom>
         </p:spPr>
         <p:txBody>
-          <a:bodyPr anchorCtr="0" anchor="ctr" bIns="91425" lIns="91425" spcFirstLastPara="1" rIns="91425" wrap="square" tIns="91425">
+          <a:bodyPr spcFirstLastPara="1" wrap="square" lIns="91425" tIns="91425" rIns="91425" bIns="91425" anchor="ctr" anchorCtr="0">
             <a:normAutofit/>
           </a:bodyPr>
           <a:lstStyle>
@@ -3424,7 +3550,7 @@
             </a:lvl9pPr>
           </a:lstStyle>
           <a:p>
-            <a:pPr indent="0" lvl="0" marL="0" rtl="0" algn="r">
+            <a:pPr marL="0" lvl="0" indent="0" algn="r" rtl="0">
               <a:spcBef>
                 <a:spcPts val="0"/>
               </a:spcBef>
@@ -3450,11 +3576,11 @@
 </file>
 
 <file path=ppt/slideLayouts/slideLayout3.xml><?xml version="1.0" encoding="utf-8"?>
-<p:sldLayout xmlns:a="http://schemas.openxmlformats.org/drawingml/2006/main" xmlns:r="http://schemas.openxmlformats.org/officeDocument/2006/relationships" xmlns:mc="http://schemas.openxmlformats.org/markup-compatibility/2006" xmlns:mv="urn:schemas-microsoft-com:mac:vml" xmlns:p="http://schemas.openxmlformats.org/presentationml/2006/main" xmlns:c="http://schemas.openxmlformats.org/drawingml/2006/chart" xmlns:dgm="http://schemas.openxmlformats.org/drawingml/2006/diagram" xmlns:o="urn:schemas-microsoft-com:office:office" xmlns:v="urn:schemas-microsoft-com:vml" xmlns:pvml="urn:schemas-microsoft-com:office:powerpoint" xmlns:com="http://schemas.openxmlformats.org/drawingml/2006/compatibility" xmlns:p14="http://schemas.microsoft.com/office/powerpoint/2010/main" xmlns:p15="http://schemas.microsoft.com/office/powerpoint/2012/main" xmlns:ahyp="http://schemas.microsoft.com/office/drawing/2018/hyperlinkcolor" matchingName="Title and body" type="tx">
+<p:sldLayout xmlns:a="http://schemas.openxmlformats.org/drawingml/2006/main" xmlns:r="http://schemas.openxmlformats.org/officeDocument/2006/relationships" xmlns:p="http://schemas.openxmlformats.org/presentationml/2006/main" matchingName="Title and body" type="tx">
   <p:cSld name="TITLE_AND_BODY">
     <p:spTree>
       <p:nvGrpSpPr>
-        <p:cNvPr id="16" name="Shape 16"/>
+        <p:cNvPr id="1" name="Shape 16"/>
         <p:cNvGrpSpPr/>
         <p:nvPr/>
       </p:nvGrpSpPr>
@@ -3469,7 +3595,9 @@
       <p:sp>
         <p:nvSpPr>
           <p:cNvPr id="17" name="Google Shape;17;p4"/>
-          <p:cNvSpPr txBox="1"/>
+          <p:cNvSpPr txBox="1">
+            <a:spLocks noGrp="1"/>
+          </p:cNvSpPr>
           <p:nvPr>
             <p:ph type="title"/>
           </p:nvPr>
@@ -3484,7 +3612,7 @@
           </a:prstGeom>
         </p:spPr>
         <p:txBody>
-          <a:bodyPr anchorCtr="0" anchor="t" bIns="91425" lIns="91425" spcFirstLastPara="1" rIns="91425" wrap="square" tIns="91425">
+          <a:bodyPr spcFirstLastPara="1" wrap="square" lIns="91425" tIns="91425" rIns="91425" bIns="91425" anchor="t" anchorCtr="0">
             <a:normAutofit/>
           </a:bodyPr>
           <a:lstStyle>
@@ -3588,15 +3716,19 @@
               <a:defRPr/>
             </a:lvl9pPr>
           </a:lstStyle>
-          <a:p/>
+          <a:p>
+            <a:endParaRPr/>
+          </a:p>
         </p:txBody>
       </p:sp>
       <p:sp>
         <p:nvSpPr>
           <p:cNvPr id="18" name="Google Shape;18;p4"/>
-          <p:cNvSpPr txBox="1"/>
+          <p:cNvSpPr txBox="1">
+            <a:spLocks noGrp="1"/>
+          </p:cNvSpPr>
           <p:nvPr>
-            <p:ph idx="1" type="body"/>
+            <p:ph type="body" idx="1"/>
           </p:nvPr>
         </p:nvSpPr>
         <p:spPr>
@@ -3609,11 +3741,11 @@
           </a:prstGeom>
         </p:spPr>
         <p:txBody>
-          <a:bodyPr anchorCtr="0" anchor="t" bIns="91425" lIns="91425" spcFirstLastPara="1" rIns="91425" wrap="square" tIns="91425">
+          <a:bodyPr spcFirstLastPara="1" wrap="square" lIns="91425" tIns="91425" rIns="91425" bIns="91425" anchor="t" anchorCtr="0">
             <a:normAutofit/>
           </a:bodyPr>
           <a:lstStyle>
-            <a:lvl1pPr indent="-342900" lvl="0" marL="457200">
+            <a:lvl1pPr marL="457200" lvl="0" indent="-342900">
               <a:spcBef>
                 <a:spcPts val="0"/>
               </a:spcBef>
@@ -3624,7 +3756,7 @@
               <a:buChar char="●"/>
               <a:defRPr/>
             </a:lvl1pPr>
-            <a:lvl2pPr indent="-317500" lvl="1" marL="914400">
+            <a:lvl2pPr marL="914400" lvl="1" indent="-317500">
               <a:spcBef>
                 <a:spcPts val="0"/>
               </a:spcBef>
@@ -3635,7 +3767,7 @@
               <a:buChar char="○"/>
               <a:defRPr/>
             </a:lvl2pPr>
-            <a:lvl3pPr indent="-317500" lvl="2" marL="1371600">
+            <a:lvl3pPr marL="1371600" lvl="2" indent="-317500">
               <a:spcBef>
                 <a:spcPts val="0"/>
               </a:spcBef>
@@ -3646,7 +3778,7 @@
               <a:buChar char="■"/>
               <a:defRPr/>
             </a:lvl3pPr>
-            <a:lvl4pPr indent="-317500" lvl="3" marL="1828800">
+            <a:lvl4pPr marL="1828800" lvl="3" indent="-317500">
               <a:spcBef>
                 <a:spcPts val="0"/>
               </a:spcBef>
@@ -3657,7 +3789,7 @@
               <a:buChar char="●"/>
               <a:defRPr/>
             </a:lvl4pPr>
-            <a:lvl5pPr indent="-317500" lvl="4" marL="2286000">
+            <a:lvl5pPr marL="2286000" lvl="4" indent="-317500">
               <a:spcBef>
                 <a:spcPts val="0"/>
               </a:spcBef>
@@ -3668,7 +3800,7 @@
               <a:buChar char="○"/>
               <a:defRPr/>
             </a:lvl5pPr>
-            <a:lvl6pPr indent="-317500" lvl="5" marL="2743200">
+            <a:lvl6pPr marL="2743200" lvl="5" indent="-317500">
               <a:spcBef>
                 <a:spcPts val="0"/>
               </a:spcBef>
@@ -3679,7 +3811,7 @@
               <a:buChar char="■"/>
               <a:defRPr/>
             </a:lvl6pPr>
-            <a:lvl7pPr indent="-317500" lvl="6" marL="3200400">
+            <a:lvl7pPr marL="3200400" lvl="6" indent="-317500">
               <a:spcBef>
                 <a:spcPts val="0"/>
               </a:spcBef>
@@ -3690,7 +3822,7 @@
               <a:buChar char="●"/>
               <a:defRPr/>
             </a:lvl7pPr>
-            <a:lvl8pPr indent="-317500" lvl="7" marL="3657600">
+            <a:lvl8pPr marL="3657600" lvl="7" indent="-317500">
               <a:spcBef>
                 <a:spcPts val="0"/>
               </a:spcBef>
@@ -3701,7 +3833,7 @@
               <a:buChar char="○"/>
               <a:defRPr/>
             </a:lvl8pPr>
-            <a:lvl9pPr indent="-317500" lvl="8" marL="4114800">
+            <a:lvl9pPr marL="4114800" lvl="8" indent="-317500">
               <a:spcBef>
                 <a:spcPts val="0"/>
               </a:spcBef>
@@ -3713,15 +3845,19 @@
               <a:defRPr/>
             </a:lvl9pPr>
           </a:lstStyle>
-          <a:p/>
+          <a:p>
+            <a:endParaRPr/>
+          </a:p>
         </p:txBody>
       </p:sp>
       <p:sp>
         <p:nvSpPr>
           <p:cNvPr id="19" name="Google Shape;19;p4"/>
-          <p:cNvSpPr txBox="1"/>
+          <p:cNvSpPr txBox="1">
+            <a:spLocks noGrp="1"/>
+          </p:cNvSpPr>
           <p:nvPr>
-            <p:ph idx="12" type="sldNum"/>
+            <p:ph type="sldNum" idx="12"/>
           </p:nvPr>
         </p:nvSpPr>
         <p:spPr>
@@ -3734,7 +3870,7 @@
           </a:prstGeom>
         </p:spPr>
         <p:txBody>
-          <a:bodyPr anchorCtr="0" anchor="ctr" bIns="91425" lIns="91425" spcFirstLastPara="1" rIns="91425" wrap="square" tIns="91425">
+          <a:bodyPr spcFirstLastPara="1" wrap="square" lIns="91425" tIns="91425" rIns="91425" bIns="91425" anchor="ctr" anchorCtr="0">
             <a:normAutofit/>
           </a:bodyPr>
           <a:lstStyle>
@@ -3776,7 +3912,7 @@
             </a:lvl9pPr>
           </a:lstStyle>
           <a:p>
-            <a:pPr indent="0" lvl="0" marL="0" rtl="0" algn="r">
+            <a:pPr marL="0" lvl="0" indent="0" algn="r" rtl="0">
               <a:spcBef>
                 <a:spcPts val="0"/>
               </a:spcBef>
@@ -3802,11 +3938,11 @@
 </file>
 
 <file path=ppt/slideLayouts/slideLayout4.xml><?xml version="1.0" encoding="utf-8"?>
-<p:sldLayout xmlns:a="http://schemas.openxmlformats.org/drawingml/2006/main" xmlns:r="http://schemas.openxmlformats.org/officeDocument/2006/relationships" xmlns:mc="http://schemas.openxmlformats.org/markup-compatibility/2006" xmlns:mv="urn:schemas-microsoft-com:mac:vml" xmlns:p="http://schemas.openxmlformats.org/presentationml/2006/main" xmlns:c="http://schemas.openxmlformats.org/drawingml/2006/chart" xmlns:dgm="http://schemas.openxmlformats.org/drawingml/2006/diagram" xmlns:o="urn:schemas-microsoft-com:office:office" xmlns:v="urn:schemas-microsoft-com:vml" xmlns:pvml="urn:schemas-microsoft-com:office:powerpoint" xmlns:com="http://schemas.openxmlformats.org/drawingml/2006/compatibility" xmlns:p14="http://schemas.microsoft.com/office/powerpoint/2010/main" xmlns:p15="http://schemas.microsoft.com/office/powerpoint/2012/main" xmlns:ahyp="http://schemas.microsoft.com/office/drawing/2018/hyperlinkcolor" matchingName="Title and two columns" type="twoColTx">
+<p:sldLayout xmlns:a="http://schemas.openxmlformats.org/drawingml/2006/main" xmlns:r="http://schemas.openxmlformats.org/officeDocument/2006/relationships" xmlns:p="http://schemas.openxmlformats.org/presentationml/2006/main" matchingName="Title and two columns" type="twoColTx">
   <p:cSld name="TITLE_AND_TWO_COLUMNS">
     <p:spTree>
       <p:nvGrpSpPr>
-        <p:cNvPr id="20" name="Shape 20"/>
+        <p:cNvPr id="1" name="Shape 20"/>
         <p:cNvGrpSpPr/>
         <p:nvPr/>
       </p:nvGrpSpPr>
@@ -3821,7 +3957,9 @@
       <p:sp>
         <p:nvSpPr>
           <p:cNvPr id="21" name="Google Shape;21;p5"/>
-          <p:cNvSpPr txBox="1"/>
+          <p:cNvSpPr txBox="1">
+            <a:spLocks noGrp="1"/>
+          </p:cNvSpPr>
           <p:nvPr>
             <p:ph type="title"/>
           </p:nvPr>
@@ -3836,7 +3974,7 @@
           </a:prstGeom>
         </p:spPr>
         <p:txBody>
-          <a:bodyPr anchorCtr="0" anchor="t" bIns="91425" lIns="91425" spcFirstLastPara="1" rIns="91425" wrap="square" tIns="91425">
+          <a:bodyPr spcFirstLastPara="1" wrap="square" lIns="91425" tIns="91425" rIns="91425" bIns="91425" anchor="t" anchorCtr="0">
             <a:normAutofit/>
           </a:bodyPr>
           <a:lstStyle>
@@ -3940,15 +4078,19 @@
               <a:defRPr/>
             </a:lvl9pPr>
           </a:lstStyle>
-          <a:p/>
+          <a:p>
+            <a:endParaRPr/>
+          </a:p>
         </p:txBody>
       </p:sp>
       <p:sp>
         <p:nvSpPr>
           <p:cNvPr id="22" name="Google Shape;22;p5"/>
-          <p:cNvSpPr txBox="1"/>
+          <p:cNvSpPr txBox="1">
+            <a:spLocks noGrp="1"/>
+          </p:cNvSpPr>
           <p:nvPr>
-            <p:ph idx="1" type="body"/>
+            <p:ph type="body" idx="1"/>
           </p:nvPr>
         </p:nvSpPr>
         <p:spPr>
@@ -3961,11 +4103,11 @@
           </a:prstGeom>
         </p:spPr>
         <p:txBody>
-          <a:bodyPr anchorCtr="0" anchor="t" bIns="91425" lIns="91425" spcFirstLastPara="1" rIns="91425" wrap="square" tIns="91425">
+          <a:bodyPr spcFirstLastPara="1" wrap="square" lIns="91425" tIns="91425" rIns="91425" bIns="91425" anchor="t" anchorCtr="0">
             <a:normAutofit/>
           </a:bodyPr>
           <a:lstStyle>
-            <a:lvl1pPr indent="-317500" lvl="0" marL="457200">
+            <a:lvl1pPr marL="457200" lvl="0" indent="-317500">
               <a:spcBef>
                 <a:spcPts val="0"/>
               </a:spcBef>
@@ -3976,7 +4118,7 @@
               <a:buChar char="●"/>
               <a:defRPr sz="1400"/>
             </a:lvl1pPr>
-            <a:lvl2pPr indent="-304800" lvl="1" marL="914400">
+            <a:lvl2pPr marL="914400" lvl="1" indent="-304800">
               <a:spcBef>
                 <a:spcPts val="0"/>
               </a:spcBef>
@@ -3987,7 +4129,7 @@
               <a:buChar char="○"/>
               <a:defRPr sz="1200"/>
             </a:lvl2pPr>
-            <a:lvl3pPr indent="-304800" lvl="2" marL="1371600">
+            <a:lvl3pPr marL="1371600" lvl="2" indent="-304800">
               <a:spcBef>
                 <a:spcPts val="0"/>
               </a:spcBef>
@@ -3998,7 +4140,7 @@
               <a:buChar char="■"/>
               <a:defRPr sz="1200"/>
             </a:lvl3pPr>
-            <a:lvl4pPr indent="-304800" lvl="3" marL="1828800">
+            <a:lvl4pPr marL="1828800" lvl="3" indent="-304800">
               <a:spcBef>
                 <a:spcPts val="0"/>
               </a:spcBef>
@@ -4009,7 +4151,7 @@
               <a:buChar char="●"/>
               <a:defRPr sz="1200"/>
             </a:lvl4pPr>
-            <a:lvl5pPr indent="-304800" lvl="4" marL="2286000">
+            <a:lvl5pPr marL="2286000" lvl="4" indent="-304800">
               <a:spcBef>
                 <a:spcPts val="0"/>
               </a:spcBef>
@@ -4020,7 +4162,7 @@
               <a:buChar char="○"/>
               <a:defRPr sz="1200"/>
             </a:lvl5pPr>
-            <a:lvl6pPr indent="-304800" lvl="5" marL="2743200">
+            <a:lvl6pPr marL="2743200" lvl="5" indent="-304800">
               <a:spcBef>
                 <a:spcPts val="0"/>
               </a:spcBef>
@@ -4031,7 +4173,7 @@
               <a:buChar char="■"/>
               <a:defRPr sz="1200"/>
             </a:lvl6pPr>
-            <a:lvl7pPr indent="-304800" lvl="6" marL="3200400">
+            <a:lvl7pPr marL="3200400" lvl="6" indent="-304800">
               <a:spcBef>
                 <a:spcPts val="0"/>
               </a:spcBef>
@@ -4042,7 +4184,7 @@
               <a:buChar char="●"/>
               <a:defRPr sz="1200"/>
             </a:lvl7pPr>
-            <a:lvl8pPr indent="-304800" lvl="7" marL="3657600">
+            <a:lvl8pPr marL="3657600" lvl="7" indent="-304800">
               <a:spcBef>
                 <a:spcPts val="0"/>
               </a:spcBef>
@@ -4053,7 +4195,7 @@
               <a:buChar char="○"/>
               <a:defRPr sz="1200"/>
             </a:lvl8pPr>
-            <a:lvl9pPr indent="-304800" lvl="8" marL="4114800">
+            <a:lvl9pPr marL="4114800" lvl="8" indent="-304800">
               <a:spcBef>
                 <a:spcPts val="0"/>
               </a:spcBef>
@@ -4065,15 +4207,19 @@
               <a:defRPr sz="1200"/>
             </a:lvl9pPr>
           </a:lstStyle>
-          <a:p/>
+          <a:p>
+            <a:endParaRPr/>
+          </a:p>
         </p:txBody>
       </p:sp>
       <p:sp>
         <p:nvSpPr>
           <p:cNvPr id="23" name="Google Shape;23;p5"/>
-          <p:cNvSpPr txBox="1"/>
+          <p:cNvSpPr txBox="1">
+            <a:spLocks noGrp="1"/>
+          </p:cNvSpPr>
           <p:nvPr>
-            <p:ph idx="2" type="body"/>
+            <p:ph type="body" idx="2"/>
           </p:nvPr>
         </p:nvSpPr>
         <p:spPr>
@@ -4086,11 +4232,11 @@
           </a:prstGeom>
         </p:spPr>
         <p:txBody>
-          <a:bodyPr anchorCtr="0" anchor="t" bIns="91425" lIns="91425" spcFirstLastPara="1" rIns="91425" wrap="square" tIns="91425">
+          <a:bodyPr spcFirstLastPara="1" wrap="square" lIns="91425" tIns="91425" rIns="91425" bIns="91425" anchor="t" anchorCtr="0">
             <a:normAutofit/>
           </a:bodyPr>
           <a:lstStyle>
-            <a:lvl1pPr indent="-317500" lvl="0" marL="457200">
+            <a:lvl1pPr marL="457200" lvl="0" indent="-317500">
               <a:spcBef>
                 <a:spcPts val="0"/>
               </a:spcBef>
@@ -4101,7 +4247,7 @@
               <a:buChar char="●"/>
               <a:defRPr sz="1400"/>
             </a:lvl1pPr>
-            <a:lvl2pPr indent="-304800" lvl="1" marL="914400">
+            <a:lvl2pPr marL="914400" lvl="1" indent="-304800">
               <a:spcBef>
                 <a:spcPts val="0"/>
               </a:spcBef>
@@ -4112,7 +4258,7 @@
               <a:buChar char="○"/>
               <a:defRPr sz="1200"/>
             </a:lvl2pPr>
-            <a:lvl3pPr indent="-304800" lvl="2" marL="1371600">
+            <a:lvl3pPr marL="1371600" lvl="2" indent="-304800">
               <a:spcBef>
                 <a:spcPts val="0"/>
               </a:spcBef>
@@ -4123,7 +4269,7 @@
               <a:buChar char="■"/>
               <a:defRPr sz="1200"/>
             </a:lvl3pPr>
-            <a:lvl4pPr indent="-304800" lvl="3" marL="1828800">
+            <a:lvl4pPr marL="1828800" lvl="3" indent="-304800">
               <a:spcBef>
                 <a:spcPts val="0"/>
               </a:spcBef>
@@ -4134,7 +4280,7 @@
               <a:buChar char="●"/>
               <a:defRPr sz="1200"/>
             </a:lvl4pPr>
-            <a:lvl5pPr indent="-304800" lvl="4" marL="2286000">
+            <a:lvl5pPr marL="2286000" lvl="4" indent="-304800">
               <a:spcBef>
                 <a:spcPts val="0"/>
               </a:spcBef>
@@ -4145,7 +4291,7 @@
               <a:buChar char="○"/>
               <a:defRPr sz="1200"/>
             </a:lvl5pPr>
-            <a:lvl6pPr indent="-304800" lvl="5" marL="2743200">
+            <a:lvl6pPr marL="2743200" lvl="5" indent="-304800">
               <a:spcBef>
                 <a:spcPts val="0"/>
               </a:spcBef>
@@ -4156,7 +4302,7 @@
               <a:buChar char="■"/>
               <a:defRPr sz="1200"/>
             </a:lvl6pPr>
-            <a:lvl7pPr indent="-304800" lvl="6" marL="3200400">
+            <a:lvl7pPr marL="3200400" lvl="6" indent="-304800">
               <a:spcBef>
                 <a:spcPts val="0"/>
               </a:spcBef>
@@ -4167,7 +4313,7 @@
               <a:buChar char="●"/>
               <a:defRPr sz="1200"/>
             </a:lvl7pPr>
-            <a:lvl8pPr indent="-304800" lvl="7" marL="3657600">
+            <a:lvl8pPr marL="3657600" lvl="7" indent="-304800">
               <a:spcBef>
                 <a:spcPts val="0"/>
               </a:spcBef>
@@ -4178,7 +4324,7 @@
               <a:buChar char="○"/>
               <a:defRPr sz="1200"/>
             </a:lvl8pPr>
-            <a:lvl9pPr indent="-304800" lvl="8" marL="4114800">
+            <a:lvl9pPr marL="4114800" lvl="8" indent="-304800">
               <a:spcBef>
                 <a:spcPts val="0"/>
               </a:spcBef>
@@ -4190,15 +4336,19 @@
               <a:defRPr sz="1200"/>
             </a:lvl9pPr>
           </a:lstStyle>
-          <a:p/>
+          <a:p>
+            <a:endParaRPr/>
+          </a:p>
         </p:txBody>
       </p:sp>
       <p:sp>
         <p:nvSpPr>
           <p:cNvPr id="24" name="Google Shape;24;p5"/>
-          <p:cNvSpPr txBox="1"/>
+          <p:cNvSpPr txBox="1">
+            <a:spLocks noGrp="1"/>
+          </p:cNvSpPr>
           <p:nvPr>
-            <p:ph idx="12" type="sldNum"/>
+            <p:ph type="sldNum" idx="12"/>
           </p:nvPr>
         </p:nvSpPr>
         <p:spPr>
@@ -4211,7 +4361,7 @@
           </a:prstGeom>
         </p:spPr>
         <p:txBody>
-          <a:bodyPr anchorCtr="0" anchor="ctr" bIns="91425" lIns="91425" spcFirstLastPara="1" rIns="91425" wrap="square" tIns="91425">
+          <a:bodyPr spcFirstLastPara="1" wrap="square" lIns="91425" tIns="91425" rIns="91425" bIns="91425" anchor="ctr" anchorCtr="0">
             <a:normAutofit/>
           </a:bodyPr>
           <a:lstStyle>
@@ -4253,7 +4403,7 @@
             </a:lvl9pPr>
           </a:lstStyle>
           <a:p>
-            <a:pPr indent="0" lvl="0" marL="0" rtl="0" algn="r">
+            <a:pPr marL="0" lvl="0" indent="0" algn="r" rtl="0">
               <a:spcBef>
                 <a:spcPts val="0"/>
               </a:spcBef>
@@ -4279,11 +4429,11 @@
 </file>
 
 <file path=ppt/slideLayouts/slideLayout5.xml><?xml version="1.0" encoding="utf-8"?>
-<p:sldLayout xmlns:a="http://schemas.openxmlformats.org/drawingml/2006/main" xmlns:r="http://schemas.openxmlformats.org/officeDocument/2006/relationships" xmlns:mc="http://schemas.openxmlformats.org/markup-compatibility/2006" xmlns:mv="urn:schemas-microsoft-com:mac:vml" xmlns:p="http://schemas.openxmlformats.org/presentationml/2006/main" xmlns:c="http://schemas.openxmlformats.org/drawingml/2006/chart" xmlns:dgm="http://schemas.openxmlformats.org/drawingml/2006/diagram" xmlns:o="urn:schemas-microsoft-com:office:office" xmlns:v="urn:schemas-microsoft-com:vml" xmlns:pvml="urn:schemas-microsoft-com:office:powerpoint" xmlns:com="http://schemas.openxmlformats.org/drawingml/2006/compatibility" xmlns:p14="http://schemas.microsoft.com/office/powerpoint/2010/main" xmlns:p15="http://schemas.microsoft.com/office/powerpoint/2012/main" xmlns:ahyp="http://schemas.microsoft.com/office/drawing/2018/hyperlinkcolor" matchingName="Title only" type="titleOnly">
+<p:sldLayout xmlns:a="http://schemas.openxmlformats.org/drawingml/2006/main" xmlns:r="http://schemas.openxmlformats.org/officeDocument/2006/relationships" xmlns:p="http://schemas.openxmlformats.org/presentationml/2006/main" matchingName="Title only" type="titleOnly">
   <p:cSld name="TITLE_ONLY">
     <p:spTree>
       <p:nvGrpSpPr>
-        <p:cNvPr id="25" name="Shape 25"/>
+        <p:cNvPr id="1" name="Shape 25"/>
         <p:cNvGrpSpPr/>
         <p:nvPr/>
       </p:nvGrpSpPr>
@@ -4298,7 +4448,9 @@
       <p:sp>
         <p:nvSpPr>
           <p:cNvPr id="26" name="Google Shape;26;p6"/>
-          <p:cNvSpPr txBox="1"/>
+          <p:cNvSpPr txBox="1">
+            <a:spLocks noGrp="1"/>
+          </p:cNvSpPr>
           <p:nvPr>
             <p:ph type="title"/>
           </p:nvPr>
@@ -4313,7 +4465,7 @@
           </a:prstGeom>
         </p:spPr>
         <p:txBody>
-          <a:bodyPr anchorCtr="0" anchor="t" bIns="91425" lIns="91425" spcFirstLastPara="1" rIns="91425" wrap="square" tIns="91425">
+          <a:bodyPr spcFirstLastPara="1" wrap="square" lIns="91425" tIns="91425" rIns="91425" bIns="91425" anchor="t" anchorCtr="0">
             <a:normAutofit/>
           </a:bodyPr>
           <a:lstStyle>
@@ -4417,15 +4569,19 @@
               <a:defRPr/>
             </a:lvl9pPr>
           </a:lstStyle>
-          <a:p/>
+          <a:p>
+            <a:endParaRPr/>
+          </a:p>
         </p:txBody>
       </p:sp>
       <p:sp>
         <p:nvSpPr>
           <p:cNvPr id="27" name="Google Shape;27;p6"/>
-          <p:cNvSpPr txBox="1"/>
+          <p:cNvSpPr txBox="1">
+            <a:spLocks noGrp="1"/>
+          </p:cNvSpPr>
           <p:nvPr>
-            <p:ph idx="12" type="sldNum"/>
+            <p:ph type="sldNum" idx="12"/>
           </p:nvPr>
         </p:nvSpPr>
         <p:spPr>
@@ -4438,7 +4594,7 @@
           </a:prstGeom>
         </p:spPr>
         <p:txBody>
-          <a:bodyPr anchorCtr="0" anchor="ctr" bIns="91425" lIns="91425" spcFirstLastPara="1" rIns="91425" wrap="square" tIns="91425">
+          <a:bodyPr spcFirstLastPara="1" wrap="square" lIns="91425" tIns="91425" rIns="91425" bIns="91425" anchor="ctr" anchorCtr="0">
             <a:normAutofit/>
           </a:bodyPr>
           <a:lstStyle>
@@ -4480,7 +4636,7 @@
             </a:lvl9pPr>
           </a:lstStyle>
           <a:p>
-            <a:pPr indent="0" lvl="0" marL="0" rtl="0" algn="r">
+            <a:pPr marL="0" lvl="0" indent="0" algn="r" rtl="0">
               <a:spcBef>
                 <a:spcPts val="0"/>
               </a:spcBef>
@@ -4506,11 +4662,11 @@
 </file>
 
 <file path=ppt/slideLayouts/slideLayout6.xml><?xml version="1.0" encoding="utf-8"?>
-<p:sldLayout xmlns:a="http://schemas.openxmlformats.org/drawingml/2006/main" xmlns:r="http://schemas.openxmlformats.org/officeDocument/2006/relationships" xmlns:mc="http://schemas.openxmlformats.org/markup-compatibility/2006" xmlns:mv="urn:schemas-microsoft-com:mac:vml" xmlns:p="http://schemas.openxmlformats.org/presentationml/2006/main" xmlns:c="http://schemas.openxmlformats.org/drawingml/2006/chart" xmlns:dgm="http://schemas.openxmlformats.org/drawingml/2006/diagram" xmlns:o="urn:schemas-microsoft-com:office:office" xmlns:v="urn:schemas-microsoft-com:vml" xmlns:pvml="urn:schemas-microsoft-com:office:powerpoint" xmlns:com="http://schemas.openxmlformats.org/drawingml/2006/compatibility" xmlns:p14="http://schemas.microsoft.com/office/powerpoint/2010/main" xmlns:p15="http://schemas.microsoft.com/office/powerpoint/2012/main" xmlns:ahyp="http://schemas.microsoft.com/office/drawing/2018/hyperlinkcolor" matchingName="One column text">
+<p:sldLayout xmlns:a="http://schemas.openxmlformats.org/drawingml/2006/main" xmlns:r="http://schemas.openxmlformats.org/officeDocument/2006/relationships" xmlns:p="http://schemas.openxmlformats.org/presentationml/2006/main" matchingName="One column text">
   <p:cSld name="ONE_COLUMN_TEXT">
     <p:spTree>
       <p:nvGrpSpPr>
-        <p:cNvPr id="28" name="Shape 28"/>
+        <p:cNvPr id="1" name="Shape 28"/>
         <p:cNvGrpSpPr/>
         <p:nvPr/>
       </p:nvGrpSpPr>
@@ -4525,7 +4681,9 @@
       <p:sp>
         <p:nvSpPr>
           <p:cNvPr id="29" name="Google Shape;29;p7"/>
-          <p:cNvSpPr txBox="1"/>
+          <p:cNvSpPr txBox="1">
+            <a:spLocks noGrp="1"/>
+          </p:cNvSpPr>
           <p:nvPr>
             <p:ph type="title"/>
           </p:nvPr>
@@ -4540,7 +4698,7 @@
           </a:prstGeom>
         </p:spPr>
         <p:txBody>
-          <a:bodyPr anchorCtr="0" anchor="b" bIns="91425" lIns="91425" spcFirstLastPara="1" rIns="91425" wrap="square" tIns="91425">
+          <a:bodyPr spcFirstLastPara="1" wrap="square" lIns="91425" tIns="91425" rIns="91425" bIns="91425" anchor="b" anchorCtr="0">
             <a:normAutofit/>
           </a:bodyPr>
           <a:lstStyle>
@@ -4644,15 +4802,19 @@
               <a:defRPr sz="2400"/>
             </a:lvl9pPr>
           </a:lstStyle>
-          <a:p/>
+          <a:p>
+            <a:endParaRPr/>
+          </a:p>
         </p:txBody>
       </p:sp>
       <p:sp>
         <p:nvSpPr>
           <p:cNvPr id="30" name="Google Shape;30;p7"/>
-          <p:cNvSpPr txBox="1"/>
+          <p:cNvSpPr txBox="1">
+            <a:spLocks noGrp="1"/>
+          </p:cNvSpPr>
           <p:nvPr>
-            <p:ph idx="1" type="body"/>
+            <p:ph type="body" idx="1"/>
           </p:nvPr>
         </p:nvSpPr>
         <p:spPr>
@@ -4665,11 +4827,11 @@
           </a:prstGeom>
         </p:spPr>
         <p:txBody>
-          <a:bodyPr anchorCtr="0" anchor="t" bIns="91425" lIns="91425" spcFirstLastPara="1" rIns="91425" wrap="square" tIns="91425">
+          <a:bodyPr spcFirstLastPara="1" wrap="square" lIns="91425" tIns="91425" rIns="91425" bIns="91425" anchor="t" anchorCtr="0">
             <a:normAutofit/>
           </a:bodyPr>
           <a:lstStyle>
-            <a:lvl1pPr indent="-304800" lvl="0" marL="457200">
+            <a:lvl1pPr marL="457200" lvl="0" indent="-304800">
               <a:spcBef>
                 <a:spcPts val="0"/>
               </a:spcBef>
@@ -4680,7 +4842,7 @@
               <a:buChar char="●"/>
               <a:defRPr sz="1200"/>
             </a:lvl1pPr>
-            <a:lvl2pPr indent="-304800" lvl="1" marL="914400">
+            <a:lvl2pPr marL="914400" lvl="1" indent="-304800">
               <a:spcBef>
                 <a:spcPts val="0"/>
               </a:spcBef>
@@ -4691,7 +4853,7 @@
               <a:buChar char="○"/>
               <a:defRPr sz="1200"/>
             </a:lvl2pPr>
-            <a:lvl3pPr indent="-304800" lvl="2" marL="1371600">
+            <a:lvl3pPr marL="1371600" lvl="2" indent="-304800">
               <a:spcBef>
                 <a:spcPts val="0"/>
               </a:spcBef>
@@ -4702,7 +4864,7 @@
               <a:buChar char="■"/>
               <a:defRPr sz="1200"/>
             </a:lvl3pPr>
-            <a:lvl4pPr indent="-304800" lvl="3" marL="1828800">
+            <a:lvl4pPr marL="1828800" lvl="3" indent="-304800">
               <a:spcBef>
                 <a:spcPts val="0"/>
               </a:spcBef>
@@ -4713,7 +4875,7 @@
               <a:buChar char="●"/>
               <a:defRPr sz="1200"/>
             </a:lvl4pPr>
-            <a:lvl5pPr indent="-304800" lvl="4" marL="2286000">
+            <a:lvl5pPr marL="2286000" lvl="4" indent="-304800">
               <a:spcBef>
                 <a:spcPts val="0"/>
               </a:spcBef>
@@ -4724,7 +4886,7 @@
               <a:buChar char="○"/>
               <a:defRPr sz="1200"/>
             </a:lvl5pPr>
-            <a:lvl6pPr indent="-304800" lvl="5" marL="2743200">
+            <a:lvl6pPr marL="2743200" lvl="5" indent="-304800">
               <a:spcBef>
                 <a:spcPts val="0"/>
               </a:spcBef>
@@ -4735,7 +4897,7 @@
               <a:buChar char="■"/>
               <a:defRPr sz="1200"/>
             </a:lvl6pPr>
-            <a:lvl7pPr indent="-304800" lvl="6" marL="3200400">
+            <a:lvl7pPr marL="3200400" lvl="6" indent="-304800">
               <a:spcBef>
                 <a:spcPts val="0"/>
               </a:spcBef>
@@ -4746,7 +4908,7 @@
               <a:buChar char="●"/>
               <a:defRPr sz="1200"/>
             </a:lvl7pPr>
-            <a:lvl8pPr indent="-304800" lvl="7" marL="3657600">
+            <a:lvl8pPr marL="3657600" lvl="7" indent="-304800">
               <a:spcBef>
                 <a:spcPts val="0"/>
               </a:spcBef>
@@ -4757,7 +4919,7 @@
               <a:buChar char="○"/>
               <a:defRPr sz="1200"/>
             </a:lvl8pPr>
-            <a:lvl9pPr indent="-304800" lvl="8" marL="4114800">
+            <a:lvl9pPr marL="4114800" lvl="8" indent="-304800">
               <a:spcBef>
                 <a:spcPts val="0"/>
               </a:spcBef>
@@ -4769,15 +4931,19 @@
               <a:defRPr sz="1200"/>
             </a:lvl9pPr>
           </a:lstStyle>
-          <a:p/>
+          <a:p>
+            <a:endParaRPr/>
+          </a:p>
         </p:txBody>
       </p:sp>
       <p:sp>
         <p:nvSpPr>
           <p:cNvPr id="31" name="Google Shape;31;p7"/>
-          <p:cNvSpPr txBox="1"/>
+          <p:cNvSpPr txBox="1">
+            <a:spLocks noGrp="1"/>
+          </p:cNvSpPr>
           <p:nvPr>
-            <p:ph idx="12" type="sldNum"/>
+            <p:ph type="sldNum" idx="12"/>
           </p:nvPr>
         </p:nvSpPr>
         <p:spPr>
@@ -4790,7 +4956,7 @@
           </a:prstGeom>
         </p:spPr>
         <p:txBody>
-          <a:bodyPr anchorCtr="0" anchor="ctr" bIns="91425" lIns="91425" spcFirstLastPara="1" rIns="91425" wrap="square" tIns="91425">
+          <a:bodyPr spcFirstLastPara="1" wrap="square" lIns="91425" tIns="91425" rIns="91425" bIns="91425" anchor="ctr" anchorCtr="0">
             <a:normAutofit/>
           </a:bodyPr>
           <a:lstStyle>
@@ -4832,7 +4998,7 @@
             </a:lvl9pPr>
           </a:lstStyle>
           <a:p>
-            <a:pPr indent="0" lvl="0" marL="0" rtl="0" algn="r">
+            <a:pPr marL="0" lvl="0" indent="0" algn="r" rtl="0">
               <a:spcBef>
                 <a:spcPts val="0"/>
               </a:spcBef>
@@ -4858,11 +5024,11 @@
 </file>
 
 <file path=ppt/slideLayouts/slideLayout7.xml><?xml version="1.0" encoding="utf-8"?>
-<p:sldLayout xmlns:a="http://schemas.openxmlformats.org/drawingml/2006/main" xmlns:r="http://schemas.openxmlformats.org/officeDocument/2006/relationships" xmlns:mc="http://schemas.openxmlformats.org/markup-compatibility/2006" xmlns:mv="urn:schemas-microsoft-com:mac:vml" xmlns:p="http://schemas.openxmlformats.org/presentationml/2006/main" xmlns:c="http://schemas.openxmlformats.org/drawingml/2006/chart" xmlns:dgm="http://schemas.openxmlformats.org/drawingml/2006/diagram" xmlns:o="urn:schemas-microsoft-com:office:office" xmlns:v="urn:schemas-microsoft-com:vml" xmlns:pvml="urn:schemas-microsoft-com:office:powerpoint" xmlns:com="http://schemas.openxmlformats.org/drawingml/2006/compatibility" xmlns:p14="http://schemas.microsoft.com/office/powerpoint/2010/main" xmlns:p15="http://schemas.microsoft.com/office/powerpoint/2012/main" xmlns:ahyp="http://schemas.microsoft.com/office/drawing/2018/hyperlinkcolor" matchingName="Main point">
+<p:sldLayout xmlns:a="http://schemas.openxmlformats.org/drawingml/2006/main" xmlns:r="http://schemas.openxmlformats.org/officeDocument/2006/relationships" xmlns:p="http://schemas.openxmlformats.org/presentationml/2006/main" matchingName="Main point">
   <p:cSld name="MAIN_POINT">
     <p:spTree>
       <p:nvGrpSpPr>
-        <p:cNvPr id="32" name="Shape 32"/>
+        <p:cNvPr id="1" name="Shape 32"/>
         <p:cNvGrpSpPr/>
         <p:nvPr/>
       </p:nvGrpSpPr>
@@ -4877,7 +5043,9 @@
       <p:sp>
         <p:nvSpPr>
           <p:cNvPr id="33" name="Google Shape;33;p8"/>
-          <p:cNvSpPr txBox="1"/>
+          <p:cNvSpPr txBox="1">
+            <a:spLocks noGrp="1"/>
+          </p:cNvSpPr>
           <p:nvPr>
             <p:ph type="title"/>
           </p:nvPr>
@@ -4892,7 +5060,7 @@
           </a:prstGeom>
         </p:spPr>
         <p:txBody>
-          <a:bodyPr anchorCtr="0" anchor="ctr" bIns="91425" lIns="91425" spcFirstLastPara="1" rIns="91425" wrap="square" tIns="91425">
+          <a:bodyPr spcFirstLastPara="1" wrap="square" lIns="91425" tIns="91425" rIns="91425" bIns="91425" anchor="ctr" anchorCtr="0">
             <a:normAutofit/>
           </a:bodyPr>
           <a:lstStyle>
@@ -4996,15 +5164,19 @@
               <a:defRPr sz="4800"/>
             </a:lvl9pPr>
           </a:lstStyle>
-          <a:p/>
+          <a:p>
+            <a:endParaRPr/>
+          </a:p>
         </p:txBody>
       </p:sp>
       <p:sp>
         <p:nvSpPr>
           <p:cNvPr id="34" name="Google Shape;34;p8"/>
-          <p:cNvSpPr txBox="1"/>
+          <p:cNvSpPr txBox="1">
+            <a:spLocks noGrp="1"/>
+          </p:cNvSpPr>
           <p:nvPr>
-            <p:ph idx="12" type="sldNum"/>
+            <p:ph type="sldNum" idx="12"/>
           </p:nvPr>
         </p:nvSpPr>
         <p:spPr>
@@ -5017,7 +5189,7 @@
           </a:prstGeom>
         </p:spPr>
         <p:txBody>
-          <a:bodyPr anchorCtr="0" anchor="ctr" bIns="91425" lIns="91425" spcFirstLastPara="1" rIns="91425" wrap="square" tIns="91425">
+          <a:bodyPr spcFirstLastPara="1" wrap="square" lIns="91425" tIns="91425" rIns="91425" bIns="91425" anchor="ctr" anchorCtr="0">
             <a:normAutofit/>
           </a:bodyPr>
           <a:lstStyle>
@@ -5059,7 +5231,7 @@
             </a:lvl9pPr>
           </a:lstStyle>
           <a:p>
-            <a:pPr indent="0" lvl="0" marL="0" rtl="0" algn="r">
+            <a:pPr marL="0" lvl="0" indent="0" algn="r" rtl="0">
               <a:spcBef>
                 <a:spcPts val="0"/>
               </a:spcBef>
@@ -5085,11 +5257,11 @@
 </file>
 
 <file path=ppt/slideLayouts/slideLayout8.xml><?xml version="1.0" encoding="utf-8"?>
-<p:sldLayout xmlns:a="http://schemas.openxmlformats.org/drawingml/2006/main" xmlns:r="http://schemas.openxmlformats.org/officeDocument/2006/relationships" xmlns:mc="http://schemas.openxmlformats.org/markup-compatibility/2006" xmlns:mv="urn:schemas-microsoft-com:mac:vml" xmlns:p="http://schemas.openxmlformats.org/presentationml/2006/main" xmlns:c="http://schemas.openxmlformats.org/drawingml/2006/chart" xmlns:dgm="http://schemas.openxmlformats.org/drawingml/2006/diagram" xmlns:o="urn:schemas-microsoft-com:office:office" xmlns:v="urn:schemas-microsoft-com:vml" xmlns:pvml="urn:schemas-microsoft-com:office:powerpoint" xmlns:com="http://schemas.openxmlformats.org/drawingml/2006/compatibility" xmlns:p14="http://schemas.microsoft.com/office/powerpoint/2010/main" xmlns:p15="http://schemas.microsoft.com/office/powerpoint/2012/main" xmlns:ahyp="http://schemas.microsoft.com/office/drawing/2018/hyperlinkcolor" matchingName="Section title and description">
+<p:sldLayout xmlns:a="http://schemas.openxmlformats.org/drawingml/2006/main" xmlns:r="http://schemas.openxmlformats.org/officeDocument/2006/relationships" xmlns:p="http://schemas.openxmlformats.org/presentationml/2006/main" matchingName="Section title and description">
   <p:cSld name="SECTION_TITLE_AND_DESCRIPTION">
     <p:spTree>
       <p:nvGrpSpPr>
-        <p:cNvPr id="35" name="Shape 35"/>
+        <p:cNvPr id="1" name="Shape 35"/>
         <p:cNvGrpSpPr/>
         <p:nvPr/>
       </p:nvGrpSpPr>
@@ -5123,12 +5295,12 @@
           </a:ln>
         </p:spPr>
         <p:txBody>
-          <a:bodyPr anchorCtr="0" anchor="ctr" bIns="91425" lIns="91425" spcFirstLastPara="1" rIns="91425" wrap="square" tIns="91425">
+          <a:bodyPr spcFirstLastPara="1" wrap="square" lIns="91425" tIns="91425" rIns="91425" bIns="91425" anchor="ctr" anchorCtr="0">
             <a:noAutofit/>
           </a:bodyPr>
           <a:lstStyle/>
           <a:p>
-            <a:pPr indent="0" lvl="0" marL="0" rtl="0" algn="l">
+            <a:pPr marL="0" lvl="0" indent="0" algn="l" rtl="0">
               <a:spcBef>
                 <a:spcPts val="0"/>
               </a:spcBef>
@@ -5137,9 +5309,6 @@
               </a:spcAft>
               <a:buNone/>
             </a:pPr>
-            <a:r>
-              <a:t/>
-            </a:r>
             <a:endParaRPr/>
           </a:p>
         </p:txBody>
@@ -5147,7 +5316,9 @@
       <p:sp>
         <p:nvSpPr>
           <p:cNvPr id="37" name="Google Shape;37;p9"/>
-          <p:cNvSpPr txBox="1"/>
+          <p:cNvSpPr txBox="1">
+            <a:spLocks noGrp="1"/>
+          </p:cNvSpPr>
           <p:nvPr>
             <p:ph type="title"/>
           </p:nvPr>
@@ -5162,7 +5333,7 @@
           </a:prstGeom>
         </p:spPr>
         <p:txBody>
-          <a:bodyPr anchorCtr="0" anchor="b" bIns="91425" lIns="91425" spcFirstLastPara="1" rIns="91425" wrap="square" tIns="91425">
+          <a:bodyPr spcFirstLastPara="1" wrap="square" lIns="91425" tIns="91425" rIns="91425" bIns="91425" anchor="b" anchorCtr="0">
             <a:normAutofit/>
           </a:bodyPr>
           <a:lstStyle>
@@ -5266,15 +5437,19 @@
               <a:defRPr sz="4200"/>
             </a:lvl9pPr>
           </a:lstStyle>
-          <a:p/>
+          <a:p>
+            <a:endParaRPr/>
+          </a:p>
         </p:txBody>
       </p:sp>
       <p:sp>
         <p:nvSpPr>
           <p:cNvPr id="38" name="Google Shape;38;p9"/>
-          <p:cNvSpPr txBox="1"/>
+          <p:cNvSpPr txBox="1">
+            <a:spLocks noGrp="1"/>
+          </p:cNvSpPr>
           <p:nvPr>
-            <p:ph idx="1" type="subTitle"/>
+            <p:ph type="subTitle" idx="1"/>
           </p:nvPr>
         </p:nvSpPr>
         <p:spPr>
@@ -5287,7 +5462,7 @@
           </a:prstGeom>
         </p:spPr>
         <p:txBody>
-          <a:bodyPr anchorCtr="0" anchor="t" bIns="91425" lIns="91425" spcFirstLastPara="1" rIns="91425" wrap="square" tIns="91425">
+          <a:bodyPr spcFirstLastPara="1" wrap="square" lIns="91425" tIns="91425" rIns="91425" bIns="91425" anchor="t" anchorCtr="0">
             <a:normAutofit/>
           </a:bodyPr>
           <a:lstStyle>
@@ -5418,15 +5593,19 @@
               <a:defRPr sz="2100"/>
             </a:lvl9pPr>
           </a:lstStyle>
-          <a:p/>
+          <a:p>
+            <a:endParaRPr/>
+          </a:p>
         </p:txBody>
       </p:sp>
       <p:sp>
         <p:nvSpPr>
           <p:cNvPr id="39" name="Google Shape;39;p9"/>
-          <p:cNvSpPr txBox="1"/>
+          <p:cNvSpPr txBox="1">
+            <a:spLocks noGrp="1"/>
+          </p:cNvSpPr>
           <p:nvPr>
-            <p:ph idx="2" type="body"/>
+            <p:ph type="body" idx="2"/>
           </p:nvPr>
         </p:nvSpPr>
         <p:spPr>
@@ -5439,11 +5618,11 @@
           </a:prstGeom>
         </p:spPr>
         <p:txBody>
-          <a:bodyPr anchorCtr="0" anchor="ctr" bIns="91425" lIns="91425" spcFirstLastPara="1" rIns="91425" wrap="square" tIns="91425">
+          <a:bodyPr spcFirstLastPara="1" wrap="square" lIns="91425" tIns="91425" rIns="91425" bIns="91425" anchor="ctr" anchorCtr="0">
             <a:normAutofit/>
           </a:bodyPr>
           <a:lstStyle>
-            <a:lvl1pPr indent="-342900" lvl="0" marL="457200">
+            <a:lvl1pPr marL="457200" lvl="0" indent="-342900">
               <a:spcBef>
                 <a:spcPts val="0"/>
               </a:spcBef>
@@ -5454,7 +5633,7 @@
               <a:buChar char="●"/>
               <a:defRPr/>
             </a:lvl1pPr>
-            <a:lvl2pPr indent="-317500" lvl="1" marL="914400">
+            <a:lvl2pPr marL="914400" lvl="1" indent="-317500">
               <a:spcBef>
                 <a:spcPts val="0"/>
               </a:spcBef>
@@ -5465,7 +5644,7 @@
               <a:buChar char="○"/>
               <a:defRPr/>
             </a:lvl2pPr>
-            <a:lvl3pPr indent="-317500" lvl="2" marL="1371600">
+            <a:lvl3pPr marL="1371600" lvl="2" indent="-317500">
               <a:spcBef>
                 <a:spcPts val="0"/>
               </a:spcBef>
@@ -5476,7 +5655,7 @@
               <a:buChar char="■"/>
               <a:defRPr/>
             </a:lvl3pPr>
-            <a:lvl4pPr indent="-317500" lvl="3" marL="1828800">
+            <a:lvl4pPr marL="1828800" lvl="3" indent="-317500">
               <a:spcBef>
                 <a:spcPts val="0"/>
               </a:spcBef>
@@ -5487,7 +5666,7 @@
               <a:buChar char="●"/>
               <a:defRPr/>
             </a:lvl4pPr>
-            <a:lvl5pPr indent="-317500" lvl="4" marL="2286000">
+            <a:lvl5pPr marL="2286000" lvl="4" indent="-317500">
               <a:spcBef>
                 <a:spcPts val="0"/>
               </a:spcBef>
@@ -5498,7 +5677,7 @@
               <a:buChar char="○"/>
               <a:defRPr/>
             </a:lvl5pPr>
-            <a:lvl6pPr indent="-317500" lvl="5" marL="2743200">
+            <a:lvl6pPr marL="2743200" lvl="5" indent="-317500">
               <a:spcBef>
                 <a:spcPts val="0"/>
               </a:spcBef>
@@ -5509,7 +5688,7 @@
               <a:buChar char="■"/>
               <a:defRPr/>
             </a:lvl6pPr>
-            <a:lvl7pPr indent="-317500" lvl="6" marL="3200400">
+            <a:lvl7pPr marL="3200400" lvl="6" indent="-317500">
               <a:spcBef>
                 <a:spcPts val="0"/>
               </a:spcBef>
@@ -5520,7 +5699,7 @@
               <a:buChar char="●"/>
               <a:defRPr/>
             </a:lvl7pPr>
-            <a:lvl8pPr indent="-317500" lvl="7" marL="3657600">
+            <a:lvl8pPr marL="3657600" lvl="7" indent="-317500">
               <a:spcBef>
                 <a:spcPts val="0"/>
               </a:spcBef>
@@ -5531,7 +5710,7 @@
               <a:buChar char="○"/>
               <a:defRPr/>
             </a:lvl8pPr>
-            <a:lvl9pPr indent="-317500" lvl="8" marL="4114800">
+            <a:lvl9pPr marL="4114800" lvl="8" indent="-317500">
               <a:spcBef>
                 <a:spcPts val="0"/>
               </a:spcBef>
@@ -5543,15 +5722,19 @@
               <a:defRPr/>
             </a:lvl9pPr>
           </a:lstStyle>
-          <a:p/>
+          <a:p>
+            <a:endParaRPr/>
+          </a:p>
         </p:txBody>
       </p:sp>
       <p:sp>
         <p:nvSpPr>
           <p:cNvPr id="40" name="Google Shape;40;p9"/>
-          <p:cNvSpPr txBox="1"/>
+          <p:cNvSpPr txBox="1">
+            <a:spLocks noGrp="1"/>
+          </p:cNvSpPr>
           <p:nvPr>
-            <p:ph idx="12" type="sldNum"/>
+            <p:ph type="sldNum" idx="12"/>
           </p:nvPr>
         </p:nvSpPr>
         <p:spPr>
@@ -5564,7 +5747,7 @@
           </a:prstGeom>
         </p:spPr>
         <p:txBody>
-          <a:bodyPr anchorCtr="0" anchor="ctr" bIns="91425" lIns="91425" spcFirstLastPara="1" rIns="91425" wrap="square" tIns="91425">
+          <a:bodyPr spcFirstLastPara="1" wrap="square" lIns="91425" tIns="91425" rIns="91425" bIns="91425" anchor="ctr" anchorCtr="0">
             <a:normAutofit/>
           </a:bodyPr>
           <a:lstStyle>
@@ -5606,7 +5789,7 @@
             </a:lvl9pPr>
           </a:lstStyle>
           <a:p>
-            <a:pPr indent="0" lvl="0" marL="0" rtl="0" algn="r">
+            <a:pPr marL="0" lvl="0" indent="0" algn="r" rtl="0">
               <a:spcBef>
                 <a:spcPts val="0"/>
               </a:spcBef>
@@ -5632,11 +5815,11 @@
 </file>
 
 <file path=ppt/slideLayouts/slideLayout9.xml><?xml version="1.0" encoding="utf-8"?>
-<p:sldLayout xmlns:a="http://schemas.openxmlformats.org/drawingml/2006/main" xmlns:r="http://schemas.openxmlformats.org/officeDocument/2006/relationships" xmlns:mc="http://schemas.openxmlformats.org/markup-compatibility/2006" xmlns:mv="urn:schemas-microsoft-com:mac:vml" xmlns:p="http://schemas.openxmlformats.org/presentationml/2006/main" xmlns:c="http://schemas.openxmlformats.org/drawingml/2006/chart" xmlns:dgm="http://schemas.openxmlformats.org/drawingml/2006/diagram" xmlns:o="urn:schemas-microsoft-com:office:office" xmlns:v="urn:schemas-microsoft-com:vml" xmlns:pvml="urn:schemas-microsoft-com:office:powerpoint" xmlns:com="http://schemas.openxmlformats.org/drawingml/2006/compatibility" xmlns:p14="http://schemas.microsoft.com/office/powerpoint/2010/main" xmlns:p15="http://schemas.microsoft.com/office/powerpoint/2012/main" xmlns:ahyp="http://schemas.microsoft.com/office/drawing/2018/hyperlinkcolor" matchingName="Caption">
+<p:sldLayout xmlns:a="http://schemas.openxmlformats.org/drawingml/2006/main" xmlns:r="http://schemas.openxmlformats.org/officeDocument/2006/relationships" xmlns:p="http://schemas.openxmlformats.org/presentationml/2006/main" matchingName="Caption">
   <p:cSld name="CAPTION_ONLY">
     <p:spTree>
       <p:nvGrpSpPr>
-        <p:cNvPr id="41" name="Shape 41"/>
+        <p:cNvPr id="1" name="Shape 41"/>
         <p:cNvGrpSpPr/>
         <p:nvPr/>
       </p:nvGrpSpPr>
@@ -5651,9 +5834,11 @@
       <p:sp>
         <p:nvSpPr>
           <p:cNvPr id="42" name="Google Shape;42;p10"/>
-          <p:cNvSpPr txBox="1"/>
+          <p:cNvSpPr txBox="1">
+            <a:spLocks noGrp="1"/>
+          </p:cNvSpPr>
           <p:nvPr>
-            <p:ph idx="1" type="body"/>
+            <p:ph type="body" idx="1"/>
           </p:nvPr>
         </p:nvSpPr>
         <p:spPr>
@@ -5666,11 +5851,11 @@
           </a:prstGeom>
         </p:spPr>
         <p:txBody>
-          <a:bodyPr anchorCtr="0" anchor="ctr" bIns="91425" lIns="91425" spcFirstLastPara="1" rIns="91425" wrap="square" tIns="91425">
+          <a:bodyPr spcFirstLastPara="1" wrap="square" lIns="91425" tIns="91425" rIns="91425" bIns="91425" anchor="ctr" anchorCtr="0">
             <a:normAutofit/>
           </a:bodyPr>
           <a:lstStyle>
-            <a:lvl1pPr indent="-228600" lvl="0" marL="457200">
+            <a:lvl1pPr marL="457200" lvl="0" indent="-228600">
               <a:lnSpc>
                 <a:spcPct val="100000"/>
               </a:lnSpc>
@@ -5685,15 +5870,19 @@
               <a:defRPr/>
             </a:lvl1pPr>
           </a:lstStyle>
-          <a:p/>
+          <a:p>
+            <a:endParaRPr/>
+          </a:p>
         </p:txBody>
       </p:sp>
       <p:sp>
         <p:nvSpPr>
           <p:cNvPr id="43" name="Google Shape;43;p10"/>
-          <p:cNvSpPr txBox="1"/>
+          <p:cNvSpPr txBox="1">
+            <a:spLocks noGrp="1"/>
+          </p:cNvSpPr>
           <p:nvPr>
-            <p:ph idx="12" type="sldNum"/>
+            <p:ph type="sldNum" idx="12"/>
           </p:nvPr>
         </p:nvSpPr>
         <p:spPr>
@@ -5706,7 +5895,7 @@
           </a:prstGeom>
         </p:spPr>
         <p:txBody>
-          <a:bodyPr anchorCtr="0" anchor="ctr" bIns="91425" lIns="91425" spcFirstLastPara="1" rIns="91425" wrap="square" tIns="91425">
+          <a:bodyPr spcFirstLastPara="1" wrap="square" lIns="91425" tIns="91425" rIns="91425" bIns="91425" anchor="ctr" anchorCtr="0">
             <a:normAutofit/>
           </a:bodyPr>
           <a:lstStyle>
@@ -5748,7 +5937,7 @@
             </a:lvl9pPr>
           </a:lstStyle>
           <a:p>
-            <a:pPr indent="0" lvl="0" marL="0" rtl="0" algn="r">
+            <a:pPr marL="0" lvl="0" indent="0" algn="r" rtl="0">
               <a:spcBef>
                 <a:spcPts val="0"/>
               </a:spcBef>
@@ -5774,18 +5963,19 @@
 </file>
 
 <file path=ppt/slideMasters/slideMaster1.xml><?xml version="1.0" encoding="utf-8"?>
-<p:sldMaster xmlns:a="http://schemas.openxmlformats.org/drawingml/2006/main" xmlns:r="http://schemas.openxmlformats.org/officeDocument/2006/relationships" xmlns:mc="http://schemas.openxmlformats.org/markup-compatibility/2006" xmlns:mv="urn:schemas-microsoft-com:mac:vml" xmlns:p="http://schemas.openxmlformats.org/presentationml/2006/main" xmlns:c="http://schemas.openxmlformats.org/drawingml/2006/chart" xmlns:dgm="http://schemas.openxmlformats.org/drawingml/2006/diagram" xmlns:o="urn:schemas-microsoft-com:office:office" xmlns:v="urn:schemas-microsoft-com:vml" xmlns:pvml="urn:schemas-microsoft-com:office:powerpoint" xmlns:com="http://schemas.openxmlformats.org/drawingml/2006/compatibility" xmlns:p14="http://schemas.microsoft.com/office/powerpoint/2010/main" xmlns:p15="http://schemas.microsoft.com/office/powerpoint/2012/main" xmlns:ahyp="http://schemas.microsoft.com/office/drawing/2018/hyperlinkcolor">
+<p:sldMaster xmlns:a="http://schemas.openxmlformats.org/drawingml/2006/main" xmlns:r="http://schemas.openxmlformats.org/officeDocument/2006/relationships" xmlns:p="http://schemas.openxmlformats.org/presentationml/2006/main">
   <p:cSld name="simple-light-2">
     <p:bg>
       <p:bgPr>
         <a:solidFill>
           <a:schemeClr val="lt1"/>
         </a:solidFill>
+        <a:effectLst/>
       </p:bgPr>
     </p:bg>
     <p:spTree>
       <p:nvGrpSpPr>
-        <p:cNvPr id="5" name="Shape 5"/>
+        <p:cNvPr id="1" name="Shape 5"/>
         <p:cNvGrpSpPr/>
         <p:nvPr/>
       </p:nvGrpSpPr>
@@ -5800,7 +5990,9 @@
       <p:sp>
         <p:nvSpPr>
           <p:cNvPr id="6" name="Google Shape;6;p1"/>
-          <p:cNvSpPr txBox="1"/>
+          <p:cNvSpPr txBox="1">
+            <a:spLocks noGrp="1"/>
+          </p:cNvSpPr>
           <p:nvPr>
             <p:ph type="title"/>
           </p:nvPr>
@@ -5819,7 +6011,7 @@
           </a:ln>
         </p:spPr>
         <p:txBody>
-          <a:bodyPr anchorCtr="0" anchor="t" bIns="91425" lIns="91425" spcFirstLastPara="1" rIns="91425" wrap="square" tIns="91425">
+          <a:bodyPr spcFirstLastPara="1" wrap="square" lIns="91425" tIns="91425" rIns="91425" bIns="91425" anchor="t" anchorCtr="0">
             <a:normAutofit/>
           </a:bodyPr>
           <a:lstStyle>
@@ -5986,15 +6178,19 @@
               </a:defRPr>
             </a:lvl9pPr>
           </a:lstStyle>
-          <a:p/>
+          <a:p>
+            <a:endParaRPr/>
+          </a:p>
         </p:txBody>
       </p:sp>
       <p:sp>
         <p:nvSpPr>
           <p:cNvPr id="7" name="Google Shape;7;p1"/>
-          <p:cNvSpPr txBox="1"/>
+          <p:cNvSpPr txBox="1">
+            <a:spLocks noGrp="1"/>
+          </p:cNvSpPr>
           <p:nvPr>
-            <p:ph idx="1" type="body"/>
+            <p:ph type="body" idx="1"/>
           </p:nvPr>
         </p:nvSpPr>
         <p:spPr>
@@ -6011,11 +6207,11 @@
           </a:ln>
         </p:spPr>
         <p:txBody>
-          <a:bodyPr anchorCtr="0" anchor="t" bIns="91425" lIns="91425" spcFirstLastPara="1" rIns="91425" wrap="square" tIns="91425">
+          <a:bodyPr spcFirstLastPara="1" wrap="square" lIns="91425" tIns="91425" rIns="91425" bIns="91425" anchor="t" anchorCtr="0">
             <a:normAutofit/>
           </a:bodyPr>
           <a:lstStyle>
-            <a:lvl1pPr indent="-342900" lvl="0" marL="457200">
+            <a:lvl1pPr marL="457200" lvl="0" indent="-342900">
               <a:lnSpc>
                 <a:spcPct val="115000"/>
               </a:lnSpc>
@@ -6036,7 +6232,7 @@
                 </a:solidFill>
               </a:defRPr>
             </a:lvl1pPr>
-            <a:lvl2pPr indent="-317500" lvl="1" marL="914400">
+            <a:lvl2pPr marL="914400" lvl="1" indent="-317500">
               <a:lnSpc>
                 <a:spcPct val="115000"/>
               </a:lnSpc>
@@ -6057,7 +6253,7 @@
                 </a:solidFill>
               </a:defRPr>
             </a:lvl2pPr>
-            <a:lvl3pPr indent="-317500" lvl="2" marL="1371600">
+            <a:lvl3pPr marL="1371600" lvl="2" indent="-317500">
               <a:lnSpc>
                 <a:spcPct val="115000"/>
               </a:lnSpc>
@@ -6078,7 +6274,7 @@
                 </a:solidFill>
               </a:defRPr>
             </a:lvl3pPr>
-            <a:lvl4pPr indent="-317500" lvl="3" marL="1828800">
+            <a:lvl4pPr marL="1828800" lvl="3" indent="-317500">
               <a:lnSpc>
                 <a:spcPct val="115000"/>
               </a:lnSpc>
@@ -6099,7 +6295,7 @@
                 </a:solidFill>
               </a:defRPr>
             </a:lvl4pPr>
-            <a:lvl5pPr indent="-317500" lvl="4" marL="2286000">
+            <a:lvl5pPr marL="2286000" lvl="4" indent="-317500">
               <a:lnSpc>
                 <a:spcPct val="115000"/>
               </a:lnSpc>
@@ -6120,7 +6316,7 @@
                 </a:solidFill>
               </a:defRPr>
             </a:lvl5pPr>
-            <a:lvl6pPr indent="-317500" lvl="5" marL="2743200">
+            <a:lvl6pPr marL="2743200" lvl="5" indent="-317500">
               <a:lnSpc>
                 <a:spcPct val="115000"/>
               </a:lnSpc>
@@ -6141,7 +6337,7 @@
                 </a:solidFill>
               </a:defRPr>
             </a:lvl6pPr>
-            <a:lvl7pPr indent="-317500" lvl="6" marL="3200400">
+            <a:lvl7pPr marL="3200400" lvl="6" indent="-317500">
               <a:lnSpc>
                 <a:spcPct val="115000"/>
               </a:lnSpc>
@@ -6162,7 +6358,7 @@
                 </a:solidFill>
               </a:defRPr>
             </a:lvl7pPr>
-            <a:lvl8pPr indent="-317500" lvl="7" marL="3657600">
+            <a:lvl8pPr marL="3657600" lvl="7" indent="-317500">
               <a:lnSpc>
                 <a:spcPct val="115000"/>
               </a:lnSpc>
@@ -6183,7 +6379,7 @@
                 </a:solidFill>
               </a:defRPr>
             </a:lvl8pPr>
-            <a:lvl9pPr indent="-317500" lvl="8" marL="4114800">
+            <a:lvl9pPr marL="4114800" lvl="8" indent="-317500">
               <a:lnSpc>
                 <a:spcPct val="115000"/>
               </a:lnSpc>
@@ -6205,15 +6401,19 @@
               </a:defRPr>
             </a:lvl9pPr>
           </a:lstStyle>
-          <a:p/>
+          <a:p>
+            <a:endParaRPr/>
+          </a:p>
         </p:txBody>
       </p:sp>
       <p:sp>
         <p:nvSpPr>
           <p:cNvPr id="8" name="Google Shape;8;p1"/>
-          <p:cNvSpPr txBox="1"/>
+          <p:cNvSpPr txBox="1">
+            <a:spLocks noGrp="1"/>
+          </p:cNvSpPr>
           <p:nvPr>
-            <p:ph idx="12" type="sldNum"/>
+            <p:ph type="sldNum" idx="12"/>
           </p:nvPr>
         </p:nvSpPr>
         <p:spPr>
@@ -6230,7 +6430,7 @@
           </a:ln>
         </p:spPr>
         <p:txBody>
-          <a:bodyPr anchorCtr="0" anchor="ctr" bIns="91425" lIns="91425" spcFirstLastPara="1" rIns="91425" wrap="square" tIns="91425">
+          <a:bodyPr spcFirstLastPara="1" wrap="square" lIns="91425" tIns="91425" rIns="91425" bIns="91425" anchor="ctr" anchorCtr="0">
             <a:normAutofit/>
           </a:bodyPr>
           <a:lstStyle>
@@ -6308,7 +6508,7 @@
             </a:lvl9pPr>
           </a:lstStyle>
           <a:p>
-            <a:pPr indent="0" lvl="0" marL="0" rtl="0" algn="r">
+            <a:pPr marL="0" lvl="0" indent="0" algn="r" rtl="0">
               <a:spcBef>
                 <a:spcPts val="0"/>
               </a:spcBef>
@@ -6327,7 +6527,7 @@
       </p:sp>
     </p:spTree>
   </p:cSld>
-  <p:clrMap accent1="accent1" accent2="accent2" accent3="accent3" accent4="accent4" accent5="accent5" accent6="accent6" bg1="lt1" bg2="dk2" tx1="dk1" tx2="lt2" folHlink="folHlink" hlink="hlink"/>
+  <p:clrMap bg1="lt1" tx1="dk1" bg2="dk2" tx2="lt2" accent1="accent1" accent2="accent2" accent3="accent3" accent4="accent4" accent5="accent5" accent6="accent6" hlink="hlink" folHlink="folHlink"/>
   <p:sldLayoutIdLst>
     <p:sldLayoutId id="2147483648" r:id="rId1"/>
     <p:sldLayoutId id="2147483649" r:id="rId2"/>
@@ -6341,10 +6541,10 @@
     <p:sldLayoutId id="2147483657" r:id="rId10"/>
     <p:sldLayoutId id="2147483658" r:id="rId11"/>
   </p:sldLayoutIdLst>
-  <p:hf dt="0" ftr="0" hdr="0" sldNum="0"/>
+  <p:hf sldNum="0" hdr="0" ftr="0" dt="0"/>
   <p:txStyles>
     <p:titleStyle>
-      <a:defPPr lvl="0" marR="0" rtl="0" algn="l">
+      <a:defPPr marR="0" lvl="0" algn="l" rtl="0">
         <a:lnSpc>
           <a:spcPct val="100000"/>
         </a:lnSpc>
@@ -6355,7 +6555,7 @@
           <a:spcPts val="0"/>
         </a:spcAft>
       </a:defPPr>
-      <a:lvl1pPr lvl="0" marR="0" rtl="0" algn="l">
+      <a:lvl1pPr marR="0" lvl="0" algn="l" rtl="0">
         <a:lnSpc>
           <a:spcPct val="100000"/>
         </a:lnSpc>
@@ -6369,7 +6569,7 @@
           <a:srgbClr val="000000"/>
         </a:buClr>
         <a:buFont typeface="Arial"/>
-        <a:defRPr b="0" i="0" sz="1400" u="none" cap="none" strike="noStrike">
+        <a:defRPr sz="1400" b="0" i="0" u="none" strike="noStrike" cap="none">
           <a:solidFill>
             <a:srgbClr val="000000"/>
           </a:solidFill>
@@ -6379,7 +6579,7 @@
           <a:sym typeface="Arial"/>
         </a:defRPr>
       </a:lvl1pPr>
-      <a:lvl2pPr lvl="1" marR="0" rtl="0" algn="l">
+      <a:lvl2pPr marR="0" lvl="1" algn="l" rtl="0">
         <a:lnSpc>
           <a:spcPct val="100000"/>
         </a:lnSpc>
@@ -6393,7 +6593,7 @@
           <a:srgbClr val="000000"/>
         </a:buClr>
         <a:buFont typeface="Arial"/>
-        <a:defRPr b="0" i="0" sz="1400" u="none" cap="none" strike="noStrike">
+        <a:defRPr sz="1400" b="0" i="0" u="none" strike="noStrike" cap="none">
           <a:solidFill>
             <a:srgbClr val="000000"/>
           </a:solidFill>
@@ -6403,7 +6603,7 @@
           <a:sym typeface="Arial"/>
         </a:defRPr>
       </a:lvl2pPr>
-      <a:lvl3pPr lvl="2" marR="0" rtl="0" algn="l">
+      <a:lvl3pPr marR="0" lvl="2" algn="l" rtl="0">
         <a:lnSpc>
           <a:spcPct val="100000"/>
         </a:lnSpc>
@@ -6417,7 +6617,7 @@
           <a:srgbClr val="000000"/>
         </a:buClr>
         <a:buFont typeface="Arial"/>
-        <a:defRPr b="0" i="0" sz="1400" u="none" cap="none" strike="noStrike">
+        <a:defRPr sz="1400" b="0" i="0" u="none" strike="noStrike" cap="none">
           <a:solidFill>
             <a:srgbClr val="000000"/>
           </a:solidFill>
@@ -6427,7 +6627,7 @@
           <a:sym typeface="Arial"/>
         </a:defRPr>
       </a:lvl3pPr>
-      <a:lvl4pPr lvl="3" marR="0" rtl="0" algn="l">
+      <a:lvl4pPr marR="0" lvl="3" algn="l" rtl="0">
         <a:lnSpc>
           <a:spcPct val="100000"/>
         </a:lnSpc>
@@ -6441,7 +6641,7 @@
           <a:srgbClr val="000000"/>
         </a:buClr>
         <a:buFont typeface="Arial"/>
-        <a:defRPr b="0" i="0" sz="1400" u="none" cap="none" strike="noStrike">
+        <a:defRPr sz="1400" b="0" i="0" u="none" strike="noStrike" cap="none">
           <a:solidFill>
             <a:srgbClr val="000000"/>
           </a:solidFill>
@@ -6451,7 +6651,7 @@
           <a:sym typeface="Arial"/>
         </a:defRPr>
       </a:lvl4pPr>
-      <a:lvl5pPr lvl="4" marR="0" rtl="0" algn="l">
+      <a:lvl5pPr marR="0" lvl="4" algn="l" rtl="0">
         <a:lnSpc>
           <a:spcPct val="100000"/>
         </a:lnSpc>
@@ -6465,7 +6665,7 @@
           <a:srgbClr val="000000"/>
         </a:buClr>
         <a:buFont typeface="Arial"/>
-        <a:defRPr b="0" i="0" sz="1400" u="none" cap="none" strike="noStrike">
+        <a:defRPr sz="1400" b="0" i="0" u="none" strike="noStrike" cap="none">
           <a:solidFill>
             <a:srgbClr val="000000"/>
           </a:solidFill>
@@ -6475,7 +6675,7 @@
           <a:sym typeface="Arial"/>
         </a:defRPr>
       </a:lvl5pPr>
-      <a:lvl6pPr lvl="5" marR="0" rtl="0" algn="l">
+      <a:lvl6pPr marR="0" lvl="5" algn="l" rtl="0">
         <a:lnSpc>
           <a:spcPct val="100000"/>
         </a:lnSpc>
@@ -6489,7 +6689,7 @@
           <a:srgbClr val="000000"/>
         </a:buClr>
         <a:buFont typeface="Arial"/>
-        <a:defRPr b="0" i="0" sz="1400" u="none" cap="none" strike="noStrike">
+        <a:defRPr sz="1400" b="0" i="0" u="none" strike="noStrike" cap="none">
           <a:solidFill>
             <a:srgbClr val="000000"/>
           </a:solidFill>
@@ -6499,7 +6699,7 @@
           <a:sym typeface="Arial"/>
         </a:defRPr>
       </a:lvl6pPr>
-      <a:lvl7pPr lvl="6" marR="0" rtl="0" algn="l">
+      <a:lvl7pPr marR="0" lvl="6" algn="l" rtl="0">
         <a:lnSpc>
           <a:spcPct val="100000"/>
         </a:lnSpc>
@@ -6513,7 +6713,7 @@
           <a:srgbClr val="000000"/>
         </a:buClr>
         <a:buFont typeface="Arial"/>
-        <a:defRPr b="0" i="0" sz="1400" u="none" cap="none" strike="noStrike">
+        <a:defRPr sz="1400" b="0" i="0" u="none" strike="noStrike" cap="none">
           <a:solidFill>
             <a:srgbClr val="000000"/>
           </a:solidFill>
@@ -6523,7 +6723,7 @@
           <a:sym typeface="Arial"/>
         </a:defRPr>
       </a:lvl7pPr>
-      <a:lvl8pPr lvl="7" marR="0" rtl="0" algn="l">
+      <a:lvl8pPr marR="0" lvl="7" algn="l" rtl="0">
         <a:lnSpc>
           <a:spcPct val="100000"/>
         </a:lnSpc>
@@ -6537,7 +6737,7 @@
           <a:srgbClr val="000000"/>
         </a:buClr>
         <a:buFont typeface="Arial"/>
-        <a:defRPr b="0" i="0" sz="1400" u="none" cap="none" strike="noStrike">
+        <a:defRPr sz="1400" b="0" i="0" u="none" strike="noStrike" cap="none">
           <a:solidFill>
             <a:srgbClr val="000000"/>
           </a:solidFill>
@@ -6547,7 +6747,7 @@
           <a:sym typeface="Arial"/>
         </a:defRPr>
       </a:lvl8pPr>
-      <a:lvl9pPr lvl="8" marR="0" rtl="0" algn="l">
+      <a:lvl9pPr marR="0" lvl="8" algn="l" rtl="0">
         <a:lnSpc>
           <a:spcPct val="100000"/>
         </a:lnSpc>
@@ -6561,7 +6761,7 @@
           <a:srgbClr val="000000"/>
         </a:buClr>
         <a:buFont typeface="Arial"/>
-        <a:defRPr b="0" i="0" sz="1400" u="none" cap="none" strike="noStrike">
+        <a:defRPr sz="1400" b="0" i="0" u="none" strike="noStrike" cap="none">
           <a:solidFill>
             <a:srgbClr val="000000"/>
           </a:solidFill>
@@ -6573,7 +6773,7 @@
       </a:lvl9pPr>
     </p:titleStyle>
     <p:bodyStyle>
-      <a:defPPr lvl="0" marR="0" rtl="0" algn="l">
+      <a:defPPr marR="0" lvl="0" algn="l" rtl="0">
         <a:lnSpc>
           <a:spcPct val="100000"/>
         </a:lnSpc>
@@ -6584,7 +6784,7 @@
           <a:spcPts val="0"/>
         </a:spcAft>
       </a:defPPr>
-      <a:lvl1pPr lvl="0" marR="0" rtl="0" algn="l">
+      <a:lvl1pPr marR="0" lvl="0" algn="l" rtl="0">
         <a:lnSpc>
           <a:spcPct val="100000"/>
         </a:lnSpc>
@@ -6598,7 +6798,7 @@
           <a:srgbClr val="000000"/>
         </a:buClr>
         <a:buFont typeface="Arial"/>
-        <a:defRPr b="0" i="0" sz="1400" u="none" cap="none" strike="noStrike">
+        <a:defRPr sz="1400" b="0" i="0" u="none" strike="noStrike" cap="none">
           <a:solidFill>
             <a:srgbClr val="000000"/>
           </a:solidFill>
@@ -6608,7 +6808,7 @@
           <a:sym typeface="Arial"/>
         </a:defRPr>
       </a:lvl1pPr>
-      <a:lvl2pPr lvl="1" marR="0" rtl="0" algn="l">
+      <a:lvl2pPr marR="0" lvl="1" algn="l" rtl="0">
         <a:lnSpc>
           <a:spcPct val="100000"/>
         </a:lnSpc>
@@ -6622,7 +6822,7 @@
           <a:srgbClr val="000000"/>
         </a:buClr>
         <a:buFont typeface="Arial"/>
-        <a:defRPr b="0" i="0" sz="1400" u="none" cap="none" strike="noStrike">
+        <a:defRPr sz="1400" b="0" i="0" u="none" strike="noStrike" cap="none">
           <a:solidFill>
             <a:srgbClr val="000000"/>
           </a:solidFill>
@@ -6632,7 +6832,7 @@
           <a:sym typeface="Arial"/>
         </a:defRPr>
       </a:lvl2pPr>
-      <a:lvl3pPr lvl="2" marR="0" rtl="0" algn="l">
+      <a:lvl3pPr marR="0" lvl="2" algn="l" rtl="0">
         <a:lnSpc>
           <a:spcPct val="100000"/>
         </a:lnSpc>
@@ -6646,7 +6846,7 @@
           <a:srgbClr val="000000"/>
         </a:buClr>
         <a:buFont typeface="Arial"/>
-        <a:defRPr b="0" i="0" sz="1400" u="none" cap="none" strike="noStrike">
+        <a:defRPr sz="1400" b="0" i="0" u="none" strike="noStrike" cap="none">
           <a:solidFill>
             <a:srgbClr val="000000"/>
           </a:solidFill>
@@ -6656,7 +6856,7 @@
           <a:sym typeface="Arial"/>
         </a:defRPr>
       </a:lvl3pPr>
-      <a:lvl4pPr lvl="3" marR="0" rtl="0" algn="l">
+      <a:lvl4pPr marR="0" lvl="3" algn="l" rtl="0">
         <a:lnSpc>
           <a:spcPct val="100000"/>
         </a:lnSpc>
@@ -6670,7 +6870,7 @@
           <a:srgbClr val="000000"/>
         </a:buClr>
         <a:buFont typeface="Arial"/>
-        <a:defRPr b="0" i="0" sz="1400" u="none" cap="none" strike="noStrike">
+        <a:defRPr sz="1400" b="0" i="0" u="none" strike="noStrike" cap="none">
           <a:solidFill>
             <a:srgbClr val="000000"/>
           </a:solidFill>
@@ -6680,7 +6880,7 @@
           <a:sym typeface="Arial"/>
         </a:defRPr>
       </a:lvl4pPr>
-      <a:lvl5pPr lvl="4" marR="0" rtl="0" algn="l">
+      <a:lvl5pPr marR="0" lvl="4" algn="l" rtl="0">
         <a:lnSpc>
           <a:spcPct val="100000"/>
         </a:lnSpc>
@@ -6694,7 +6894,7 @@
           <a:srgbClr val="000000"/>
         </a:buClr>
         <a:buFont typeface="Arial"/>
-        <a:defRPr b="0" i="0" sz="1400" u="none" cap="none" strike="noStrike">
+        <a:defRPr sz="1400" b="0" i="0" u="none" strike="noStrike" cap="none">
           <a:solidFill>
             <a:srgbClr val="000000"/>
           </a:solidFill>
@@ -6704,7 +6904,7 @@
           <a:sym typeface="Arial"/>
         </a:defRPr>
       </a:lvl5pPr>
-      <a:lvl6pPr lvl="5" marR="0" rtl="0" algn="l">
+      <a:lvl6pPr marR="0" lvl="5" algn="l" rtl="0">
         <a:lnSpc>
           <a:spcPct val="100000"/>
         </a:lnSpc>
@@ -6718,7 +6918,7 @@
           <a:srgbClr val="000000"/>
         </a:buClr>
         <a:buFont typeface="Arial"/>
-        <a:defRPr b="0" i="0" sz="1400" u="none" cap="none" strike="noStrike">
+        <a:defRPr sz="1400" b="0" i="0" u="none" strike="noStrike" cap="none">
           <a:solidFill>
             <a:srgbClr val="000000"/>
           </a:solidFill>
@@ -6728,7 +6928,7 @@
           <a:sym typeface="Arial"/>
         </a:defRPr>
       </a:lvl6pPr>
-      <a:lvl7pPr lvl="6" marR="0" rtl="0" algn="l">
+      <a:lvl7pPr marR="0" lvl="6" algn="l" rtl="0">
         <a:lnSpc>
           <a:spcPct val="100000"/>
         </a:lnSpc>
@@ -6742,7 +6942,7 @@
           <a:srgbClr val="000000"/>
         </a:buClr>
         <a:buFont typeface="Arial"/>
-        <a:defRPr b="0" i="0" sz="1400" u="none" cap="none" strike="noStrike">
+        <a:defRPr sz="1400" b="0" i="0" u="none" strike="noStrike" cap="none">
           <a:solidFill>
             <a:srgbClr val="000000"/>
           </a:solidFill>
@@ -6752,7 +6952,7 @@
           <a:sym typeface="Arial"/>
         </a:defRPr>
       </a:lvl7pPr>
-      <a:lvl8pPr lvl="7" marR="0" rtl="0" algn="l">
+      <a:lvl8pPr marR="0" lvl="7" algn="l" rtl="0">
         <a:lnSpc>
           <a:spcPct val="100000"/>
         </a:lnSpc>
@@ -6766,7 +6966,7 @@
           <a:srgbClr val="000000"/>
         </a:buClr>
         <a:buFont typeface="Arial"/>
-        <a:defRPr b="0" i="0" sz="1400" u="none" cap="none" strike="noStrike">
+        <a:defRPr sz="1400" b="0" i="0" u="none" strike="noStrike" cap="none">
           <a:solidFill>
             <a:srgbClr val="000000"/>
           </a:solidFill>
@@ -6776,7 +6976,7 @@
           <a:sym typeface="Arial"/>
         </a:defRPr>
       </a:lvl8pPr>
-      <a:lvl9pPr lvl="8" marR="0" rtl="0" algn="l">
+      <a:lvl9pPr marR="0" lvl="8" algn="l" rtl="0">
         <a:lnSpc>
           <a:spcPct val="100000"/>
         </a:lnSpc>
@@ -6790,7 +6990,7 @@
           <a:srgbClr val="000000"/>
         </a:buClr>
         <a:buFont typeface="Arial"/>
-        <a:defRPr b="0" i="0" sz="1400" u="none" cap="none" strike="noStrike">
+        <a:defRPr sz="1400" b="0" i="0" u="none" strike="noStrike" cap="none">
           <a:solidFill>
             <a:srgbClr val="000000"/>
           </a:solidFill>
@@ -6802,7 +7002,7 @@
       </a:lvl9pPr>
     </p:bodyStyle>
     <p:otherStyle>
-      <a:defPPr lvl="0" marR="0" rtl="0" algn="l">
+      <a:defPPr marR="0" lvl="0" algn="l" rtl="0">
         <a:lnSpc>
           <a:spcPct val="100000"/>
         </a:lnSpc>
@@ -6813,7 +7013,7 @@
           <a:spcPts val="0"/>
         </a:spcAft>
       </a:defPPr>
-      <a:lvl1pPr lvl="0" marR="0" rtl="0" algn="l">
+      <a:lvl1pPr marR="0" lvl="0" algn="l" rtl="0">
         <a:lnSpc>
           <a:spcPct val="100000"/>
         </a:lnSpc>
@@ -6827,7 +7027,7 @@
           <a:srgbClr val="000000"/>
         </a:buClr>
         <a:buFont typeface="Arial"/>
-        <a:defRPr b="0" i="0" sz="1400" u="none" cap="none" strike="noStrike">
+        <a:defRPr sz="1400" b="0" i="0" u="none" strike="noStrike" cap="none">
           <a:solidFill>
             <a:srgbClr val="000000"/>
           </a:solidFill>
@@ -6837,7 +7037,7 @@
           <a:sym typeface="Arial"/>
         </a:defRPr>
       </a:lvl1pPr>
-      <a:lvl2pPr lvl="1" marR="0" rtl="0" algn="l">
+      <a:lvl2pPr marR="0" lvl="1" algn="l" rtl="0">
         <a:lnSpc>
           <a:spcPct val="100000"/>
         </a:lnSpc>
@@ -6851,7 +7051,7 @@
           <a:srgbClr val="000000"/>
         </a:buClr>
         <a:buFont typeface="Arial"/>
-        <a:defRPr b="0" i="0" sz="1400" u="none" cap="none" strike="noStrike">
+        <a:defRPr sz="1400" b="0" i="0" u="none" strike="noStrike" cap="none">
           <a:solidFill>
             <a:srgbClr val="000000"/>
           </a:solidFill>
@@ -6861,7 +7061,7 @@
           <a:sym typeface="Arial"/>
         </a:defRPr>
       </a:lvl2pPr>
-      <a:lvl3pPr lvl="2" marR="0" rtl="0" algn="l">
+      <a:lvl3pPr marR="0" lvl="2" algn="l" rtl="0">
         <a:lnSpc>
           <a:spcPct val="100000"/>
         </a:lnSpc>
@@ -6875,7 +7075,7 @@
           <a:srgbClr val="000000"/>
         </a:buClr>
         <a:buFont typeface="Arial"/>
-        <a:defRPr b="0" i="0" sz="1400" u="none" cap="none" strike="noStrike">
+        <a:defRPr sz="1400" b="0" i="0" u="none" strike="noStrike" cap="none">
           <a:solidFill>
             <a:srgbClr val="000000"/>
           </a:solidFill>
@@ -6885,7 +7085,7 @@
           <a:sym typeface="Arial"/>
         </a:defRPr>
       </a:lvl3pPr>
-      <a:lvl4pPr lvl="3" marR="0" rtl="0" algn="l">
+      <a:lvl4pPr marR="0" lvl="3" algn="l" rtl="0">
         <a:lnSpc>
           <a:spcPct val="100000"/>
         </a:lnSpc>
@@ -6899,7 +7099,7 @@
           <a:srgbClr val="000000"/>
         </a:buClr>
         <a:buFont typeface="Arial"/>
-        <a:defRPr b="0" i="0" sz="1400" u="none" cap="none" strike="noStrike">
+        <a:defRPr sz="1400" b="0" i="0" u="none" strike="noStrike" cap="none">
           <a:solidFill>
             <a:srgbClr val="000000"/>
           </a:solidFill>
@@ -6909,7 +7109,7 @@
           <a:sym typeface="Arial"/>
         </a:defRPr>
       </a:lvl4pPr>
-      <a:lvl5pPr lvl="4" marR="0" rtl="0" algn="l">
+      <a:lvl5pPr marR="0" lvl="4" algn="l" rtl="0">
         <a:lnSpc>
           <a:spcPct val="100000"/>
         </a:lnSpc>
@@ -6923,7 +7123,7 @@
           <a:srgbClr val="000000"/>
         </a:buClr>
         <a:buFont typeface="Arial"/>
-        <a:defRPr b="0" i="0" sz="1400" u="none" cap="none" strike="noStrike">
+        <a:defRPr sz="1400" b="0" i="0" u="none" strike="noStrike" cap="none">
           <a:solidFill>
             <a:srgbClr val="000000"/>
           </a:solidFill>
@@ -6933,7 +7133,7 @@
           <a:sym typeface="Arial"/>
         </a:defRPr>
       </a:lvl5pPr>
-      <a:lvl6pPr lvl="5" marR="0" rtl="0" algn="l">
+      <a:lvl6pPr marR="0" lvl="5" algn="l" rtl="0">
         <a:lnSpc>
           <a:spcPct val="100000"/>
         </a:lnSpc>
@@ -6947,7 +7147,7 @@
           <a:srgbClr val="000000"/>
         </a:buClr>
         <a:buFont typeface="Arial"/>
-        <a:defRPr b="0" i="0" sz="1400" u="none" cap="none" strike="noStrike">
+        <a:defRPr sz="1400" b="0" i="0" u="none" strike="noStrike" cap="none">
           <a:solidFill>
             <a:srgbClr val="000000"/>
           </a:solidFill>
@@ -6957,7 +7157,7 @@
           <a:sym typeface="Arial"/>
         </a:defRPr>
       </a:lvl6pPr>
-      <a:lvl7pPr lvl="6" marR="0" rtl="0" algn="l">
+      <a:lvl7pPr marR="0" lvl="6" algn="l" rtl="0">
         <a:lnSpc>
           <a:spcPct val="100000"/>
         </a:lnSpc>
@@ -6971,7 +7171,7 @@
           <a:srgbClr val="000000"/>
         </a:buClr>
         <a:buFont typeface="Arial"/>
-        <a:defRPr b="0" i="0" sz="1400" u="none" cap="none" strike="noStrike">
+        <a:defRPr sz="1400" b="0" i="0" u="none" strike="noStrike" cap="none">
           <a:solidFill>
             <a:srgbClr val="000000"/>
           </a:solidFill>
@@ -6981,7 +7181,7 @@
           <a:sym typeface="Arial"/>
         </a:defRPr>
       </a:lvl7pPr>
-      <a:lvl8pPr lvl="7" marR="0" rtl="0" algn="l">
+      <a:lvl8pPr marR="0" lvl="7" algn="l" rtl="0">
         <a:lnSpc>
           <a:spcPct val="100000"/>
         </a:lnSpc>
@@ -6995,7 +7195,7 @@
           <a:srgbClr val="000000"/>
         </a:buClr>
         <a:buFont typeface="Arial"/>
-        <a:defRPr b="0" i="0" sz="1400" u="none" cap="none" strike="noStrike">
+        <a:defRPr sz="1400" b="0" i="0" u="none" strike="noStrike" cap="none">
           <a:solidFill>
             <a:srgbClr val="000000"/>
           </a:solidFill>
@@ -7005,7 +7205,7 @@
           <a:sym typeface="Arial"/>
         </a:defRPr>
       </a:lvl8pPr>
-      <a:lvl9pPr lvl="8" marR="0" rtl="0" algn="l">
+      <a:lvl9pPr marR="0" lvl="8" algn="l" rtl="0">
         <a:lnSpc>
           <a:spcPct val="100000"/>
         </a:lnSpc>
@@ -7019,7 +7219,7 @@
           <a:srgbClr val="000000"/>
         </a:buClr>
         <a:buFont typeface="Arial"/>
-        <a:defRPr b="0" i="0" sz="1400" u="none" cap="none" strike="noStrike">
+        <a:defRPr sz="1400" b="0" i="0" u="none" strike="noStrike" cap="none">
           <a:solidFill>
             <a:srgbClr val="000000"/>
           </a:solidFill>
@@ -7035,11 +7235,11 @@
 </file>
 
 <file path=ppt/slides/slide1.xml><?xml version="1.0" encoding="utf-8"?>
-<p:sld xmlns:a="http://schemas.openxmlformats.org/drawingml/2006/main" xmlns:r="http://schemas.openxmlformats.org/officeDocument/2006/relationships" xmlns:mc="http://schemas.openxmlformats.org/markup-compatibility/2006" xmlns:mv="urn:schemas-microsoft-com:mac:vml" xmlns:p="http://schemas.openxmlformats.org/presentationml/2006/main" xmlns:c="http://schemas.openxmlformats.org/drawingml/2006/chart" xmlns:dgm="http://schemas.openxmlformats.org/drawingml/2006/diagram" xmlns:o="urn:schemas-microsoft-com:office:office" xmlns:v="urn:schemas-microsoft-com:vml" xmlns:pvml="urn:schemas-microsoft-com:office:powerpoint" xmlns:com="http://schemas.openxmlformats.org/drawingml/2006/compatibility" xmlns:p14="http://schemas.microsoft.com/office/powerpoint/2010/main" xmlns:p15="http://schemas.microsoft.com/office/powerpoint/2012/main" xmlns:ahyp="http://schemas.microsoft.com/office/drawing/2018/hyperlinkcolor">
+<p:sld xmlns:a="http://schemas.openxmlformats.org/drawingml/2006/main" xmlns:r="http://schemas.openxmlformats.org/officeDocument/2006/relationships" xmlns:p="http://schemas.openxmlformats.org/presentationml/2006/main">
   <p:cSld>
     <p:spTree>
       <p:nvGrpSpPr>
-        <p:cNvPr id="53" name="Shape 53"/>
+        <p:cNvPr id="1" name="Shape 53"/>
         <p:cNvGrpSpPr/>
         <p:nvPr/>
       </p:nvGrpSpPr>
@@ -7054,7 +7254,9 @@
       <p:sp>
         <p:nvSpPr>
           <p:cNvPr id="54" name="Google Shape;54;p13"/>
-          <p:cNvSpPr txBox="1"/>
+          <p:cNvSpPr txBox="1">
+            <a:spLocks noGrp="1"/>
+          </p:cNvSpPr>
           <p:nvPr>
             <p:ph type="ctrTitle"/>
           </p:nvPr>
@@ -7069,12 +7271,12 @@
           </a:prstGeom>
         </p:spPr>
         <p:txBody>
-          <a:bodyPr anchorCtr="0" anchor="b" bIns="91425" lIns="91425" spcFirstLastPara="1" rIns="91425" wrap="square" tIns="91425">
+          <a:bodyPr spcFirstLastPara="1" wrap="square" lIns="91425" tIns="91425" rIns="91425" bIns="91425" anchor="b" anchorCtr="0">
             <a:normAutofit/>
           </a:bodyPr>
           <a:lstStyle/>
           <a:p>
-            <a:pPr indent="0" lvl="0" marL="0" rtl="0" algn="ctr">
+            <a:pPr marL="0" lvl="0" indent="0" algn="ctr" rtl="0">
               <a:spcBef>
                 <a:spcPts val="0"/>
               </a:spcBef>
@@ -7094,9 +7296,11 @@
       <p:sp>
         <p:nvSpPr>
           <p:cNvPr id="55" name="Google Shape;55;p13"/>
-          <p:cNvSpPr txBox="1"/>
+          <p:cNvSpPr txBox="1">
+            <a:spLocks noGrp="1"/>
+          </p:cNvSpPr>
           <p:nvPr>
-            <p:ph idx="1" type="subTitle"/>
+            <p:ph type="subTitle" idx="1"/>
           </p:nvPr>
         </p:nvSpPr>
         <p:spPr>
@@ -7109,12 +7313,12 @@
           </a:prstGeom>
         </p:spPr>
         <p:txBody>
-          <a:bodyPr anchorCtr="0" anchor="t" bIns="91425" lIns="91425" spcFirstLastPara="1" rIns="91425" wrap="square" tIns="91425">
+          <a:bodyPr spcFirstLastPara="1" wrap="square" lIns="91425" tIns="91425" rIns="91425" bIns="91425" anchor="t" anchorCtr="0">
             <a:normAutofit fontScale="62500" lnSpcReduction="20000"/>
           </a:bodyPr>
           <a:lstStyle/>
           <a:p>
-            <a:pPr indent="0" lvl="0" marL="0" rtl="0" algn="l">
+            <a:pPr marL="0" lvl="0" indent="0" algn="l" rtl="0">
               <a:lnSpc>
                 <a:spcPct val="125000"/>
               </a:lnSpc>
@@ -7131,10 +7335,7 @@
               <a:buFont typeface="Arial"/>
               <a:buNone/>
             </a:pPr>
-            <a:r>
-              <a:t/>
-            </a:r>
-            <a:endParaRPr b="1" sz="2300">
+            <a:endParaRPr sz="2300" b="1">
               <a:solidFill>
                 <a:srgbClr val="C9D1D9"/>
               </a:solidFill>
@@ -7144,7 +7345,7 @@
             </a:endParaRPr>
           </a:p>
           <a:p>
-            <a:pPr indent="0" lvl="0" marL="0" rtl="0" algn="ctr">
+            <a:pPr marL="0" lvl="0" indent="0" algn="ctr" rtl="0">
               <a:spcBef>
                 <a:spcPts val="1200"/>
               </a:spcBef>
@@ -7153,9 +7354,6 @@
               </a:spcAft>
               <a:buNone/>
             </a:pPr>
-            <a:r>
-              <a:t/>
-            </a:r>
             <a:endParaRPr/>
           </a:p>
         </p:txBody>
@@ -7169,11 +7367,11 @@
 </file>
 
 <file path=ppt/slides/slide10.xml><?xml version="1.0" encoding="utf-8"?>
-<p:sld xmlns:a="http://schemas.openxmlformats.org/drawingml/2006/main" xmlns:r="http://schemas.openxmlformats.org/officeDocument/2006/relationships" xmlns:mc="http://schemas.openxmlformats.org/markup-compatibility/2006" xmlns:mv="urn:schemas-microsoft-com:mac:vml" xmlns:p="http://schemas.openxmlformats.org/presentationml/2006/main" xmlns:c="http://schemas.openxmlformats.org/drawingml/2006/chart" xmlns:dgm="http://schemas.openxmlformats.org/drawingml/2006/diagram" xmlns:o="urn:schemas-microsoft-com:office:office" xmlns:v="urn:schemas-microsoft-com:vml" xmlns:pvml="urn:schemas-microsoft-com:office:powerpoint" xmlns:com="http://schemas.openxmlformats.org/drawingml/2006/compatibility" xmlns:p14="http://schemas.microsoft.com/office/powerpoint/2010/main" xmlns:p15="http://schemas.microsoft.com/office/powerpoint/2012/main" xmlns:ahyp="http://schemas.microsoft.com/office/drawing/2018/hyperlinkcolor">
+<p:sld xmlns:a="http://schemas.openxmlformats.org/drawingml/2006/main" xmlns:r="http://schemas.openxmlformats.org/officeDocument/2006/relationships" xmlns:p="http://schemas.openxmlformats.org/presentationml/2006/main">
   <p:cSld>
     <p:spTree>
       <p:nvGrpSpPr>
-        <p:cNvPr id="152" name="Shape 152"/>
+        <p:cNvPr id="1" name="Shape 152"/>
         <p:cNvGrpSpPr/>
         <p:nvPr/>
       </p:nvGrpSpPr>
@@ -7188,7 +7386,9 @@
       <p:sp>
         <p:nvSpPr>
           <p:cNvPr id="153" name="Google Shape;153;p22"/>
-          <p:cNvSpPr txBox="1"/>
+          <p:cNvSpPr txBox="1">
+            <a:spLocks noGrp="1"/>
+          </p:cNvSpPr>
           <p:nvPr>
             <p:ph type="title"/>
           </p:nvPr>
@@ -7203,12 +7403,12 @@
           </a:prstGeom>
         </p:spPr>
         <p:txBody>
-          <a:bodyPr anchorCtr="0" anchor="t" bIns="91425" lIns="91425" spcFirstLastPara="1" rIns="91425" wrap="square" tIns="91425">
+          <a:bodyPr spcFirstLastPara="1" wrap="square" lIns="91425" tIns="91425" rIns="91425" bIns="91425" anchor="t" anchorCtr="0">
             <a:normAutofit fontScale="90000"/>
           </a:bodyPr>
           <a:lstStyle/>
           <a:p>
-            <a:pPr indent="0" lvl="0" marL="0" rtl="0" algn="l">
+            <a:pPr marL="0" lvl="0" indent="0" algn="l" rtl="0">
               <a:spcBef>
                 <a:spcPts val="0"/>
               </a:spcBef>
@@ -7262,11 +7462,11 @@
 </file>
 
 <file path=ppt/slides/slide11.xml><?xml version="1.0" encoding="utf-8"?>
-<p:sld xmlns:a="http://schemas.openxmlformats.org/drawingml/2006/main" xmlns:r="http://schemas.openxmlformats.org/officeDocument/2006/relationships" xmlns:mc="http://schemas.openxmlformats.org/markup-compatibility/2006" xmlns:mv="urn:schemas-microsoft-com:mac:vml" xmlns:p="http://schemas.openxmlformats.org/presentationml/2006/main" xmlns:c="http://schemas.openxmlformats.org/drawingml/2006/chart" xmlns:dgm="http://schemas.openxmlformats.org/drawingml/2006/diagram" xmlns:o="urn:schemas-microsoft-com:office:office" xmlns:v="urn:schemas-microsoft-com:vml" xmlns:pvml="urn:schemas-microsoft-com:office:powerpoint" xmlns:com="http://schemas.openxmlformats.org/drawingml/2006/compatibility" xmlns:p14="http://schemas.microsoft.com/office/powerpoint/2010/main" xmlns:p15="http://schemas.microsoft.com/office/powerpoint/2012/main" xmlns:ahyp="http://schemas.microsoft.com/office/drawing/2018/hyperlinkcolor" show="0">
+<p:sld xmlns:a="http://schemas.openxmlformats.org/drawingml/2006/main" xmlns:r="http://schemas.openxmlformats.org/officeDocument/2006/relationships" xmlns:p="http://schemas.openxmlformats.org/presentationml/2006/main" show="0">
   <p:cSld>
     <p:spTree>
       <p:nvGrpSpPr>
-        <p:cNvPr id="158" name="Shape 158"/>
+        <p:cNvPr id="1" name="Shape 158"/>
         <p:cNvGrpSpPr/>
         <p:nvPr/>
       </p:nvGrpSpPr>
@@ -7309,7 +7509,9 @@
       <p:sp>
         <p:nvSpPr>
           <p:cNvPr id="160" name="Google Shape;160;p23"/>
-          <p:cNvSpPr txBox="1"/>
+          <p:cNvSpPr txBox="1">
+            <a:spLocks noGrp="1"/>
+          </p:cNvSpPr>
           <p:nvPr>
             <p:ph type="title"/>
           </p:nvPr>
@@ -7324,12 +7526,12 @@
           </a:prstGeom>
         </p:spPr>
         <p:txBody>
-          <a:bodyPr anchorCtr="0" anchor="t" bIns="91425" lIns="91425" spcFirstLastPara="1" rIns="91425" wrap="square" tIns="91425">
+          <a:bodyPr spcFirstLastPara="1" wrap="square" lIns="91425" tIns="91425" rIns="91425" bIns="91425" anchor="t" anchorCtr="0">
             <a:normAutofit fontScale="90000"/>
           </a:bodyPr>
           <a:lstStyle/>
           <a:p>
-            <a:pPr indent="0" lvl="0" marL="0" rtl="0" algn="l">
+            <a:pPr marL="0" lvl="0" indent="0" algn="l" rtl="0">
               <a:spcBef>
                 <a:spcPts val="0"/>
               </a:spcBef>
@@ -7363,23 +7565,23 @@
           <a:solidFill>
             <a:srgbClr val="00FF00"/>
           </a:solidFill>
-          <a:ln cap="flat" cmpd="sng" w="9525">
+          <a:ln w="9525" cap="flat" cmpd="sng">
             <a:solidFill>
               <a:schemeClr val="dk2"/>
             </a:solidFill>
             <a:prstDash val="solid"/>
             <a:round/>
-            <a:headEnd len="sm" w="sm" type="none"/>
-            <a:tailEnd len="sm" w="sm" type="none"/>
+            <a:headEnd type="none" w="sm" len="sm"/>
+            <a:tailEnd type="none" w="sm" len="sm"/>
           </a:ln>
         </p:spPr>
         <p:txBody>
-          <a:bodyPr anchorCtr="0" anchor="ctr" bIns="91425" lIns="91425" spcFirstLastPara="1" rIns="91425" wrap="square" tIns="91425">
+          <a:bodyPr spcFirstLastPara="1" wrap="square" lIns="91425" tIns="91425" rIns="91425" bIns="91425" anchor="ctr" anchorCtr="0">
             <a:noAutofit/>
           </a:bodyPr>
           <a:lstStyle/>
           <a:p>
-            <a:pPr indent="0" lvl="0" marL="0" rtl="0" algn="l">
+            <a:pPr marL="0" lvl="0" indent="0" algn="l" rtl="0">
               <a:spcBef>
                 <a:spcPts val="0"/>
               </a:spcBef>
@@ -7405,11 +7607,11 @@
 </file>
 
 <file path=ppt/slides/slide12.xml><?xml version="1.0" encoding="utf-8"?>
-<p:sld xmlns:a="http://schemas.openxmlformats.org/drawingml/2006/main" xmlns:r="http://schemas.openxmlformats.org/officeDocument/2006/relationships" xmlns:mc="http://schemas.openxmlformats.org/markup-compatibility/2006" xmlns:mv="urn:schemas-microsoft-com:mac:vml" xmlns:p="http://schemas.openxmlformats.org/presentationml/2006/main" xmlns:c="http://schemas.openxmlformats.org/drawingml/2006/chart" xmlns:dgm="http://schemas.openxmlformats.org/drawingml/2006/diagram" xmlns:o="urn:schemas-microsoft-com:office:office" xmlns:v="urn:schemas-microsoft-com:vml" xmlns:pvml="urn:schemas-microsoft-com:office:powerpoint" xmlns:com="http://schemas.openxmlformats.org/drawingml/2006/compatibility" xmlns:p14="http://schemas.microsoft.com/office/powerpoint/2010/main" xmlns:p15="http://schemas.microsoft.com/office/powerpoint/2012/main" xmlns:ahyp="http://schemas.microsoft.com/office/drawing/2018/hyperlinkcolor" show="0">
+<p:sld xmlns:a="http://schemas.openxmlformats.org/drawingml/2006/main" xmlns:r="http://schemas.openxmlformats.org/officeDocument/2006/relationships" xmlns:p="http://schemas.openxmlformats.org/presentationml/2006/main" show="0">
   <p:cSld>
     <p:spTree>
       <p:nvGrpSpPr>
-        <p:cNvPr id="165" name="Shape 165"/>
+        <p:cNvPr id="1" name="Shape 165"/>
         <p:cNvGrpSpPr/>
         <p:nvPr/>
       </p:nvGrpSpPr>
@@ -7436,23 +7638,23 @@
             <a:avLst/>
           </a:prstGeom>
           <a:noFill/>
-          <a:ln cap="flat" cmpd="sng" w="38100">
+          <a:ln w="38100" cap="flat" cmpd="sng">
             <a:solidFill>
               <a:schemeClr val="dk2"/>
             </a:solidFill>
             <a:prstDash val="solid"/>
             <a:round/>
-            <a:headEnd len="sm" w="sm" type="none"/>
-            <a:tailEnd len="sm" w="sm" type="none"/>
+            <a:headEnd type="none" w="sm" len="sm"/>
+            <a:tailEnd type="none" w="sm" len="sm"/>
           </a:ln>
         </p:spPr>
         <p:txBody>
-          <a:bodyPr anchorCtr="0" anchor="ctr" bIns="91425" lIns="91425" spcFirstLastPara="1" rIns="91425" wrap="square" tIns="91425">
+          <a:bodyPr spcFirstLastPara="1" wrap="square" lIns="91425" tIns="91425" rIns="91425" bIns="91425" anchor="ctr" anchorCtr="0">
             <a:noAutofit/>
           </a:bodyPr>
           <a:lstStyle/>
           <a:p>
-            <a:pPr indent="0" lvl="0" marL="0" rtl="0" algn="l">
+            <a:pPr marL="0" lvl="0" indent="0" algn="l" rtl="0">
               <a:spcBef>
                 <a:spcPts val="0"/>
               </a:spcBef>
@@ -7461,9 +7663,6 @@
               </a:spcAft>
               <a:buNone/>
             </a:pPr>
-            <a:r>
-              <a:t/>
-            </a:r>
             <a:endParaRPr/>
           </a:p>
         </p:txBody>
@@ -7488,12 +7687,12 @@
           </a:ln>
         </p:spPr>
         <p:txBody>
-          <a:bodyPr anchorCtr="0" anchor="t" bIns="91425" lIns="91425" spcFirstLastPara="1" rIns="91425" wrap="square" tIns="91425">
+          <a:bodyPr spcFirstLastPara="1" wrap="square" lIns="91425" tIns="91425" rIns="91425" bIns="91425" anchor="t" anchorCtr="0">
             <a:spAutoFit/>
           </a:bodyPr>
           <a:lstStyle/>
           <a:p>
-            <a:pPr indent="0" lvl="0" marL="0" rtl="0" algn="l">
+            <a:pPr marL="0" lvl="0" indent="0" algn="l" rtl="0">
               <a:spcBef>
                 <a:spcPts val="0"/>
               </a:spcBef>
@@ -7530,12 +7729,12 @@
           </a:ln>
         </p:spPr>
         <p:txBody>
-          <a:bodyPr anchorCtr="0" anchor="t" bIns="91425" lIns="91425" spcFirstLastPara="1" rIns="91425" wrap="square" tIns="91425">
+          <a:bodyPr spcFirstLastPara="1" wrap="square" lIns="91425" tIns="91425" rIns="91425" bIns="91425" anchor="t" anchorCtr="0">
             <a:spAutoFit/>
           </a:bodyPr>
           <a:lstStyle/>
           <a:p>
-            <a:pPr indent="0" lvl="0" marL="0" rtl="0" algn="l">
+            <a:pPr marL="0" lvl="0" indent="0" algn="l" rtl="0">
               <a:spcBef>
                 <a:spcPts val="0"/>
               </a:spcBef>
@@ -7546,11 +7745,7 @@
             </a:pPr>
             <a:r>
               <a:rPr lang="ja"/>
-              <a:t>　　</a:t>
-            </a:r>
-            <a:r>
-              <a:rPr lang="ja"/>
-              <a:t>パスワードの確認</a:t>
+              <a:t>　　パスワードの確認</a:t>
             </a:r>
             <a:endParaRPr/>
           </a:p>
@@ -7573,23 +7768,23 @@
           <a:solidFill>
             <a:schemeClr val="lt1"/>
           </a:solidFill>
-          <a:ln cap="flat" cmpd="sng" w="9525">
+          <a:ln w="9525" cap="flat" cmpd="sng">
             <a:solidFill>
               <a:srgbClr val="FF9900"/>
             </a:solidFill>
             <a:prstDash val="solid"/>
             <a:round/>
-            <a:headEnd len="sm" w="sm" type="none"/>
-            <a:tailEnd len="sm" w="sm" type="none"/>
+            <a:headEnd type="none" w="sm" len="sm"/>
+            <a:tailEnd type="none" w="sm" len="sm"/>
           </a:ln>
         </p:spPr>
         <p:txBody>
-          <a:bodyPr anchorCtr="0" anchor="ctr" bIns="91425" lIns="91425" spcFirstLastPara="1" rIns="91425" wrap="square" tIns="91425">
+          <a:bodyPr spcFirstLastPara="1" wrap="square" lIns="91425" tIns="91425" rIns="91425" bIns="91425" anchor="ctr" anchorCtr="0">
             <a:noAutofit/>
           </a:bodyPr>
           <a:lstStyle/>
           <a:p>
-            <a:pPr indent="0" lvl="0" marL="0" rtl="0" algn="l">
+            <a:pPr marL="0" lvl="0" indent="0" algn="l" rtl="0">
               <a:spcBef>
                 <a:spcPts val="0"/>
               </a:spcBef>
@@ -7600,11 +7795,7 @@
             </a:pPr>
             <a:r>
               <a:rPr lang="ja"/>
-              <a:t>&gt;</a:t>
-            </a:r>
-            <a:r>
-              <a:rPr lang="ja"/>
-              <a:t>パスワードを再登録する</a:t>
+              <a:t>&gt;パスワードを再登録する</a:t>
             </a:r>
             <a:endParaRPr/>
           </a:p>
@@ -7632,12 +7823,12 @@
           </a:ln>
         </p:spPr>
         <p:txBody>
-          <a:bodyPr anchorCtr="0" anchor="t" bIns="91425" lIns="91425" spcFirstLastPara="1" rIns="91425" wrap="square" tIns="91425">
+          <a:bodyPr spcFirstLastPara="1" wrap="square" lIns="91425" tIns="91425" rIns="91425" bIns="91425" anchor="t" anchorCtr="0">
             <a:spAutoFit/>
           </a:bodyPr>
           <a:lstStyle/>
           <a:p>
-            <a:pPr indent="0" lvl="0" marL="0" rtl="0" algn="l">
+            <a:pPr marL="0" lvl="0" indent="0" algn="l" rtl="0">
               <a:spcBef>
                 <a:spcPts val="0"/>
               </a:spcBef>
@@ -7648,11 +7839,7 @@
             </a:pPr>
             <a:r>
               <a:rPr lang="ja"/>
-              <a:t>    </a:t>
-            </a:r>
-            <a:r>
-              <a:rPr lang="ja"/>
-              <a:t>戻る</a:t>
+              <a:t>    戻る</a:t>
             </a:r>
             <a:endParaRPr/>
           </a:p>
@@ -7667,11 +7854,11 @@
 </file>
 
 <file path=ppt/slides/slide13.xml><?xml version="1.0" encoding="utf-8"?>
-<p:sld xmlns:a="http://schemas.openxmlformats.org/drawingml/2006/main" xmlns:r="http://schemas.openxmlformats.org/officeDocument/2006/relationships" xmlns:mc="http://schemas.openxmlformats.org/markup-compatibility/2006" xmlns:mv="urn:schemas-microsoft-com:mac:vml" xmlns:p="http://schemas.openxmlformats.org/presentationml/2006/main" xmlns:c="http://schemas.openxmlformats.org/drawingml/2006/chart" xmlns:dgm="http://schemas.openxmlformats.org/drawingml/2006/diagram" xmlns:o="urn:schemas-microsoft-com:office:office" xmlns:v="urn:schemas-microsoft-com:vml" xmlns:pvml="urn:schemas-microsoft-com:office:powerpoint" xmlns:com="http://schemas.openxmlformats.org/drawingml/2006/compatibility" xmlns:p14="http://schemas.microsoft.com/office/powerpoint/2010/main" xmlns:p15="http://schemas.microsoft.com/office/powerpoint/2012/main" xmlns:ahyp="http://schemas.microsoft.com/office/drawing/2018/hyperlinkcolor" show="0">
+<p:sld xmlns:a="http://schemas.openxmlformats.org/drawingml/2006/main" xmlns:r="http://schemas.openxmlformats.org/officeDocument/2006/relationships" xmlns:p="http://schemas.openxmlformats.org/presentationml/2006/main" show="0">
   <p:cSld>
     <p:spTree>
       <p:nvGrpSpPr>
-        <p:cNvPr id="174" name="Shape 174"/>
+        <p:cNvPr id="1" name="Shape 174"/>
         <p:cNvGrpSpPr/>
         <p:nvPr/>
       </p:nvGrpSpPr>
@@ -7686,7 +7873,9 @@
       <p:sp>
         <p:nvSpPr>
           <p:cNvPr id="175" name="Google Shape;175;p25"/>
-          <p:cNvSpPr txBox="1"/>
+          <p:cNvSpPr txBox="1">
+            <a:spLocks noGrp="1"/>
+          </p:cNvSpPr>
           <p:nvPr>
             <p:ph type="title"/>
           </p:nvPr>
@@ -7701,12 +7890,12 @@
           </a:prstGeom>
         </p:spPr>
         <p:txBody>
-          <a:bodyPr anchorCtr="0" anchor="t" bIns="91425" lIns="91425" spcFirstLastPara="1" rIns="91425" wrap="square" tIns="91425">
+          <a:bodyPr spcFirstLastPara="1" wrap="square" lIns="91425" tIns="91425" rIns="91425" bIns="91425" anchor="t" anchorCtr="0">
             <a:normAutofit fontScale="90000"/>
           </a:bodyPr>
           <a:lstStyle/>
           <a:p>
-            <a:pPr indent="0" lvl="0" marL="0" rtl="0" algn="l">
+            <a:pPr marL="0" lvl="0" indent="0" algn="l" rtl="0">
               <a:spcBef>
                 <a:spcPts val="0"/>
               </a:spcBef>
@@ -7760,11 +7949,11 @@
 </file>
 
 <file path=ppt/slides/slide14.xml><?xml version="1.0" encoding="utf-8"?>
-<p:sld xmlns:a="http://schemas.openxmlformats.org/drawingml/2006/main" xmlns:r="http://schemas.openxmlformats.org/officeDocument/2006/relationships" xmlns:mc="http://schemas.openxmlformats.org/markup-compatibility/2006" xmlns:mv="urn:schemas-microsoft-com:mac:vml" xmlns:p="http://schemas.openxmlformats.org/presentationml/2006/main" xmlns:c="http://schemas.openxmlformats.org/drawingml/2006/chart" xmlns:dgm="http://schemas.openxmlformats.org/drawingml/2006/diagram" xmlns:o="urn:schemas-microsoft-com:office:office" xmlns:v="urn:schemas-microsoft-com:vml" xmlns:pvml="urn:schemas-microsoft-com:office:powerpoint" xmlns:com="http://schemas.openxmlformats.org/drawingml/2006/compatibility" xmlns:p14="http://schemas.microsoft.com/office/powerpoint/2010/main" xmlns:p15="http://schemas.microsoft.com/office/powerpoint/2012/main" xmlns:ahyp="http://schemas.microsoft.com/office/drawing/2018/hyperlinkcolor" show="0">
+<p:sld xmlns:a="http://schemas.openxmlformats.org/drawingml/2006/main" xmlns:r="http://schemas.openxmlformats.org/officeDocument/2006/relationships" xmlns:p="http://schemas.openxmlformats.org/presentationml/2006/main" show="0">
   <p:cSld>
     <p:spTree>
       <p:nvGrpSpPr>
-        <p:cNvPr id="180" name="Shape 180"/>
+        <p:cNvPr id="1" name="Shape 180"/>
         <p:cNvGrpSpPr/>
         <p:nvPr/>
       </p:nvGrpSpPr>
@@ -7807,7 +7996,9 @@
       <p:sp>
         <p:nvSpPr>
           <p:cNvPr id="182" name="Google Shape;182;p26"/>
-          <p:cNvSpPr txBox="1"/>
+          <p:cNvSpPr txBox="1">
+            <a:spLocks noGrp="1"/>
+          </p:cNvSpPr>
           <p:nvPr>
             <p:ph type="title"/>
           </p:nvPr>
@@ -7822,12 +8013,12 @@
           </a:prstGeom>
         </p:spPr>
         <p:txBody>
-          <a:bodyPr anchorCtr="0" anchor="t" bIns="91425" lIns="91425" spcFirstLastPara="1" rIns="91425" wrap="square" tIns="91425">
+          <a:bodyPr spcFirstLastPara="1" wrap="square" lIns="91425" tIns="91425" rIns="91425" bIns="91425" anchor="t" anchorCtr="0">
             <a:normAutofit fontScale="90000"/>
           </a:bodyPr>
           <a:lstStyle/>
           <a:p>
-            <a:pPr indent="0" lvl="0" marL="0" rtl="0" algn="l">
+            <a:pPr marL="0" lvl="0" indent="0" algn="l" rtl="0">
               <a:spcBef>
                 <a:spcPts val="0"/>
               </a:spcBef>
@@ -7853,11 +8044,11 @@
 </file>
 
 <file path=ppt/slides/slide15.xml><?xml version="1.0" encoding="utf-8"?>
-<p:sld xmlns:a="http://schemas.openxmlformats.org/drawingml/2006/main" xmlns:r="http://schemas.openxmlformats.org/officeDocument/2006/relationships" xmlns:mc="http://schemas.openxmlformats.org/markup-compatibility/2006" xmlns:mv="urn:schemas-microsoft-com:mac:vml" xmlns:p="http://schemas.openxmlformats.org/presentationml/2006/main" xmlns:c="http://schemas.openxmlformats.org/drawingml/2006/chart" xmlns:dgm="http://schemas.openxmlformats.org/drawingml/2006/diagram" xmlns:o="urn:schemas-microsoft-com:office:office" xmlns:v="urn:schemas-microsoft-com:vml" xmlns:pvml="urn:schemas-microsoft-com:office:powerpoint" xmlns:com="http://schemas.openxmlformats.org/drawingml/2006/compatibility" xmlns:p14="http://schemas.microsoft.com/office/powerpoint/2010/main" xmlns:p15="http://schemas.microsoft.com/office/powerpoint/2012/main" xmlns:ahyp="http://schemas.microsoft.com/office/drawing/2018/hyperlinkcolor" show="0">
+<p:sld xmlns:a="http://schemas.openxmlformats.org/drawingml/2006/main" xmlns:r="http://schemas.openxmlformats.org/officeDocument/2006/relationships" xmlns:p="http://schemas.openxmlformats.org/presentationml/2006/main" show="0">
   <p:cSld>
     <p:spTree>
       <p:nvGrpSpPr>
-        <p:cNvPr id="186" name="Shape 186"/>
+        <p:cNvPr id="1" name="Shape 186"/>
         <p:cNvGrpSpPr/>
         <p:nvPr/>
       </p:nvGrpSpPr>
@@ -7872,7 +8063,9 @@
       <p:sp>
         <p:nvSpPr>
           <p:cNvPr id="187" name="Google Shape;187;p27"/>
-          <p:cNvSpPr txBox="1"/>
+          <p:cNvSpPr txBox="1">
+            <a:spLocks noGrp="1"/>
+          </p:cNvSpPr>
           <p:nvPr>
             <p:ph type="title"/>
           </p:nvPr>
@@ -7887,12 +8080,12 @@
           </a:prstGeom>
         </p:spPr>
         <p:txBody>
-          <a:bodyPr anchorCtr="0" anchor="t" bIns="91425" lIns="91425" spcFirstLastPara="1" rIns="91425" wrap="square" tIns="91425">
+          <a:bodyPr spcFirstLastPara="1" wrap="square" lIns="91425" tIns="91425" rIns="91425" bIns="91425" anchor="t" anchorCtr="0">
             <a:normAutofit fontScale="90000"/>
           </a:bodyPr>
           <a:lstStyle/>
           <a:p>
-            <a:pPr indent="0" lvl="0" marL="0" rtl="0" algn="l">
+            <a:pPr marL="0" lvl="0" indent="0" algn="l" rtl="0">
               <a:spcBef>
                 <a:spcPts val="0"/>
               </a:spcBef>
@@ -7954,23 +8147,23 @@
           <a:solidFill>
             <a:schemeClr val="lt2"/>
           </a:solidFill>
-          <a:ln cap="flat" cmpd="sng" w="9525">
+          <a:ln w="9525" cap="flat" cmpd="sng">
             <a:solidFill>
               <a:schemeClr val="dk2"/>
             </a:solidFill>
             <a:prstDash val="solid"/>
             <a:round/>
-            <a:headEnd len="sm" w="sm" type="none"/>
-            <a:tailEnd len="sm" w="sm" type="none"/>
+            <a:headEnd type="none" w="sm" len="sm"/>
+            <a:tailEnd type="none" w="sm" len="sm"/>
           </a:ln>
         </p:spPr>
         <p:txBody>
-          <a:bodyPr anchorCtr="0" anchor="ctr" bIns="91425" lIns="91425" spcFirstLastPara="1" rIns="91425" wrap="square" tIns="91425">
+          <a:bodyPr spcFirstLastPara="1" wrap="square" lIns="91425" tIns="91425" rIns="91425" bIns="91425" anchor="ctr" anchorCtr="0">
             <a:noAutofit/>
           </a:bodyPr>
           <a:lstStyle/>
           <a:p>
-            <a:pPr indent="0" lvl="0" marL="0" rtl="0" algn="l">
+            <a:pPr marL="0" lvl="0" indent="0" algn="l" rtl="0">
               <a:spcBef>
                 <a:spcPts val="0"/>
               </a:spcBef>
@@ -8004,23 +8197,23 @@
           <a:solidFill>
             <a:schemeClr val="lt2"/>
           </a:solidFill>
-          <a:ln cap="flat" cmpd="sng" w="9525">
+          <a:ln w="9525" cap="flat" cmpd="sng">
             <a:solidFill>
               <a:schemeClr val="dk2"/>
             </a:solidFill>
             <a:prstDash val="solid"/>
             <a:round/>
-            <a:headEnd len="sm" w="sm" type="none"/>
-            <a:tailEnd len="sm" w="sm" type="none"/>
+            <a:headEnd type="none" w="sm" len="sm"/>
+            <a:tailEnd type="none" w="sm" len="sm"/>
           </a:ln>
         </p:spPr>
         <p:txBody>
-          <a:bodyPr anchorCtr="0" anchor="ctr" bIns="91425" lIns="91425" spcFirstLastPara="1" rIns="91425" wrap="square" tIns="91425">
+          <a:bodyPr spcFirstLastPara="1" wrap="square" lIns="91425" tIns="91425" rIns="91425" bIns="91425" anchor="ctr" anchorCtr="0">
             <a:noAutofit/>
           </a:bodyPr>
           <a:lstStyle/>
           <a:p>
-            <a:pPr indent="0" lvl="0" marL="0" rtl="0" algn="l">
+            <a:pPr marL="0" lvl="0" indent="0" algn="l" rtl="0">
               <a:spcBef>
                 <a:spcPts val="0"/>
               </a:spcBef>
@@ -8054,23 +8247,23 @@
           <a:solidFill>
             <a:schemeClr val="lt2"/>
           </a:solidFill>
-          <a:ln cap="flat" cmpd="sng" w="9525">
+          <a:ln w="9525" cap="flat" cmpd="sng">
             <a:solidFill>
               <a:schemeClr val="dk2"/>
             </a:solidFill>
             <a:prstDash val="solid"/>
             <a:round/>
-            <a:headEnd len="sm" w="sm" type="none"/>
-            <a:tailEnd len="sm" w="sm" type="none"/>
+            <a:headEnd type="none" w="sm" len="sm"/>
+            <a:tailEnd type="none" w="sm" len="sm"/>
           </a:ln>
         </p:spPr>
         <p:txBody>
-          <a:bodyPr anchorCtr="0" anchor="ctr" bIns="91425" lIns="91425" spcFirstLastPara="1" rIns="91425" wrap="square" tIns="91425">
+          <a:bodyPr spcFirstLastPara="1" wrap="square" lIns="91425" tIns="91425" rIns="91425" bIns="91425" anchor="ctr" anchorCtr="0">
             <a:noAutofit/>
           </a:bodyPr>
           <a:lstStyle/>
           <a:p>
-            <a:pPr indent="0" lvl="0" marL="0" rtl="0" algn="l">
+            <a:pPr marL="0" lvl="0" indent="0" algn="l" rtl="0">
               <a:spcBef>
                 <a:spcPts val="0"/>
               </a:spcBef>
@@ -8104,23 +8297,23 @@
           <a:solidFill>
             <a:schemeClr val="lt2"/>
           </a:solidFill>
-          <a:ln cap="flat" cmpd="sng" w="9525">
+          <a:ln w="9525" cap="flat" cmpd="sng">
             <a:solidFill>
               <a:schemeClr val="dk2"/>
             </a:solidFill>
             <a:prstDash val="solid"/>
             <a:round/>
-            <a:headEnd len="sm" w="sm" type="none"/>
-            <a:tailEnd len="sm" w="sm" type="none"/>
+            <a:headEnd type="none" w="sm" len="sm"/>
+            <a:tailEnd type="none" w="sm" len="sm"/>
           </a:ln>
         </p:spPr>
         <p:txBody>
-          <a:bodyPr anchorCtr="0" anchor="ctr" bIns="91425" lIns="91425" spcFirstLastPara="1" rIns="91425" wrap="square" tIns="91425">
+          <a:bodyPr spcFirstLastPara="1" wrap="square" lIns="91425" tIns="91425" rIns="91425" bIns="91425" anchor="ctr" anchorCtr="0">
             <a:noAutofit/>
           </a:bodyPr>
           <a:lstStyle/>
           <a:p>
-            <a:pPr indent="0" lvl="0" marL="0" rtl="0" algn="l">
+            <a:pPr marL="0" lvl="0" indent="0" algn="l" rtl="0">
               <a:spcBef>
                 <a:spcPts val="0"/>
               </a:spcBef>
@@ -8154,23 +8347,23 @@
           <a:solidFill>
             <a:schemeClr val="lt2"/>
           </a:solidFill>
-          <a:ln cap="flat" cmpd="sng" w="9525">
+          <a:ln w="9525" cap="flat" cmpd="sng">
             <a:solidFill>
               <a:schemeClr val="dk2"/>
             </a:solidFill>
             <a:prstDash val="solid"/>
             <a:round/>
-            <a:headEnd len="sm" w="sm" type="none"/>
-            <a:tailEnd len="sm" w="sm" type="none"/>
+            <a:headEnd type="none" w="sm" len="sm"/>
+            <a:tailEnd type="none" w="sm" len="sm"/>
           </a:ln>
         </p:spPr>
         <p:txBody>
-          <a:bodyPr anchorCtr="0" anchor="ctr" bIns="91425" lIns="91425" spcFirstLastPara="1" rIns="91425" wrap="square" tIns="91425">
+          <a:bodyPr spcFirstLastPara="1" wrap="square" lIns="91425" tIns="91425" rIns="91425" bIns="91425" anchor="ctr" anchorCtr="0">
             <a:noAutofit/>
           </a:bodyPr>
           <a:lstStyle/>
           <a:p>
-            <a:pPr indent="0" lvl="0" marL="0" rtl="0" algn="l">
+            <a:pPr marL="0" lvl="0" indent="0" algn="l" rtl="0">
               <a:spcBef>
                 <a:spcPts val="0"/>
               </a:spcBef>
@@ -8204,23 +8397,23 @@
           <a:solidFill>
             <a:schemeClr val="lt2"/>
           </a:solidFill>
-          <a:ln cap="flat" cmpd="sng" w="9525">
+          <a:ln w="9525" cap="flat" cmpd="sng">
             <a:solidFill>
               <a:schemeClr val="dk2"/>
             </a:solidFill>
             <a:prstDash val="solid"/>
             <a:round/>
-            <a:headEnd len="sm" w="sm" type="none"/>
-            <a:tailEnd len="sm" w="sm" type="none"/>
+            <a:headEnd type="none" w="sm" len="sm"/>
+            <a:tailEnd type="none" w="sm" len="sm"/>
           </a:ln>
         </p:spPr>
         <p:txBody>
-          <a:bodyPr anchorCtr="0" anchor="ctr" bIns="91425" lIns="91425" spcFirstLastPara="1" rIns="91425" wrap="square" tIns="91425">
+          <a:bodyPr spcFirstLastPara="1" wrap="square" lIns="91425" tIns="91425" rIns="91425" bIns="91425" anchor="ctr" anchorCtr="0">
             <a:noAutofit/>
           </a:bodyPr>
           <a:lstStyle/>
           <a:p>
-            <a:pPr indent="0" lvl="0" marL="0" rtl="0" algn="l">
+            <a:pPr marL="0" lvl="0" indent="0" algn="l" rtl="0">
               <a:spcBef>
                 <a:spcPts val="0"/>
               </a:spcBef>
@@ -8246,11 +8439,11 @@
 </file>
 
 <file path=ppt/slides/slide16.xml><?xml version="1.0" encoding="utf-8"?>
-<p:sld xmlns:a="http://schemas.openxmlformats.org/drawingml/2006/main" xmlns:r="http://schemas.openxmlformats.org/officeDocument/2006/relationships" xmlns:mc="http://schemas.openxmlformats.org/markup-compatibility/2006" xmlns:mv="urn:schemas-microsoft-com:mac:vml" xmlns:p="http://schemas.openxmlformats.org/presentationml/2006/main" xmlns:c="http://schemas.openxmlformats.org/drawingml/2006/chart" xmlns:dgm="http://schemas.openxmlformats.org/drawingml/2006/diagram" xmlns:o="urn:schemas-microsoft-com:office:office" xmlns:v="urn:schemas-microsoft-com:vml" xmlns:pvml="urn:schemas-microsoft-com:office:powerpoint" xmlns:com="http://schemas.openxmlformats.org/drawingml/2006/compatibility" xmlns:p14="http://schemas.microsoft.com/office/powerpoint/2010/main" xmlns:p15="http://schemas.microsoft.com/office/powerpoint/2012/main" xmlns:ahyp="http://schemas.microsoft.com/office/drawing/2018/hyperlinkcolor" show="0">
+<p:sld xmlns:a="http://schemas.openxmlformats.org/drawingml/2006/main" xmlns:r="http://schemas.openxmlformats.org/officeDocument/2006/relationships" xmlns:p="http://schemas.openxmlformats.org/presentationml/2006/main" show="0">
   <p:cSld>
     <p:spTree>
       <p:nvGrpSpPr>
-        <p:cNvPr id="198" name="Shape 198"/>
+        <p:cNvPr id="1" name="Shape 198"/>
         <p:cNvGrpSpPr/>
         <p:nvPr/>
       </p:nvGrpSpPr>
@@ -8265,7 +8458,9 @@
       <p:sp>
         <p:nvSpPr>
           <p:cNvPr id="199" name="Google Shape;199;p28"/>
-          <p:cNvSpPr txBox="1"/>
+          <p:cNvSpPr txBox="1">
+            <a:spLocks noGrp="1"/>
+          </p:cNvSpPr>
           <p:nvPr>
             <p:ph type="title"/>
           </p:nvPr>
@@ -8280,12 +8475,12 @@
           </a:prstGeom>
         </p:spPr>
         <p:txBody>
-          <a:bodyPr anchorCtr="0" anchor="t" bIns="91425" lIns="91425" spcFirstLastPara="1" rIns="91425" wrap="square" tIns="91425">
+          <a:bodyPr spcFirstLastPara="1" wrap="square" lIns="91425" tIns="91425" rIns="91425" bIns="91425" anchor="t" anchorCtr="0">
             <a:normAutofit fontScale="90000"/>
           </a:bodyPr>
           <a:lstStyle/>
           <a:p>
-            <a:pPr indent="0" lvl="0" marL="0" rtl="0" algn="l">
+            <a:pPr marL="0" lvl="0" indent="0" algn="l" rtl="0">
               <a:spcBef>
                 <a:spcPts val="0"/>
               </a:spcBef>
@@ -8347,23 +8542,23 @@
           <a:solidFill>
             <a:schemeClr val="lt2"/>
           </a:solidFill>
-          <a:ln cap="flat" cmpd="sng" w="9525">
+          <a:ln w="9525" cap="flat" cmpd="sng">
             <a:solidFill>
               <a:schemeClr val="dk2"/>
             </a:solidFill>
             <a:prstDash val="solid"/>
             <a:round/>
-            <a:headEnd len="sm" w="sm" type="none"/>
-            <a:tailEnd len="sm" w="sm" type="none"/>
+            <a:headEnd type="none" w="sm" len="sm"/>
+            <a:tailEnd type="none" w="sm" len="sm"/>
           </a:ln>
         </p:spPr>
         <p:txBody>
-          <a:bodyPr anchorCtr="0" anchor="ctr" bIns="91425" lIns="91425" spcFirstLastPara="1" rIns="91425" wrap="square" tIns="91425">
+          <a:bodyPr spcFirstLastPara="1" wrap="square" lIns="91425" tIns="91425" rIns="91425" bIns="91425" anchor="ctr" anchorCtr="0">
             <a:noAutofit/>
           </a:bodyPr>
           <a:lstStyle/>
           <a:p>
-            <a:pPr indent="0" lvl="0" marL="0" rtl="0" algn="l">
+            <a:pPr marL="0" lvl="0" indent="0" algn="l" rtl="0">
               <a:spcBef>
                 <a:spcPts val="0"/>
               </a:spcBef>
@@ -8389,11 +8584,11 @@
 </file>
 
 <file path=ppt/slides/slide17.xml><?xml version="1.0" encoding="utf-8"?>
-<p:sld xmlns:a="http://schemas.openxmlformats.org/drawingml/2006/main" xmlns:r="http://schemas.openxmlformats.org/officeDocument/2006/relationships" xmlns:mc="http://schemas.openxmlformats.org/markup-compatibility/2006" xmlns:mv="urn:schemas-microsoft-com:mac:vml" xmlns:p="http://schemas.openxmlformats.org/presentationml/2006/main" xmlns:c="http://schemas.openxmlformats.org/drawingml/2006/chart" xmlns:dgm="http://schemas.openxmlformats.org/drawingml/2006/diagram" xmlns:o="urn:schemas-microsoft-com:office:office" xmlns:v="urn:schemas-microsoft-com:vml" xmlns:pvml="urn:schemas-microsoft-com:office:powerpoint" xmlns:com="http://schemas.openxmlformats.org/drawingml/2006/compatibility" xmlns:p14="http://schemas.microsoft.com/office/powerpoint/2010/main" xmlns:p15="http://schemas.microsoft.com/office/powerpoint/2012/main" xmlns:ahyp="http://schemas.microsoft.com/office/drawing/2018/hyperlinkcolor" show="0">
+<p:sld xmlns:a="http://schemas.openxmlformats.org/drawingml/2006/main" xmlns:r="http://schemas.openxmlformats.org/officeDocument/2006/relationships" xmlns:p="http://schemas.openxmlformats.org/presentationml/2006/main" show="0">
   <p:cSld>
     <p:spTree>
       <p:nvGrpSpPr>
-        <p:cNvPr id="205" name="Shape 205"/>
+        <p:cNvPr id="1" name="Shape 205"/>
         <p:cNvGrpSpPr/>
         <p:nvPr/>
       </p:nvGrpSpPr>
@@ -8408,7 +8603,9 @@
       <p:sp>
         <p:nvSpPr>
           <p:cNvPr id="206" name="Google Shape;206;p29"/>
-          <p:cNvSpPr txBox="1"/>
+          <p:cNvSpPr txBox="1">
+            <a:spLocks noGrp="1"/>
+          </p:cNvSpPr>
           <p:nvPr>
             <p:ph type="title"/>
           </p:nvPr>
@@ -8423,12 +8620,12 @@
           </a:prstGeom>
         </p:spPr>
         <p:txBody>
-          <a:bodyPr anchorCtr="0" anchor="t" bIns="91425" lIns="91425" spcFirstLastPara="1" rIns="91425" wrap="square" tIns="91425">
+          <a:bodyPr spcFirstLastPara="1" wrap="square" lIns="91425" tIns="91425" rIns="91425" bIns="91425" anchor="t" anchorCtr="0">
             <a:normAutofit fontScale="90000"/>
           </a:bodyPr>
           <a:lstStyle/>
           <a:p>
-            <a:pPr indent="0" lvl="0" marL="0" rtl="0" algn="l">
+            <a:pPr marL="0" lvl="0" indent="0" algn="l" rtl="0">
               <a:spcBef>
                 <a:spcPts val="0"/>
               </a:spcBef>
@@ -8482,11 +8679,11 @@
 </file>
 
 <file path=ppt/slides/slide2.xml><?xml version="1.0" encoding="utf-8"?>
-<p:sld xmlns:a="http://schemas.openxmlformats.org/drawingml/2006/main" xmlns:r="http://schemas.openxmlformats.org/officeDocument/2006/relationships" xmlns:mc="http://schemas.openxmlformats.org/markup-compatibility/2006" xmlns:mv="urn:schemas-microsoft-com:mac:vml" xmlns:p="http://schemas.openxmlformats.org/presentationml/2006/main" xmlns:c="http://schemas.openxmlformats.org/drawingml/2006/chart" xmlns:dgm="http://schemas.openxmlformats.org/drawingml/2006/diagram" xmlns:o="urn:schemas-microsoft-com:office:office" xmlns:v="urn:schemas-microsoft-com:vml" xmlns:pvml="urn:schemas-microsoft-com:office:powerpoint" xmlns:com="http://schemas.openxmlformats.org/drawingml/2006/compatibility" xmlns:p14="http://schemas.microsoft.com/office/powerpoint/2010/main" xmlns:p15="http://schemas.microsoft.com/office/powerpoint/2012/main" xmlns:ahyp="http://schemas.microsoft.com/office/drawing/2018/hyperlinkcolor">
+<p:sld xmlns:a="http://schemas.openxmlformats.org/drawingml/2006/main" xmlns:r="http://schemas.openxmlformats.org/officeDocument/2006/relationships" xmlns:p="http://schemas.openxmlformats.org/presentationml/2006/main">
   <p:cSld>
     <p:spTree>
       <p:nvGrpSpPr>
-        <p:cNvPr id="59" name="Shape 59"/>
+        <p:cNvPr id="1" name="Shape 59"/>
         <p:cNvGrpSpPr/>
         <p:nvPr/>
       </p:nvGrpSpPr>
@@ -8501,7 +8698,9 @@
       <p:sp>
         <p:nvSpPr>
           <p:cNvPr id="60" name="Google Shape;60;p14"/>
-          <p:cNvSpPr txBox="1"/>
+          <p:cNvSpPr txBox="1">
+            <a:spLocks noGrp="1"/>
+          </p:cNvSpPr>
           <p:nvPr>
             <p:ph type="title"/>
           </p:nvPr>
@@ -8516,12 +8715,12 @@
           </a:prstGeom>
         </p:spPr>
         <p:txBody>
-          <a:bodyPr anchorCtr="0" anchor="t" bIns="91425" lIns="91425" spcFirstLastPara="1" rIns="91425" wrap="square" tIns="91425">
+          <a:bodyPr spcFirstLastPara="1" wrap="square" lIns="91425" tIns="91425" rIns="91425" bIns="91425" anchor="t" anchorCtr="0">
             <a:normAutofit fontScale="90000"/>
           </a:bodyPr>
           <a:lstStyle/>
           <a:p>
-            <a:pPr indent="0" lvl="0" marL="0" rtl="0" algn="l">
+            <a:pPr marL="0" lvl="0" indent="0" algn="l" rtl="0">
               <a:spcBef>
                 <a:spcPts val="0"/>
               </a:spcBef>
@@ -8537,7 +8736,7 @@
             <a:endParaRPr/>
           </a:p>
           <a:p>
-            <a:pPr indent="0" lvl="0" marL="0" rtl="0" algn="l">
+            <a:pPr marL="0" lvl="0" indent="0" algn="l" rtl="0">
               <a:spcBef>
                 <a:spcPts val="0"/>
               </a:spcBef>
@@ -8546,9 +8745,6 @@
               </a:spcAft>
               <a:buNone/>
             </a:pPr>
-            <a:r>
-              <a:t/>
-            </a:r>
             <a:endParaRPr/>
           </a:p>
         </p:txBody>
@@ -8570,23 +8766,23 @@
           <a:solidFill>
             <a:schemeClr val="lt2"/>
           </a:solidFill>
-          <a:ln cap="flat" cmpd="sng" w="9525">
+          <a:ln w="9525" cap="flat" cmpd="sng">
             <a:solidFill>
               <a:schemeClr val="dk2"/>
             </a:solidFill>
             <a:prstDash val="solid"/>
             <a:round/>
-            <a:headEnd len="sm" w="sm" type="none"/>
-            <a:tailEnd len="sm" w="sm" type="none"/>
+            <a:headEnd type="none" w="sm" len="sm"/>
+            <a:tailEnd type="none" w="sm" len="sm"/>
           </a:ln>
         </p:spPr>
         <p:txBody>
-          <a:bodyPr anchorCtr="0" anchor="ctr" bIns="91425" lIns="91425" spcFirstLastPara="1" rIns="91425" wrap="square" tIns="91425">
+          <a:bodyPr spcFirstLastPara="1" wrap="square" lIns="91425" tIns="91425" rIns="91425" bIns="91425" anchor="ctr" anchorCtr="0">
             <a:noAutofit/>
           </a:bodyPr>
           <a:lstStyle/>
           <a:p>
-            <a:pPr indent="0" lvl="0" marL="0" rtl="0" algn="l">
+            <a:pPr marL="0" lvl="0" indent="0" algn="l" rtl="0">
               <a:spcBef>
                 <a:spcPts val="0"/>
               </a:spcBef>
@@ -8620,23 +8816,23 @@
           <a:solidFill>
             <a:schemeClr val="lt2"/>
           </a:solidFill>
-          <a:ln cap="flat" cmpd="sng" w="9525">
+          <a:ln w="9525" cap="flat" cmpd="sng">
             <a:solidFill>
               <a:schemeClr val="dk2"/>
             </a:solidFill>
             <a:prstDash val="solid"/>
             <a:round/>
-            <a:headEnd len="sm" w="sm" type="none"/>
-            <a:tailEnd len="sm" w="sm" type="none"/>
+            <a:headEnd type="none" w="sm" len="sm"/>
+            <a:tailEnd type="none" w="sm" len="sm"/>
           </a:ln>
         </p:spPr>
         <p:txBody>
-          <a:bodyPr anchorCtr="0" anchor="ctr" bIns="91425" lIns="91425" spcFirstLastPara="1" rIns="91425" wrap="square" tIns="91425">
+          <a:bodyPr spcFirstLastPara="1" wrap="square" lIns="91425" tIns="91425" rIns="91425" bIns="91425" anchor="ctr" anchorCtr="0">
             <a:noAutofit/>
           </a:bodyPr>
           <a:lstStyle/>
           <a:p>
-            <a:pPr indent="0" lvl="0" marL="0" rtl="0" algn="l">
+            <a:pPr marL="0" lvl="0" indent="0" algn="l" rtl="0">
               <a:spcBef>
                 <a:spcPts val="0"/>
               </a:spcBef>
@@ -8670,23 +8866,23 @@
           <a:solidFill>
             <a:schemeClr val="lt2"/>
           </a:solidFill>
-          <a:ln cap="flat" cmpd="sng" w="9525">
+          <a:ln w="9525" cap="flat" cmpd="sng">
             <a:solidFill>
               <a:schemeClr val="dk2"/>
             </a:solidFill>
             <a:prstDash val="solid"/>
             <a:round/>
-            <a:headEnd len="sm" w="sm" type="none"/>
-            <a:tailEnd len="sm" w="sm" type="none"/>
+            <a:headEnd type="none" w="sm" len="sm"/>
+            <a:tailEnd type="none" w="sm" len="sm"/>
           </a:ln>
         </p:spPr>
         <p:txBody>
-          <a:bodyPr anchorCtr="0" anchor="ctr" bIns="91425" lIns="91425" spcFirstLastPara="1" rIns="91425" wrap="square" tIns="91425">
+          <a:bodyPr spcFirstLastPara="1" wrap="square" lIns="91425" tIns="91425" rIns="91425" bIns="91425" anchor="ctr" anchorCtr="0">
             <a:noAutofit/>
           </a:bodyPr>
           <a:lstStyle/>
           <a:p>
-            <a:pPr indent="0" lvl="0" marL="0" rtl="0" algn="l">
+            <a:pPr marL="0" lvl="0" indent="0" algn="l" rtl="0">
               <a:spcBef>
                 <a:spcPts val="0"/>
               </a:spcBef>
@@ -8720,23 +8916,23 @@
           <a:solidFill>
             <a:schemeClr val="lt2"/>
           </a:solidFill>
-          <a:ln cap="flat" cmpd="sng" w="9525">
+          <a:ln w="9525" cap="flat" cmpd="sng">
             <a:solidFill>
               <a:schemeClr val="dk2"/>
             </a:solidFill>
             <a:prstDash val="solid"/>
             <a:round/>
-            <a:headEnd len="sm" w="sm" type="none"/>
-            <a:tailEnd len="sm" w="sm" type="none"/>
+            <a:headEnd type="none" w="sm" len="sm"/>
+            <a:tailEnd type="none" w="sm" len="sm"/>
           </a:ln>
         </p:spPr>
         <p:txBody>
-          <a:bodyPr anchorCtr="0" anchor="ctr" bIns="91425" lIns="91425" spcFirstLastPara="1" rIns="91425" wrap="square" tIns="91425">
+          <a:bodyPr spcFirstLastPara="1" wrap="square" lIns="91425" tIns="91425" rIns="91425" bIns="91425" anchor="ctr" anchorCtr="0">
             <a:noAutofit/>
           </a:bodyPr>
           <a:lstStyle/>
           <a:p>
-            <a:pPr indent="0" lvl="0" marL="0" rtl="0" algn="l">
+            <a:pPr marL="0" lvl="0" indent="0" algn="l" rtl="0">
               <a:spcBef>
                 <a:spcPts val="0"/>
               </a:spcBef>
@@ -8770,23 +8966,23 @@
           <a:solidFill>
             <a:schemeClr val="lt2"/>
           </a:solidFill>
-          <a:ln cap="flat" cmpd="sng" w="9525">
+          <a:ln w="9525" cap="flat" cmpd="sng">
             <a:solidFill>
               <a:schemeClr val="dk2"/>
             </a:solidFill>
             <a:prstDash val="solid"/>
             <a:round/>
-            <a:headEnd len="sm" w="sm" type="none"/>
-            <a:tailEnd len="sm" w="sm" type="none"/>
+            <a:headEnd type="none" w="sm" len="sm"/>
+            <a:tailEnd type="none" w="sm" len="sm"/>
           </a:ln>
         </p:spPr>
         <p:txBody>
-          <a:bodyPr anchorCtr="0" anchor="ctr" bIns="91425" lIns="91425" spcFirstLastPara="1" rIns="91425" wrap="square" tIns="91425">
+          <a:bodyPr spcFirstLastPara="1" wrap="square" lIns="91425" tIns="91425" rIns="91425" bIns="91425" anchor="ctr" anchorCtr="0">
             <a:noAutofit/>
           </a:bodyPr>
           <a:lstStyle/>
           <a:p>
-            <a:pPr indent="0" lvl="0" marL="0" rtl="0" algn="l">
+            <a:pPr marL="0" lvl="0" indent="0" algn="l" rtl="0">
               <a:spcBef>
                 <a:spcPts val="0"/>
               </a:spcBef>
@@ -8818,14 +9014,14 @@
             <a:avLst/>
           </a:prstGeom>
           <a:noFill/>
-          <a:ln cap="flat" cmpd="sng" w="9525">
+          <a:ln w="9525" cap="flat" cmpd="sng">
             <a:solidFill>
               <a:schemeClr val="dk2"/>
             </a:solidFill>
             <a:prstDash val="solid"/>
             <a:round/>
-            <a:headEnd len="med" w="med" type="none"/>
-            <a:tailEnd len="med" w="med" type="none"/>
+            <a:headEnd type="none" w="med" len="med"/>
+            <a:tailEnd type="none" w="med" len="med"/>
           </a:ln>
         </p:spPr>
       </p:cxnSp>
@@ -8847,14 +9043,14 @@
             <a:avLst/>
           </a:prstGeom>
           <a:noFill/>
-          <a:ln cap="flat" cmpd="sng" w="9525">
+          <a:ln w="9525" cap="flat" cmpd="sng">
             <a:solidFill>
               <a:schemeClr val="dk2"/>
             </a:solidFill>
             <a:prstDash val="solid"/>
             <a:round/>
-            <a:headEnd len="med" w="med" type="none"/>
-            <a:tailEnd len="med" w="med" type="none"/>
+            <a:headEnd type="none" w="med" len="med"/>
+            <a:tailEnd type="none" w="med" len="med"/>
           </a:ln>
         </p:spPr>
       </p:cxnSp>
@@ -8876,14 +9072,14 @@
             <a:avLst/>
           </a:prstGeom>
           <a:noFill/>
-          <a:ln cap="flat" cmpd="sng" w="9525">
+          <a:ln w="9525" cap="flat" cmpd="sng">
             <a:solidFill>
               <a:schemeClr val="dk2"/>
             </a:solidFill>
             <a:prstDash val="solid"/>
             <a:round/>
-            <a:headEnd len="med" w="med" type="none"/>
-            <a:tailEnd len="med" w="med" type="none"/>
+            <a:headEnd type="none" w="med" len="med"/>
+            <a:tailEnd type="none" w="med" len="med"/>
           </a:ln>
         </p:spPr>
       </p:cxnSp>
@@ -8905,14 +9101,14 @@
             <a:avLst/>
           </a:prstGeom>
           <a:noFill/>
-          <a:ln cap="flat" cmpd="sng" w="9525">
+          <a:ln w="9525" cap="flat" cmpd="sng">
             <a:solidFill>
               <a:schemeClr val="dk2"/>
             </a:solidFill>
             <a:prstDash val="solid"/>
             <a:round/>
-            <a:headEnd len="med" w="med" type="none"/>
-            <a:tailEnd len="med" w="med" type="none"/>
+            <a:headEnd type="none" w="med" len="med"/>
+            <a:tailEnd type="none" w="med" len="med"/>
           </a:ln>
         </p:spPr>
       </p:cxnSp>
@@ -8926,24 +9122,24 @@
           <p:nvPr/>
         </p:nvCxnSpPr>
         <p:spPr>
-          <a:xfrm flipH="1" rot="10800000">
+          <a:xfrm rot="10800000" flipH="1">
             <a:off x="1866300" y="1291850"/>
             <a:ext cx="1130100" cy="933900"/>
           </a:xfrm>
           <a:prstGeom prst="bentConnector3">
             <a:avLst>
-              <a:gd fmla="val 49996" name="adj1"/>
+              <a:gd name="adj1" fmla="val 49996"/>
             </a:avLst>
           </a:prstGeom>
           <a:noFill/>
-          <a:ln cap="flat" cmpd="sng" w="9525">
+          <a:ln w="9525" cap="flat" cmpd="sng">
             <a:solidFill>
               <a:schemeClr val="dk2"/>
             </a:solidFill>
             <a:prstDash val="solid"/>
             <a:round/>
-            <a:headEnd len="med" w="med" type="none"/>
-            <a:tailEnd len="med" w="med" type="none"/>
+            <a:headEnd type="none" w="med" len="med"/>
+            <a:tailEnd type="none" w="med" len="med"/>
           </a:ln>
         </p:spPr>
       </p:cxnSp>
@@ -8964,23 +9160,23 @@
           <a:solidFill>
             <a:schemeClr val="lt2"/>
           </a:solidFill>
-          <a:ln cap="flat" cmpd="sng" w="9525">
+          <a:ln w="9525" cap="flat" cmpd="sng">
             <a:solidFill>
               <a:schemeClr val="dk2"/>
             </a:solidFill>
             <a:prstDash val="solid"/>
             <a:round/>
-            <a:headEnd len="sm" w="sm" type="none"/>
-            <a:tailEnd len="sm" w="sm" type="none"/>
+            <a:headEnd type="none" w="sm" len="sm"/>
+            <a:tailEnd type="none" w="sm" len="sm"/>
           </a:ln>
         </p:spPr>
         <p:txBody>
-          <a:bodyPr anchorCtr="0" anchor="ctr" bIns="91425" lIns="91425" spcFirstLastPara="1" rIns="91425" wrap="square" tIns="91425">
+          <a:bodyPr spcFirstLastPara="1" wrap="square" lIns="91425" tIns="91425" rIns="91425" bIns="91425" anchor="ctr" anchorCtr="0">
             <a:noAutofit/>
           </a:bodyPr>
           <a:lstStyle/>
           <a:p>
-            <a:pPr indent="0" lvl="0" marL="0" rtl="0" algn="l">
+            <a:pPr marL="0" lvl="0" indent="0" algn="l" rtl="0">
               <a:spcBef>
                 <a:spcPts val="0"/>
               </a:spcBef>
@@ -9015,14 +9211,14 @@
             <a:avLst/>
           </a:prstGeom>
           <a:noFill/>
-          <a:ln cap="flat" cmpd="sng" w="9525">
+          <a:ln w="9525" cap="flat" cmpd="sng">
             <a:solidFill>
               <a:schemeClr val="dk2"/>
             </a:solidFill>
             <a:prstDash val="solid"/>
             <a:round/>
-            <a:headEnd len="med" w="med" type="none"/>
-            <a:tailEnd len="med" w="med" type="none"/>
+            <a:headEnd type="none" w="med" len="med"/>
+            <a:tailEnd type="none" w="med" len="med"/>
           </a:ln>
         </p:spPr>
       </p:cxnSp>
@@ -9043,23 +9239,23 @@
           <a:solidFill>
             <a:schemeClr val="lt2"/>
           </a:solidFill>
-          <a:ln cap="flat" cmpd="sng" w="9525">
+          <a:ln w="9525" cap="flat" cmpd="sng">
             <a:solidFill>
               <a:schemeClr val="dk2"/>
             </a:solidFill>
             <a:prstDash val="solid"/>
             <a:round/>
-            <a:headEnd len="sm" w="sm" type="none"/>
-            <a:tailEnd len="sm" w="sm" type="none"/>
+            <a:headEnd type="none" w="sm" len="sm"/>
+            <a:tailEnd type="none" w="sm" len="sm"/>
           </a:ln>
         </p:spPr>
         <p:txBody>
-          <a:bodyPr anchorCtr="0" anchor="ctr" bIns="91425" lIns="91425" spcFirstLastPara="1" rIns="91425" wrap="square" tIns="91425">
+          <a:bodyPr spcFirstLastPara="1" wrap="square" lIns="91425" tIns="91425" rIns="91425" bIns="91425" anchor="ctr" anchorCtr="0">
             <a:noAutofit/>
           </a:bodyPr>
           <a:lstStyle/>
           <a:p>
-            <a:pPr indent="0" lvl="0" marL="0" rtl="0" algn="l">
+            <a:pPr marL="0" lvl="0" indent="0" algn="l" rtl="0">
               <a:spcBef>
                 <a:spcPts val="0"/>
               </a:spcBef>
@@ -9070,11 +9266,7 @@
             </a:pPr>
             <a:r>
               <a:rPr lang="ja"/>
-              <a:t>論文</a:t>
-            </a:r>
-            <a:r>
-              <a:rPr lang="ja"/>
-              <a:t>詳細</a:t>
+              <a:t>論文詳細</a:t>
             </a:r>
             <a:endParaRPr/>
           </a:p>
@@ -9096,18 +9288,18 @@
           </a:xfrm>
           <a:prstGeom prst="bentConnector3">
             <a:avLst>
-              <a:gd fmla="val 49996" name="adj1"/>
+              <a:gd name="adj1" fmla="val 49996"/>
             </a:avLst>
           </a:prstGeom>
           <a:noFill/>
-          <a:ln cap="flat" cmpd="sng" w="9525">
+          <a:ln w="9525" cap="flat" cmpd="sng">
             <a:solidFill>
               <a:schemeClr val="dk2"/>
             </a:solidFill>
             <a:prstDash val="solid"/>
             <a:round/>
-            <a:headEnd len="med" w="med" type="none"/>
-            <a:tailEnd len="med" w="med" type="none"/>
+            <a:headEnd type="none" w="med" len="med"/>
+            <a:tailEnd type="none" w="med" len="med"/>
           </a:ln>
         </p:spPr>
       </p:cxnSp>
@@ -9120,11 +9312,11 @@
 </file>
 
 <file path=ppt/slides/slide3.xml><?xml version="1.0" encoding="utf-8"?>
-<p:sld xmlns:a="http://schemas.openxmlformats.org/drawingml/2006/main" xmlns:r="http://schemas.openxmlformats.org/officeDocument/2006/relationships" xmlns:mc="http://schemas.openxmlformats.org/markup-compatibility/2006" xmlns:mv="urn:schemas-microsoft-com:mac:vml" xmlns:p="http://schemas.openxmlformats.org/presentationml/2006/main" xmlns:c="http://schemas.openxmlformats.org/drawingml/2006/chart" xmlns:dgm="http://schemas.openxmlformats.org/drawingml/2006/diagram" xmlns:o="urn:schemas-microsoft-com:office:office" xmlns:v="urn:schemas-microsoft-com:vml" xmlns:pvml="urn:schemas-microsoft-com:office:powerpoint" xmlns:com="http://schemas.openxmlformats.org/drawingml/2006/compatibility" xmlns:p14="http://schemas.microsoft.com/office/powerpoint/2010/main" xmlns:p15="http://schemas.microsoft.com/office/powerpoint/2012/main" xmlns:ahyp="http://schemas.microsoft.com/office/drawing/2018/hyperlinkcolor">
+<p:sld xmlns:a="http://schemas.openxmlformats.org/drawingml/2006/main" xmlns:r="http://schemas.openxmlformats.org/officeDocument/2006/relationships" xmlns:p="http://schemas.openxmlformats.org/presentationml/2006/main">
   <p:cSld>
     <p:spTree>
       <p:nvGrpSpPr>
-        <p:cNvPr id="78" name="Shape 78"/>
+        <p:cNvPr id="1" name="Shape 78"/>
         <p:cNvGrpSpPr/>
         <p:nvPr/>
       </p:nvGrpSpPr>
@@ -9139,7 +9331,9 @@
       <p:sp>
         <p:nvSpPr>
           <p:cNvPr id="79" name="Google Shape;79;p15"/>
-          <p:cNvSpPr txBox="1"/>
+          <p:cNvSpPr txBox="1">
+            <a:spLocks noGrp="1"/>
+          </p:cNvSpPr>
           <p:nvPr>
             <p:ph type="title"/>
           </p:nvPr>
@@ -9154,12 +9348,12 @@
           </a:prstGeom>
         </p:spPr>
         <p:txBody>
-          <a:bodyPr anchorCtr="0" anchor="t" bIns="91425" lIns="91425" spcFirstLastPara="1" rIns="91425" wrap="square" tIns="91425">
+          <a:bodyPr spcFirstLastPara="1" wrap="square" lIns="91425" tIns="91425" rIns="91425" bIns="91425" anchor="t" anchorCtr="0">
             <a:normAutofit fontScale="90000"/>
           </a:bodyPr>
           <a:lstStyle/>
           <a:p>
-            <a:pPr indent="0" lvl="0" marL="0" rtl="0" algn="l">
+            <a:pPr marL="0" lvl="0" indent="0" algn="l" rtl="0">
               <a:spcBef>
                 <a:spcPts val="0"/>
               </a:spcBef>
@@ -9213,11 +9407,11 @@
 </file>
 
 <file path=ppt/slides/slide4.xml><?xml version="1.0" encoding="utf-8"?>
-<p:sld xmlns:a="http://schemas.openxmlformats.org/drawingml/2006/main" xmlns:r="http://schemas.openxmlformats.org/officeDocument/2006/relationships" xmlns:mc="http://schemas.openxmlformats.org/markup-compatibility/2006" xmlns:mv="urn:schemas-microsoft-com:mac:vml" xmlns:p="http://schemas.openxmlformats.org/presentationml/2006/main" xmlns:c="http://schemas.openxmlformats.org/drawingml/2006/chart" xmlns:dgm="http://schemas.openxmlformats.org/drawingml/2006/diagram" xmlns:o="urn:schemas-microsoft-com:office:office" xmlns:v="urn:schemas-microsoft-com:vml" xmlns:pvml="urn:schemas-microsoft-com:office:powerpoint" xmlns:com="http://schemas.openxmlformats.org/drawingml/2006/compatibility" xmlns:p14="http://schemas.microsoft.com/office/powerpoint/2010/main" xmlns:p15="http://schemas.microsoft.com/office/powerpoint/2012/main" xmlns:ahyp="http://schemas.microsoft.com/office/drawing/2018/hyperlinkcolor">
+<p:sld xmlns:a="http://schemas.openxmlformats.org/drawingml/2006/main" xmlns:r="http://schemas.openxmlformats.org/officeDocument/2006/relationships" xmlns:p="http://schemas.openxmlformats.org/presentationml/2006/main">
   <p:cSld>
     <p:spTree>
       <p:nvGrpSpPr>
-        <p:cNvPr id="84" name="Shape 84"/>
+        <p:cNvPr id="1" name="Shape 84"/>
         <p:cNvGrpSpPr/>
         <p:nvPr/>
       </p:nvGrpSpPr>
@@ -9232,7 +9426,9 @@
       <p:sp>
         <p:nvSpPr>
           <p:cNvPr id="85" name="Google Shape;85;p16"/>
-          <p:cNvSpPr txBox="1"/>
+          <p:cNvSpPr txBox="1">
+            <a:spLocks noGrp="1"/>
+          </p:cNvSpPr>
           <p:nvPr>
             <p:ph type="title"/>
           </p:nvPr>
@@ -9247,12 +9443,12 @@
           </a:prstGeom>
         </p:spPr>
         <p:txBody>
-          <a:bodyPr anchorCtr="0" anchor="t" bIns="91425" lIns="91425" spcFirstLastPara="1" rIns="91425" wrap="square" tIns="91425">
+          <a:bodyPr spcFirstLastPara="1" wrap="square" lIns="91425" tIns="91425" rIns="91425" bIns="91425" anchor="t" anchorCtr="0">
             <a:normAutofit fontScale="90000"/>
           </a:bodyPr>
           <a:lstStyle/>
           <a:p>
-            <a:pPr indent="0" lvl="0" marL="0" rtl="0" algn="l">
+            <a:pPr marL="0" lvl="0" indent="0" algn="l" rtl="0">
               <a:spcBef>
                 <a:spcPts val="0"/>
               </a:spcBef>
@@ -9273,7 +9469,7 @@
             <a:endParaRPr/>
           </a:p>
           <a:p>
-            <a:pPr indent="0" lvl="0" marL="0" rtl="0" algn="l">
+            <a:pPr marL="0" lvl="0" indent="0" algn="l" rtl="0">
               <a:spcBef>
                 <a:spcPts val="0"/>
               </a:spcBef>
@@ -9282,9 +9478,6 @@
               </a:spcAft>
               <a:buNone/>
             </a:pPr>
-            <a:r>
-              <a:t/>
-            </a:r>
             <a:endParaRPr/>
           </a:p>
         </p:txBody>
@@ -9334,23 +9527,23 @@
           <a:solidFill>
             <a:srgbClr val="00FF00"/>
           </a:solidFill>
-          <a:ln cap="flat" cmpd="sng" w="9525">
+          <a:ln w="9525" cap="flat" cmpd="sng">
             <a:solidFill>
               <a:schemeClr val="dk2"/>
             </a:solidFill>
             <a:prstDash val="solid"/>
             <a:round/>
-            <a:headEnd len="sm" w="sm" type="none"/>
-            <a:tailEnd len="sm" w="sm" type="none"/>
+            <a:headEnd type="none" w="sm" len="sm"/>
+            <a:tailEnd type="none" w="sm" len="sm"/>
           </a:ln>
         </p:spPr>
         <p:txBody>
-          <a:bodyPr anchorCtr="0" anchor="ctr" bIns="91425" lIns="91425" spcFirstLastPara="1" rIns="91425" wrap="square" tIns="91425">
+          <a:bodyPr spcFirstLastPara="1" wrap="square" lIns="91425" tIns="91425" rIns="91425" bIns="91425" anchor="ctr" anchorCtr="0">
             <a:noAutofit/>
           </a:bodyPr>
           <a:lstStyle/>
           <a:p>
-            <a:pPr indent="0" lvl="0" marL="0" rtl="0" algn="l">
+            <a:pPr marL="0" lvl="0" indent="0" algn="l" rtl="0">
               <a:spcBef>
                 <a:spcPts val="0"/>
               </a:spcBef>
@@ -9376,11 +9569,11 @@
 </file>
 
 <file path=ppt/slides/slide5.xml><?xml version="1.0" encoding="utf-8"?>
-<p:sld xmlns:a="http://schemas.openxmlformats.org/drawingml/2006/main" xmlns:r="http://schemas.openxmlformats.org/officeDocument/2006/relationships" xmlns:mc="http://schemas.openxmlformats.org/markup-compatibility/2006" xmlns:mv="urn:schemas-microsoft-com:mac:vml" xmlns:p="http://schemas.openxmlformats.org/presentationml/2006/main" xmlns:c="http://schemas.openxmlformats.org/drawingml/2006/chart" xmlns:dgm="http://schemas.openxmlformats.org/drawingml/2006/diagram" xmlns:o="urn:schemas-microsoft-com:office:office" xmlns:v="urn:schemas-microsoft-com:vml" xmlns:pvml="urn:schemas-microsoft-com:office:powerpoint" xmlns:com="http://schemas.openxmlformats.org/drawingml/2006/compatibility" xmlns:p14="http://schemas.microsoft.com/office/powerpoint/2010/main" xmlns:p15="http://schemas.microsoft.com/office/powerpoint/2012/main" xmlns:ahyp="http://schemas.microsoft.com/office/drawing/2018/hyperlinkcolor">
+<p:sld xmlns:a="http://schemas.openxmlformats.org/drawingml/2006/main" xmlns:r="http://schemas.openxmlformats.org/officeDocument/2006/relationships" xmlns:p="http://schemas.openxmlformats.org/presentationml/2006/main">
   <p:cSld>
     <p:spTree>
       <p:nvGrpSpPr>
-        <p:cNvPr id="91" name="Shape 91"/>
+        <p:cNvPr id="1" name="Shape 91"/>
         <p:cNvGrpSpPr/>
         <p:nvPr/>
       </p:nvGrpSpPr>
@@ -9412,12 +9605,12 @@
           </a:ln>
         </p:spPr>
         <p:txBody>
-          <a:bodyPr anchorCtr="0" anchor="t" bIns="91425" lIns="91425" spcFirstLastPara="1" rIns="91425" wrap="square" tIns="91425">
+          <a:bodyPr spcFirstLastPara="1" wrap="square" lIns="91425" tIns="91425" rIns="91425" bIns="91425" anchor="t" anchorCtr="0">
             <a:spAutoFit/>
           </a:bodyPr>
           <a:lstStyle/>
           <a:p>
-            <a:pPr indent="0" lvl="0" marL="0" rtl="0" algn="l">
+            <a:pPr marL="0" lvl="0" indent="0" algn="l" rtl="0">
               <a:spcBef>
                 <a:spcPts val="0"/>
               </a:spcBef>
@@ -9433,7 +9626,7 @@
             <a:endParaRPr/>
           </a:p>
           <a:p>
-            <a:pPr indent="0" lvl="0" marL="0" rtl="0" algn="l">
+            <a:pPr marL="0" lvl="0" indent="0" algn="l" rtl="0">
               <a:spcBef>
                 <a:spcPts val="0"/>
               </a:spcBef>
@@ -9444,15 +9637,7 @@
             </a:pPr>
             <a:r>
               <a:rPr lang="ja"/>
-              <a:t>(</a:t>
-            </a:r>
-            <a:r>
-              <a:rPr lang="ja"/>
-              <a:t>パスワード再登録</a:t>
-            </a:r>
-            <a:r>
-              <a:rPr lang="ja"/>
-              <a:t>)</a:t>
+              <a:t>(パスワード再登録)</a:t>
             </a:r>
             <a:endParaRPr/>
           </a:p>
@@ -9478,12 +9663,12 @@
           </a:ln>
         </p:spPr>
         <p:txBody>
-          <a:bodyPr anchorCtr="0" anchor="t" bIns="91425" lIns="91425" spcFirstLastPara="1" rIns="91425" wrap="square" tIns="91425">
+          <a:bodyPr spcFirstLastPara="1" wrap="square" lIns="91425" tIns="91425" rIns="91425" bIns="91425" anchor="t" anchorCtr="0">
             <a:spAutoFit/>
           </a:bodyPr>
           <a:lstStyle/>
           <a:p>
-            <a:pPr indent="0" lvl="0" marL="0" rtl="0" algn="ctr">
+            <a:pPr marL="0" lvl="0" indent="0" algn="ctr" rtl="0">
               <a:spcBef>
                 <a:spcPts val="0"/>
               </a:spcBef>
@@ -9493,10 +9678,10 @@
               <a:buNone/>
             </a:pPr>
             <a:r>
-              <a:rPr lang="ja"/>
+              <a:rPr lang="ja" dirty="0"/>
               <a:t>パスワードを再登録</a:t>
             </a:r>
-            <a:endParaRPr/>
+            <a:endParaRPr dirty="0"/>
           </a:p>
         </p:txBody>
       </p:sp>
@@ -9513,29 +9698,29 @@
           </a:xfrm>
           <a:prstGeom prst="roundRect">
             <a:avLst>
-              <a:gd fmla="val 16667" name="adj"/>
+              <a:gd name="adj" fmla="val 16667"/>
             </a:avLst>
           </a:prstGeom>
           <a:solidFill>
             <a:schemeClr val="lt2"/>
           </a:solidFill>
-          <a:ln cap="flat" cmpd="sng" w="9525">
+          <a:ln w="9525" cap="flat" cmpd="sng">
             <a:solidFill>
               <a:schemeClr val="dk2"/>
             </a:solidFill>
             <a:prstDash val="solid"/>
             <a:round/>
-            <a:headEnd len="sm" w="sm" type="none"/>
-            <a:tailEnd len="sm" w="sm" type="none"/>
+            <a:headEnd type="none" w="sm" len="sm"/>
+            <a:tailEnd type="none" w="sm" len="sm"/>
           </a:ln>
         </p:spPr>
         <p:txBody>
-          <a:bodyPr anchorCtr="0" anchor="ctr" bIns="91425" lIns="91425" spcFirstLastPara="1" rIns="91425" wrap="square" tIns="91425">
+          <a:bodyPr spcFirstLastPara="1" wrap="square" lIns="91425" tIns="91425" rIns="91425" bIns="91425" anchor="ctr" anchorCtr="0">
             <a:noAutofit/>
           </a:bodyPr>
           <a:lstStyle/>
           <a:p>
-            <a:pPr indent="0" lvl="0" marL="0" rtl="0" algn="l">
+            <a:pPr marL="0" lvl="0" indent="0" algn="l" rtl="0">
               <a:spcBef>
                 <a:spcPts val="0"/>
               </a:spcBef>
@@ -9569,23 +9754,23 @@
           <a:solidFill>
             <a:schemeClr val="lt2"/>
           </a:solidFill>
-          <a:ln cap="flat" cmpd="sng" w="9525">
+          <a:ln w="9525" cap="flat" cmpd="sng">
             <a:solidFill>
               <a:schemeClr val="dk2"/>
             </a:solidFill>
             <a:prstDash val="solid"/>
             <a:round/>
-            <a:headEnd len="sm" w="sm" type="none"/>
-            <a:tailEnd len="sm" w="sm" type="none"/>
+            <a:headEnd type="none" w="sm" len="sm"/>
+            <a:tailEnd type="none" w="sm" len="sm"/>
           </a:ln>
         </p:spPr>
         <p:txBody>
-          <a:bodyPr anchorCtr="0" anchor="ctr" bIns="91425" lIns="91425" spcFirstLastPara="1" rIns="91425" wrap="square" tIns="91425">
+          <a:bodyPr spcFirstLastPara="1" wrap="square" lIns="91425" tIns="91425" rIns="91425" bIns="91425" anchor="ctr" anchorCtr="0">
             <a:noAutofit/>
           </a:bodyPr>
           <a:lstStyle/>
           <a:p>
-            <a:pPr indent="0" lvl="0" marL="0" rtl="0" algn="l">
+            <a:pPr marL="0" lvl="0" indent="0" algn="l" rtl="0">
               <a:spcBef>
                 <a:spcPts val="0"/>
               </a:spcBef>
@@ -9611,11 +9796,11 @@
 </file>
 
 <file path=ppt/slides/slide6.xml><?xml version="1.0" encoding="utf-8"?>
-<p:sld xmlns:a="http://schemas.openxmlformats.org/drawingml/2006/main" xmlns:r="http://schemas.openxmlformats.org/officeDocument/2006/relationships" xmlns:mc="http://schemas.openxmlformats.org/markup-compatibility/2006" xmlns:mv="urn:schemas-microsoft-com:mac:vml" xmlns:p="http://schemas.openxmlformats.org/presentationml/2006/main" xmlns:c="http://schemas.openxmlformats.org/drawingml/2006/chart" xmlns:dgm="http://schemas.openxmlformats.org/drawingml/2006/diagram" xmlns:o="urn:schemas-microsoft-com:office:office" xmlns:v="urn:schemas-microsoft-com:vml" xmlns:pvml="urn:schemas-microsoft-com:office:powerpoint" xmlns:com="http://schemas.openxmlformats.org/drawingml/2006/compatibility" xmlns:p14="http://schemas.microsoft.com/office/powerpoint/2010/main" xmlns:p15="http://schemas.microsoft.com/office/powerpoint/2012/main" xmlns:ahyp="http://schemas.microsoft.com/office/drawing/2018/hyperlinkcolor">
+<p:sld xmlns:a="http://schemas.openxmlformats.org/drawingml/2006/main" xmlns:r="http://schemas.openxmlformats.org/officeDocument/2006/relationships" xmlns:p="http://schemas.openxmlformats.org/presentationml/2006/main">
   <p:cSld>
     <p:spTree>
       <p:nvGrpSpPr>
-        <p:cNvPr id="99" name="Shape 99"/>
+        <p:cNvPr id="1" name="Shape 99"/>
         <p:cNvGrpSpPr/>
         <p:nvPr/>
       </p:nvGrpSpPr>
@@ -9647,12 +9832,12 @@
           </a:ln>
         </p:spPr>
         <p:txBody>
-          <a:bodyPr anchorCtr="0" anchor="t" bIns="91425" lIns="91425" spcFirstLastPara="1" rIns="91425" wrap="square" tIns="91425">
+          <a:bodyPr spcFirstLastPara="1" wrap="square" lIns="91425" tIns="91425" rIns="91425" bIns="91425" anchor="t" anchorCtr="0">
             <a:spAutoFit/>
           </a:bodyPr>
           <a:lstStyle/>
           <a:p>
-            <a:pPr indent="0" lvl="0" marL="0" rtl="0" algn="l">
+            <a:pPr marL="0" lvl="0" indent="0" algn="l" rtl="0">
               <a:spcBef>
                 <a:spcPts val="0"/>
               </a:spcBef>
@@ -9668,7 +9853,7 @@
             <a:endParaRPr/>
           </a:p>
           <a:p>
-            <a:pPr indent="0" lvl="0" marL="0" rtl="0" algn="l">
+            <a:pPr marL="0" lvl="0" indent="0" algn="l" rtl="0">
               <a:spcBef>
                 <a:spcPts val="0"/>
               </a:spcBef>
@@ -9679,15 +9864,7 @@
             </a:pPr>
             <a:r>
               <a:rPr lang="ja"/>
-              <a:t>(</a:t>
-            </a:r>
-            <a:r>
-              <a:rPr lang="ja"/>
-              <a:t>パスワード新規発行</a:t>
-            </a:r>
-            <a:r>
-              <a:rPr lang="ja"/>
-              <a:t>)</a:t>
+              <a:t>(パスワード新規発行)</a:t>
             </a:r>
             <a:endParaRPr/>
           </a:p>
@@ -9713,12 +9890,12 @@
           </a:ln>
         </p:spPr>
         <p:txBody>
-          <a:bodyPr anchorCtr="0" anchor="t" bIns="91425" lIns="91425" spcFirstLastPara="1" rIns="91425" wrap="square" tIns="91425">
+          <a:bodyPr spcFirstLastPara="1" wrap="square" lIns="91425" tIns="91425" rIns="91425" bIns="91425" anchor="t" anchorCtr="0">
             <a:spAutoFit/>
           </a:bodyPr>
           <a:lstStyle/>
           <a:p>
-            <a:pPr indent="0" lvl="0" marL="0" rtl="0" algn="ctr">
+            <a:pPr marL="0" lvl="0" indent="0" algn="ctr" rtl="0">
               <a:spcBef>
                 <a:spcPts val="0"/>
               </a:spcBef>
@@ -9729,11 +9906,7 @@
             </a:pPr>
             <a:r>
               <a:rPr lang="ja"/>
-              <a:t>パスワードを</a:t>
-            </a:r>
-            <a:r>
-              <a:rPr lang="ja"/>
-              <a:t>新規発行</a:t>
+              <a:t>パスワードを新規発行</a:t>
             </a:r>
             <a:endParaRPr/>
           </a:p>
@@ -9752,29 +9925,29 @@
           </a:xfrm>
           <a:prstGeom prst="roundRect">
             <a:avLst>
-              <a:gd fmla="val 16667" name="adj"/>
+              <a:gd name="adj" fmla="val 16667"/>
             </a:avLst>
           </a:prstGeom>
           <a:solidFill>
             <a:schemeClr val="lt2"/>
           </a:solidFill>
-          <a:ln cap="flat" cmpd="sng" w="9525">
+          <a:ln w="9525" cap="flat" cmpd="sng">
             <a:solidFill>
               <a:schemeClr val="dk2"/>
             </a:solidFill>
             <a:prstDash val="solid"/>
             <a:round/>
-            <a:headEnd len="sm" w="sm" type="none"/>
-            <a:tailEnd len="sm" w="sm" type="none"/>
+            <a:headEnd type="none" w="sm" len="sm"/>
+            <a:tailEnd type="none" w="sm" len="sm"/>
           </a:ln>
         </p:spPr>
         <p:txBody>
-          <a:bodyPr anchorCtr="0" anchor="ctr" bIns="91425" lIns="91425" spcFirstLastPara="1" rIns="91425" wrap="square" tIns="91425">
+          <a:bodyPr spcFirstLastPara="1" wrap="square" lIns="91425" tIns="91425" rIns="91425" bIns="91425" anchor="ctr" anchorCtr="0">
             <a:noAutofit/>
           </a:bodyPr>
           <a:lstStyle/>
           <a:p>
-            <a:pPr indent="0" lvl="0" marL="0" rtl="0" algn="l">
+            <a:pPr marL="0" lvl="0" indent="0" algn="l" rtl="0">
               <a:spcBef>
                 <a:spcPts val="0"/>
               </a:spcBef>
@@ -9804,29 +9977,29 @@
           </a:xfrm>
           <a:prstGeom prst="roundRect">
             <a:avLst>
-              <a:gd fmla="val 16667" name="adj"/>
+              <a:gd name="adj" fmla="val 16667"/>
             </a:avLst>
           </a:prstGeom>
           <a:solidFill>
             <a:schemeClr val="lt2"/>
           </a:solidFill>
-          <a:ln cap="flat" cmpd="sng" w="9525">
+          <a:ln w="9525" cap="flat" cmpd="sng">
             <a:solidFill>
               <a:schemeClr val="dk2"/>
             </a:solidFill>
             <a:prstDash val="solid"/>
             <a:round/>
-            <a:headEnd len="sm" w="sm" type="none"/>
-            <a:tailEnd len="sm" w="sm" type="none"/>
+            <a:headEnd type="none" w="sm" len="sm"/>
+            <a:tailEnd type="none" w="sm" len="sm"/>
           </a:ln>
         </p:spPr>
         <p:txBody>
-          <a:bodyPr anchorCtr="0" anchor="ctr" bIns="91425" lIns="91425" spcFirstLastPara="1" rIns="91425" wrap="square" tIns="91425">
+          <a:bodyPr spcFirstLastPara="1" wrap="square" lIns="91425" tIns="91425" rIns="91425" bIns="91425" anchor="ctr" anchorCtr="0">
             <a:noAutofit/>
           </a:bodyPr>
           <a:lstStyle/>
           <a:p>
-            <a:pPr indent="0" lvl="0" marL="0" rtl="0" algn="l">
+            <a:pPr marL="0" lvl="0" indent="0" algn="l" rtl="0">
               <a:spcBef>
                 <a:spcPts val="0"/>
               </a:spcBef>
@@ -9860,23 +10033,23 @@
           <a:solidFill>
             <a:schemeClr val="lt2"/>
           </a:solidFill>
-          <a:ln cap="flat" cmpd="sng" w="9525">
+          <a:ln w="9525" cap="flat" cmpd="sng">
             <a:solidFill>
               <a:schemeClr val="dk2"/>
             </a:solidFill>
             <a:prstDash val="solid"/>
             <a:round/>
-            <a:headEnd len="sm" w="sm" type="none"/>
-            <a:tailEnd len="sm" w="sm" type="none"/>
+            <a:headEnd type="none" w="sm" len="sm"/>
+            <a:tailEnd type="none" w="sm" len="sm"/>
           </a:ln>
         </p:spPr>
         <p:txBody>
-          <a:bodyPr anchorCtr="0" anchor="ctr" bIns="91425" lIns="91425" spcFirstLastPara="1" rIns="91425" wrap="square" tIns="91425">
+          <a:bodyPr spcFirstLastPara="1" wrap="square" lIns="91425" tIns="91425" rIns="91425" bIns="91425" anchor="ctr" anchorCtr="0">
             <a:noAutofit/>
           </a:bodyPr>
           <a:lstStyle/>
           <a:p>
-            <a:pPr indent="0" lvl="0" marL="0" rtl="0" algn="l">
+            <a:pPr marL="0" lvl="0" indent="0" algn="l" rtl="0">
               <a:spcBef>
                 <a:spcPts val="0"/>
               </a:spcBef>
@@ -9913,12 +10086,12 @@
           </a:ln>
         </p:spPr>
         <p:txBody>
-          <a:bodyPr anchorCtr="0" anchor="t" bIns="91425" lIns="91425" spcFirstLastPara="1" rIns="91425" wrap="square" tIns="91425">
+          <a:bodyPr spcFirstLastPara="1" wrap="square" lIns="91425" tIns="91425" rIns="91425" bIns="91425" anchor="t" anchorCtr="0">
             <a:spAutoFit/>
           </a:bodyPr>
           <a:lstStyle/>
           <a:p>
-            <a:pPr indent="0" lvl="0" marL="0" rtl="0" algn="l">
+            <a:pPr marL="0" lvl="0" indent="0" algn="l" rtl="0">
               <a:spcBef>
                 <a:spcPts val="0"/>
               </a:spcBef>
@@ -9944,11 +10117,11 @@
 </file>
 
 <file path=ppt/slides/slide7.xml><?xml version="1.0" encoding="utf-8"?>
-<p:sld xmlns:a="http://schemas.openxmlformats.org/drawingml/2006/main" xmlns:r="http://schemas.openxmlformats.org/officeDocument/2006/relationships" xmlns:mc="http://schemas.openxmlformats.org/markup-compatibility/2006" xmlns:mv="urn:schemas-microsoft-com:mac:vml" xmlns:p="http://schemas.openxmlformats.org/presentationml/2006/main" xmlns:c="http://schemas.openxmlformats.org/drawingml/2006/chart" xmlns:dgm="http://schemas.openxmlformats.org/drawingml/2006/diagram" xmlns:o="urn:schemas-microsoft-com:office:office" xmlns:v="urn:schemas-microsoft-com:vml" xmlns:pvml="urn:schemas-microsoft-com:office:powerpoint" xmlns:com="http://schemas.openxmlformats.org/drawingml/2006/compatibility" xmlns:p14="http://schemas.microsoft.com/office/powerpoint/2010/main" xmlns:p15="http://schemas.microsoft.com/office/powerpoint/2012/main" xmlns:ahyp="http://schemas.microsoft.com/office/drawing/2018/hyperlinkcolor">
+<p:sld xmlns:a="http://schemas.openxmlformats.org/drawingml/2006/main" xmlns:r="http://schemas.openxmlformats.org/officeDocument/2006/relationships" xmlns:p="http://schemas.openxmlformats.org/presentationml/2006/main">
   <p:cSld>
     <p:spTree>
       <p:nvGrpSpPr>
-        <p:cNvPr id="109" name="Shape 109"/>
+        <p:cNvPr id="1" name="Shape 109"/>
         <p:cNvGrpSpPr/>
         <p:nvPr/>
       </p:nvGrpSpPr>
@@ -9963,7 +10136,9 @@
       <p:sp>
         <p:nvSpPr>
           <p:cNvPr id="110" name="Google Shape;110;p19"/>
-          <p:cNvSpPr txBox="1"/>
+          <p:cNvSpPr txBox="1">
+            <a:spLocks noGrp="1"/>
+          </p:cNvSpPr>
           <p:nvPr>
             <p:ph type="title"/>
           </p:nvPr>
@@ -9978,12 +10153,12 @@
           </a:prstGeom>
         </p:spPr>
         <p:txBody>
-          <a:bodyPr anchorCtr="0" anchor="t" bIns="91425" lIns="91425" spcFirstLastPara="1" rIns="91425" wrap="square" tIns="91425">
+          <a:bodyPr spcFirstLastPara="1" wrap="square" lIns="91425" tIns="91425" rIns="91425" bIns="91425" anchor="t" anchorCtr="0">
             <a:normAutofit fontScale="90000"/>
           </a:bodyPr>
           <a:lstStyle/>
           <a:p>
-            <a:pPr indent="0" lvl="0" marL="0" rtl="0" algn="l">
+            <a:pPr marL="0" lvl="0" indent="0" algn="l" rtl="0">
               <a:spcBef>
                 <a:spcPts val="0"/>
               </a:spcBef>
@@ -10004,7 +10179,7 @@
             <a:endParaRPr/>
           </a:p>
           <a:p>
-            <a:pPr indent="0" lvl="0" marL="0" rtl="0" algn="l">
+            <a:pPr marL="0" lvl="0" indent="0" algn="l" rtl="0">
               <a:spcBef>
                 <a:spcPts val="0"/>
               </a:spcBef>
@@ -10013,9 +10188,6 @@
               </a:spcAft>
               <a:buNone/>
             </a:pPr>
-            <a:r>
-              <a:t/>
-            </a:r>
             <a:endParaRPr/>
           </a:p>
         </p:txBody>
@@ -10057,11 +10229,11 @@
 </file>
 
 <file path=ppt/slides/slide8.xml><?xml version="1.0" encoding="utf-8"?>
-<p:sld xmlns:a="http://schemas.openxmlformats.org/drawingml/2006/main" xmlns:r="http://schemas.openxmlformats.org/officeDocument/2006/relationships" xmlns:mc="http://schemas.openxmlformats.org/markup-compatibility/2006" xmlns:mv="urn:schemas-microsoft-com:mac:vml" xmlns:p="http://schemas.openxmlformats.org/presentationml/2006/main" xmlns:c="http://schemas.openxmlformats.org/drawingml/2006/chart" xmlns:dgm="http://schemas.openxmlformats.org/drawingml/2006/diagram" xmlns:o="urn:schemas-microsoft-com:office:office" xmlns:v="urn:schemas-microsoft-com:vml" xmlns:pvml="urn:schemas-microsoft-com:office:powerpoint" xmlns:com="http://schemas.openxmlformats.org/drawingml/2006/compatibility" xmlns:p14="http://schemas.microsoft.com/office/powerpoint/2010/main" xmlns:p15="http://schemas.microsoft.com/office/powerpoint/2012/main" xmlns:ahyp="http://schemas.microsoft.com/office/drawing/2018/hyperlinkcolor">
+<p:sld xmlns:a="http://schemas.openxmlformats.org/drawingml/2006/main" xmlns:r="http://schemas.openxmlformats.org/officeDocument/2006/relationships" xmlns:p="http://schemas.openxmlformats.org/presentationml/2006/main">
   <p:cSld>
     <p:spTree>
       <p:nvGrpSpPr>
-        <p:cNvPr id="115" name="Shape 115"/>
+        <p:cNvPr id="1" name="Shape 115"/>
         <p:cNvGrpSpPr/>
         <p:nvPr/>
       </p:nvGrpSpPr>
@@ -10090,23 +10262,23 @@
           <a:solidFill>
             <a:schemeClr val="lt1"/>
           </a:solidFill>
-          <a:ln cap="flat" cmpd="sng" w="9525">
+          <a:ln w="9525" cap="flat" cmpd="sng">
             <a:solidFill>
               <a:schemeClr val="dk2"/>
             </a:solidFill>
             <a:prstDash val="solid"/>
             <a:round/>
-            <a:headEnd len="sm" w="sm" type="none"/>
-            <a:tailEnd len="sm" w="sm" type="none"/>
+            <a:headEnd type="none" w="sm" len="sm"/>
+            <a:tailEnd type="none" w="sm" len="sm"/>
           </a:ln>
         </p:spPr>
         <p:txBody>
-          <a:bodyPr anchorCtr="0" anchor="ctr" bIns="91425" lIns="91425" spcFirstLastPara="1" rIns="91425" wrap="square" tIns="91425">
+          <a:bodyPr spcFirstLastPara="1" wrap="square" lIns="91425" tIns="91425" rIns="91425" bIns="91425" anchor="ctr" anchorCtr="0">
             <a:noAutofit/>
           </a:bodyPr>
           <a:lstStyle/>
           <a:p>
-            <a:pPr indent="0" lvl="0" marL="0" rtl="0" algn="l">
+            <a:pPr marL="0" lvl="0" indent="0" algn="l" rtl="0">
               <a:spcBef>
                 <a:spcPts val="0"/>
               </a:spcBef>
@@ -10115,9 +10287,6 @@
               </a:spcAft>
               <a:buNone/>
             </a:pPr>
-            <a:r>
-              <a:t/>
-            </a:r>
             <a:endParaRPr/>
           </a:p>
         </p:txBody>
@@ -10125,7 +10294,9 @@
       <p:sp>
         <p:nvSpPr>
           <p:cNvPr id="117" name="Google Shape;117;p20"/>
-          <p:cNvSpPr txBox="1"/>
+          <p:cNvSpPr txBox="1">
+            <a:spLocks noGrp="1"/>
+          </p:cNvSpPr>
           <p:nvPr>
             <p:ph type="title"/>
           </p:nvPr>
@@ -10140,12 +10311,12 @@
           </a:prstGeom>
         </p:spPr>
         <p:txBody>
-          <a:bodyPr anchorCtr="0" anchor="t" bIns="91425" lIns="91425" spcFirstLastPara="1" rIns="91425" wrap="square" tIns="91425">
+          <a:bodyPr spcFirstLastPara="1" wrap="square" lIns="91425" tIns="91425" rIns="91425" bIns="91425" anchor="t" anchorCtr="0">
             <a:normAutofit fontScale="90000"/>
           </a:bodyPr>
           <a:lstStyle/>
           <a:p>
-            <a:pPr indent="0" lvl="0" marL="0" rtl="0" algn="l">
+            <a:pPr marL="0" lvl="0" indent="0" algn="l" rtl="0">
               <a:spcBef>
                 <a:spcPts val="0"/>
               </a:spcBef>
@@ -10182,12 +10353,12 @@
           </a:ln>
         </p:spPr>
         <p:txBody>
-          <a:bodyPr anchorCtr="0" anchor="t" bIns="91425" lIns="91425" spcFirstLastPara="1" rIns="91425" wrap="square" tIns="91425">
+          <a:bodyPr spcFirstLastPara="1" wrap="square" lIns="91425" tIns="91425" rIns="91425" bIns="91425" anchor="t" anchorCtr="0">
             <a:spAutoFit/>
           </a:bodyPr>
           <a:lstStyle/>
           <a:p>
-            <a:pPr indent="0" lvl="0" marL="0" rtl="0" algn="l">
+            <a:pPr marL="0" lvl="0" indent="0" algn="l" rtl="0">
               <a:spcBef>
                 <a:spcPts val="0"/>
               </a:spcBef>
@@ -10196,9 +10367,6 @@
               </a:spcAft>
               <a:buNone/>
             </a:pPr>
-            <a:r>
-              <a:t/>
-            </a:r>
             <a:endParaRPr/>
           </a:p>
         </p:txBody>
@@ -10223,12 +10391,12 @@
           </a:ln>
         </p:spPr>
         <p:txBody>
-          <a:bodyPr anchorCtr="0" anchor="t" bIns="91425" lIns="91425" spcFirstLastPara="1" rIns="91425" wrap="square" tIns="91425">
+          <a:bodyPr spcFirstLastPara="1" wrap="square" lIns="91425" tIns="91425" rIns="91425" bIns="91425" anchor="t" anchorCtr="0">
             <a:spAutoFit/>
           </a:bodyPr>
           <a:lstStyle/>
           <a:p>
-            <a:pPr indent="0" lvl="0" marL="0" rtl="0" algn="l">
+            <a:pPr marL="0" lvl="0" indent="0" algn="l" rtl="0">
               <a:spcBef>
                 <a:spcPts val="0"/>
               </a:spcBef>
@@ -10237,9 +10405,6 @@
               </a:spcAft>
               <a:buNone/>
             </a:pPr>
-            <a:r>
-              <a:t/>
-            </a:r>
             <a:endParaRPr/>
           </a:p>
         </p:txBody>
@@ -10264,12 +10429,12 @@
           </a:ln>
         </p:spPr>
         <p:txBody>
-          <a:bodyPr anchorCtr="0" anchor="t" bIns="91425" lIns="91425" spcFirstLastPara="1" rIns="91425" wrap="square" tIns="91425">
+          <a:bodyPr spcFirstLastPara="1" wrap="square" lIns="91425" tIns="91425" rIns="91425" bIns="91425" anchor="t" anchorCtr="0">
             <a:spAutoFit/>
           </a:bodyPr>
           <a:lstStyle/>
           <a:p>
-            <a:pPr indent="0" lvl="0" marL="0" rtl="0" algn="l">
+            <a:pPr marL="0" lvl="0" indent="0" algn="l" rtl="0">
               <a:spcBef>
                 <a:spcPts val="0"/>
               </a:spcBef>
@@ -10306,12 +10471,12 @@
           </a:ln>
         </p:spPr>
         <p:txBody>
-          <a:bodyPr anchorCtr="0" anchor="t" bIns="91425" lIns="91425" spcFirstLastPara="1" rIns="91425" wrap="square" tIns="91425">
+          <a:bodyPr spcFirstLastPara="1" wrap="square" lIns="91425" tIns="91425" rIns="91425" bIns="91425" anchor="t" anchorCtr="0">
             <a:spAutoFit/>
           </a:bodyPr>
           <a:lstStyle/>
           <a:p>
-            <a:pPr indent="0" lvl="0" marL="0" rtl="0" algn="l">
+            <a:pPr marL="0" lvl="0" indent="0" algn="l" rtl="0">
               <a:spcBef>
                 <a:spcPts val="0"/>
               </a:spcBef>
@@ -10327,7 +10492,7 @@
             <a:endParaRPr sz="1000"/>
           </a:p>
           <a:p>
-            <a:pPr indent="0" lvl="0" marL="0" rtl="0" algn="l">
+            <a:pPr marL="0" lvl="0" indent="0" algn="l" rtl="0">
               <a:spcBef>
                 <a:spcPts val="0"/>
               </a:spcBef>
@@ -10343,7 +10508,7 @@
             <a:endParaRPr sz="1000"/>
           </a:p>
           <a:p>
-            <a:pPr indent="0" lvl="0" marL="0" rtl="0" algn="l">
+            <a:pPr marL="0" lvl="0" indent="0" algn="l" rtl="0">
               <a:spcBef>
                 <a:spcPts val="0"/>
               </a:spcBef>
@@ -10367,7 +10532,7 @@
             </a:endParaRPr>
           </a:p>
           <a:p>
-            <a:pPr indent="0" lvl="0" marL="0" rtl="0" algn="l">
+            <a:pPr marL="0" lvl="0" indent="0" algn="l" rtl="0">
               <a:spcBef>
                 <a:spcPts val="0"/>
               </a:spcBef>
@@ -10383,7 +10548,7 @@
             <a:endParaRPr sz="1000"/>
           </a:p>
           <a:p>
-            <a:pPr indent="0" lvl="0" marL="0" rtl="0" algn="l">
+            <a:pPr marL="0" lvl="0" indent="0" algn="l" rtl="0">
               <a:spcBef>
                 <a:spcPts val="0"/>
               </a:spcBef>
@@ -10399,7 +10564,7 @@
             <a:endParaRPr sz="1000"/>
           </a:p>
           <a:p>
-            <a:pPr indent="0" lvl="0" marL="0" rtl="0" algn="l">
+            <a:pPr marL="0" lvl="0" indent="0" algn="l" rtl="0">
               <a:spcBef>
                 <a:spcPts val="0"/>
               </a:spcBef>
@@ -10415,7 +10580,7 @@
             <a:endParaRPr sz="1000"/>
           </a:p>
           <a:p>
-            <a:pPr indent="0" lvl="0" marL="0" rtl="0" algn="l">
+            <a:pPr marL="0" lvl="0" indent="0" algn="l" rtl="0">
               <a:spcBef>
                 <a:spcPts val="0"/>
               </a:spcBef>
@@ -10431,7 +10596,7 @@
             <a:endParaRPr sz="1000"/>
           </a:p>
           <a:p>
-            <a:pPr indent="0" lvl="0" marL="0" rtl="0" algn="l">
+            <a:pPr marL="0" lvl="0" indent="0" algn="l" rtl="0">
               <a:spcBef>
                 <a:spcPts val="0"/>
               </a:spcBef>
@@ -10447,7 +10612,7 @@
             <a:endParaRPr sz="1000"/>
           </a:p>
           <a:p>
-            <a:pPr indent="0" lvl="0" marL="0" rtl="0" algn="l">
+            <a:pPr marL="0" lvl="0" indent="0" algn="l" rtl="0">
               <a:spcBef>
                 <a:spcPts val="0"/>
               </a:spcBef>
@@ -10463,7 +10628,7 @@
             <a:endParaRPr sz="1000"/>
           </a:p>
           <a:p>
-            <a:pPr indent="0" lvl="0" marL="0" rtl="0" algn="l">
+            <a:pPr marL="0" lvl="0" indent="0" algn="l" rtl="0">
               <a:spcBef>
                 <a:spcPts val="0"/>
               </a:spcBef>
@@ -10472,9 +10637,6 @@
               </a:spcAft>
               <a:buNone/>
             </a:pPr>
-            <a:r>
-              <a:t/>
-            </a:r>
             <a:endParaRPr sz="1000"/>
           </a:p>
         </p:txBody>
@@ -10496,23 +10658,23 @@
           <a:solidFill>
             <a:schemeClr val="lt2"/>
           </a:solidFill>
-          <a:ln cap="flat" cmpd="sng" w="9525">
+          <a:ln w="9525" cap="flat" cmpd="sng">
             <a:solidFill>
               <a:schemeClr val="dk2"/>
             </a:solidFill>
             <a:prstDash val="solid"/>
             <a:round/>
-            <a:headEnd len="sm" w="sm" type="none"/>
-            <a:tailEnd len="sm" w="sm" type="none"/>
+            <a:headEnd type="none" w="sm" len="sm"/>
+            <a:tailEnd type="none" w="sm" len="sm"/>
           </a:ln>
         </p:spPr>
         <p:txBody>
-          <a:bodyPr anchorCtr="0" anchor="ctr" bIns="91425" lIns="91425" spcFirstLastPara="1" rIns="91425" wrap="square" tIns="91425">
+          <a:bodyPr spcFirstLastPara="1" wrap="square" lIns="91425" tIns="91425" rIns="91425" bIns="91425" anchor="ctr" anchorCtr="0">
             <a:noAutofit/>
           </a:bodyPr>
           <a:lstStyle/>
           <a:p>
-            <a:pPr indent="0" lvl="0" marL="0" rtl="0" algn="l">
+            <a:pPr marL="0" lvl="0" indent="0" algn="l" rtl="0">
               <a:spcBef>
                 <a:spcPts val="0"/>
               </a:spcBef>
@@ -10546,23 +10708,23 @@
           <a:solidFill>
             <a:schemeClr val="lt1"/>
           </a:solidFill>
-          <a:ln cap="flat" cmpd="sng" w="9525">
+          <a:ln w="9525" cap="flat" cmpd="sng">
             <a:solidFill>
               <a:schemeClr val="dk2"/>
             </a:solidFill>
             <a:prstDash val="solid"/>
             <a:round/>
-            <a:headEnd len="sm" w="sm" type="none"/>
-            <a:tailEnd len="sm" w="sm" type="none"/>
+            <a:headEnd type="none" w="sm" len="sm"/>
+            <a:tailEnd type="none" w="sm" len="sm"/>
           </a:ln>
         </p:spPr>
         <p:txBody>
-          <a:bodyPr anchorCtr="0" anchor="ctr" bIns="91425" lIns="91425" spcFirstLastPara="1" rIns="91425" wrap="square" tIns="91425">
+          <a:bodyPr spcFirstLastPara="1" wrap="square" lIns="91425" tIns="91425" rIns="91425" bIns="91425" anchor="ctr" anchorCtr="0">
             <a:noAutofit/>
           </a:bodyPr>
           <a:lstStyle/>
           <a:p>
-            <a:pPr indent="0" lvl="0" marL="0" rtl="0" algn="l">
+            <a:pPr marL="0" lvl="0" indent="0" algn="l" rtl="0">
               <a:spcBef>
                 <a:spcPts val="0"/>
               </a:spcBef>
@@ -10596,23 +10758,23 @@
           <a:solidFill>
             <a:schemeClr val="lt2"/>
           </a:solidFill>
-          <a:ln cap="flat" cmpd="sng" w="9525">
+          <a:ln w="9525" cap="flat" cmpd="sng">
             <a:solidFill>
               <a:schemeClr val="dk2"/>
             </a:solidFill>
             <a:prstDash val="solid"/>
             <a:round/>
-            <a:headEnd len="sm" w="sm" type="none"/>
-            <a:tailEnd len="sm" w="sm" type="none"/>
+            <a:headEnd type="none" w="sm" len="sm"/>
+            <a:tailEnd type="none" w="sm" len="sm"/>
           </a:ln>
         </p:spPr>
         <p:txBody>
-          <a:bodyPr anchorCtr="0" anchor="ctr" bIns="91425" lIns="91425" spcFirstLastPara="1" rIns="91425" wrap="square" tIns="91425">
+          <a:bodyPr spcFirstLastPara="1" wrap="square" lIns="91425" tIns="91425" rIns="91425" bIns="91425" anchor="ctr" anchorCtr="0">
             <a:noAutofit/>
           </a:bodyPr>
           <a:lstStyle/>
           <a:p>
-            <a:pPr indent="0" lvl="0" marL="0" rtl="0" algn="l">
+            <a:pPr marL="0" lvl="0" indent="0" algn="l" rtl="0">
               <a:spcBef>
                 <a:spcPts val="0"/>
               </a:spcBef>
@@ -10659,23 +10821,23 @@
           <a:solidFill>
             <a:schemeClr val="lt2"/>
           </a:solidFill>
-          <a:ln cap="flat" cmpd="sng" w="9525">
+          <a:ln w="9525" cap="flat" cmpd="sng">
             <a:solidFill>
               <a:schemeClr val="dk2"/>
             </a:solidFill>
             <a:prstDash val="solid"/>
             <a:round/>
-            <a:headEnd len="sm" w="sm" type="none"/>
-            <a:tailEnd len="sm" w="sm" type="none"/>
+            <a:headEnd type="none" w="sm" len="sm"/>
+            <a:tailEnd type="none" w="sm" len="sm"/>
           </a:ln>
         </p:spPr>
         <p:txBody>
-          <a:bodyPr anchorCtr="0" anchor="ctr" bIns="91425" lIns="91425" spcFirstLastPara="1" rIns="91425" wrap="square" tIns="91425">
+          <a:bodyPr spcFirstLastPara="1" wrap="square" lIns="91425" tIns="91425" rIns="91425" bIns="91425" anchor="ctr" anchorCtr="0">
             <a:noAutofit/>
           </a:bodyPr>
           <a:lstStyle/>
           <a:p>
-            <a:pPr indent="0" lvl="0" marL="0" rtl="0" algn="l">
+            <a:pPr marL="0" lvl="0" indent="0" algn="l" rtl="0">
               <a:spcBef>
                 <a:spcPts val="0"/>
               </a:spcBef>
@@ -10722,23 +10884,23 @@
           <a:solidFill>
             <a:schemeClr val="lt2"/>
           </a:solidFill>
-          <a:ln cap="flat" cmpd="sng" w="9525">
+          <a:ln w="9525" cap="flat" cmpd="sng">
             <a:solidFill>
               <a:schemeClr val="dk2"/>
             </a:solidFill>
             <a:prstDash val="solid"/>
             <a:round/>
-            <a:headEnd len="sm" w="sm" type="none"/>
-            <a:tailEnd len="sm" w="sm" type="none"/>
+            <a:headEnd type="none" w="sm" len="sm"/>
+            <a:tailEnd type="none" w="sm" len="sm"/>
           </a:ln>
         </p:spPr>
         <p:txBody>
-          <a:bodyPr anchorCtr="0" anchor="ctr" bIns="91425" lIns="91425" spcFirstLastPara="1" rIns="91425" wrap="square" tIns="91425">
+          <a:bodyPr spcFirstLastPara="1" wrap="square" lIns="91425" tIns="91425" rIns="91425" bIns="91425" anchor="ctr" anchorCtr="0">
             <a:noAutofit/>
           </a:bodyPr>
           <a:lstStyle/>
           <a:p>
-            <a:pPr indent="0" lvl="0" marL="0" rtl="0" algn="ctr">
+            <a:pPr marL="0" lvl="0" indent="0" algn="ctr" rtl="0">
               <a:spcBef>
                 <a:spcPts val="0"/>
               </a:spcBef>
@@ -10772,23 +10934,23 @@
           <a:solidFill>
             <a:schemeClr val="lt2"/>
           </a:solidFill>
-          <a:ln cap="flat" cmpd="sng" w="9525">
+          <a:ln w="9525" cap="flat" cmpd="sng">
             <a:solidFill>
               <a:schemeClr val="dk2"/>
             </a:solidFill>
             <a:prstDash val="solid"/>
             <a:round/>
-            <a:headEnd len="sm" w="sm" type="none"/>
-            <a:tailEnd len="sm" w="sm" type="none"/>
+            <a:headEnd type="none" w="sm" len="sm"/>
+            <a:tailEnd type="none" w="sm" len="sm"/>
           </a:ln>
         </p:spPr>
         <p:txBody>
-          <a:bodyPr anchorCtr="0" anchor="ctr" bIns="91425" lIns="91425" spcFirstLastPara="1" rIns="91425" wrap="square" tIns="91425">
+          <a:bodyPr spcFirstLastPara="1" wrap="square" lIns="91425" tIns="91425" rIns="91425" bIns="91425" anchor="ctr" anchorCtr="0">
             <a:noAutofit/>
           </a:bodyPr>
           <a:lstStyle/>
           <a:p>
-            <a:pPr indent="0" lvl="0" marL="0" rtl="0" algn="l">
+            <a:pPr marL="0" lvl="0" indent="0" algn="l" rtl="0">
               <a:spcBef>
                 <a:spcPts val="0"/>
               </a:spcBef>
@@ -10832,14 +10994,14 @@
             <a:avLst/>
           </a:prstGeom>
           <a:noFill/>
-          <a:ln cap="flat" cmpd="sng" w="9525">
+          <a:ln w="9525" cap="flat" cmpd="sng">
             <a:solidFill>
               <a:schemeClr val="dk2"/>
             </a:solidFill>
             <a:prstDash val="solid"/>
             <a:round/>
-            <a:headEnd len="med" w="med" type="none"/>
-            <a:tailEnd len="med" w="med" type="none"/>
+            <a:headEnd type="none" w="med" len="med"/>
+            <a:tailEnd type="none" w="med" len="med"/>
           </a:ln>
         </p:spPr>
       </p:cxnSp>
@@ -10860,23 +11022,23 @@
           <a:solidFill>
             <a:schemeClr val="lt2"/>
           </a:solidFill>
-          <a:ln cap="flat" cmpd="sng" w="9525">
+          <a:ln w="9525" cap="flat" cmpd="sng">
             <a:solidFill>
               <a:schemeClr val="dk2"/>
             </a:solidFill>
             <a:prstDash val="solid"/>
             <a:round/>
-            <a:headEnd len="sm" w="sm" type="none"/>
-            <a:tailEnd len="sm" w="sm" type="none"/>
+            <a:headEnd type="none" w="sm" len="sm"/>
+            <a:tailEnd type="none" w="sm" len="sm"/>
           </a:ln>
         </p:spPr>
         <p:txBody>
-          <a:bodyPr anchorCtr="0" anchor="ctr" bIns="91425" lIns="91425" spcFirstLastPara="1" rIns="91425" wrap="square" tIns="91425">
+          <a:bodyPr spcFirstLastPara="1" wrap="square" lIns="91425" tIns="91425" rIns="91425" bIns="91425" anchor="ctr" anchorCtr="0">
             <a:noAutofit/>
           </a:bodyPr>
           <a:lstStyle/>
           <a:p>
-            <a:pPr indent="0" lvl="0" marL="0" rtl="0" algn="l">
+            <a:pPr marL="0" lvl="0" indent="0" algn="l" rtl="0">
               <a:spcBef>
                 <a:spcPts val="0"/>
               </a:spcBef>
@@ -10914,23 +11076,23 @@
           <a:solidFill>
             <a:schemeClr val="lt2"/>
           </a:solidFill>
-          <a:ln cap="flat" cmpd="sng" w="9525">
+          <a:ln w="9525" cap="flat" cmpd="sng">
             <a:solidFill>
               <a:schemeClr val="dk2"/>
             </a:solidFill>
             <a:prstDash val="solid"/>
             <a:round/>
-            <a:headEnd len="sm" w="sm" type="none"/>
-            <a:tailEnd len="sm" w="sm" type="none"/>
+            <a:headEnd type="none" w="sm" len="sm"/>
+            <a:tailEnd type="none" w="sm" len="sm"/>
           </a:ln>
         </p:spPr>
         <p:txBody>
-          <a:bodyPr anchorCtr="0" anchor="ctr" bIns="91425" lIns="91425" spcFirstLastPara="1" rIns="91425" wrap="square" tIns="91425">
+          <a:bodyPr spcFirstLastPara="1" wrap="square" lIns="91425" tIns="91425" rIns="91425" bIns="91425" anchor="ctr" anchorCtr="0">
             <a:noAutofit/>
           </a:bodyPr>
           <a:lstStyle/>
           <a:p>
-            <a:pPr indent="0" lvl="0" marL="0" rtl="0" algn="l">
+            <a:pPr marL="0" lvl="0" indent="0" algn="l" rtl="0">
               <a:spcBef>
                 <a:spcPts val="0"/>
               </a:spcBef>
@@ -10968,23 +11130,23 @@
           <a:solidFill>
             <a:schemeClr val="lt2"/>
           </a:solidFill>
-          <a:ln cap="flat" cmpd="sng" w="9525">
+          <a:ln w="9525" cap="flat" cmpd="sng">
             <a:solidFill>
               <a:schemeClr val="dk2"/>
             </a:solidFill>
             <a:prstDash val="solid"/>
             <a:round/>
-            <a:headEnd len="sm" w="sm" type="none"/>
-            <a:tailEnd len="sm" w="sm" type="none"/>
+            <a:headEnd type="none" w="sm" len="sm"/>
+            <a:tailEnd type="none" w="sm" len="sm"/>
           </a:ln>
         </p:spPr>
         <p:txBody>
-          <a:bodyPr anchorCtr="0" anchor="ctr" bIns="91425" lIns="91425" spcFirstLastPara="1" rIns="91425" wrap="square" tIns="91425">
+          <a:bodyPr spcFirstLastPara="1" wrap="square" lIns="91425" tIns="91425" rIns="91425" bIns="91425" anchor="ctr" anchorCtr="0">
             <a:noAutofit/>
           </a:bodyPr>
           <a:lstStyle/>
           <a:p>
-            <a:pPr indent="0" lvl="0" marL="0" rtl="0" algn="l">
+            <a:pPr marL="0" lvl="0" indent="0" algn="l" rtl="0">
               <a:spcBef>
                 <a:spcPts val="0"/>
               </a:spcBef>
@@ -11023,14 +11185,14 @@
             <a:avLst/>
           </a:prstGeom>
           <a:noFill/>
-          <a:ln cap="flat" cmpd="sng" w="9525">
+          <a:ln w="9525" cap="flat" cmpd="sng">
             <a:solidFill>
               <a:schemeClr val="dk2"/>
             </a:solidFill>
             <a:prstDash val="solid"/>
             <a:round/>
-            <a:headEnd len="med" w="med" type="none"/>
-            <a:tailEnd len="med" w="med" type="none"/>
+            <a:headEnd type="none" w="med" len="med"/>
+            <a:tailEnd type="none" w="med" len="med"/>
           </a:ln>
         </p:spPr>
       </p:cxnSp>
@@ -11050,18 +11212,18 @@
           </a:xfrm>
           <a:prstGeom prst="bentConnector3">
             <a:avLst>
-              <a:gd fmla="val 49987" name="adj1"/>
+              <a:gd name="adj1" fmla="val 49987"/>
             </a:avLst>
           </a:prstGeom>
           <a:noFill/>
-          <a:ln cap="flat" cmpd="sng" w="9525">
+          <a:ln w="9525" cap="flat" cmpd="sng">
             <a:solidFill>
               <a:schemeClr val="dk2"/>
             </a:solidFill>
             <a:prstDash val="solid"/>
             <a:round/>
-            <a:headEnd len="med" w="med" type="none"/>
-            <a:tailEnd len="med" w="med" type="none"/>
+            <a:headEnd type="none" w="med" len="med"/>
+            <a:tailEnd type="none" w="med" len="med"/>
           </a:ln>
         </p:spPr>
       </p:cxnSp>
@@ -11081,18 +11243,18 @@
           </a:xfrm>
           <a:prstGeom prst="bentConnector3">
             <a:avLst>
-              <a:gd fmla="val 49987" name="adj1"/>
+              <a:gd name="adj1" fmla="val 49987"/>
             </a:avLst>
           </a:prstGeom>
           <a:noFill/>
-          <a:ln cap="flat" cmpd="sng" w="9525">
+          <a:ln w="9525" cap="flat" cmpd="sng">
             <a:solidFill>
               <a:schemeClr val="dk2"/>
             </a:solidFill>
             <a:prstDash val="solid"/>
             <a:round/>
-            <a:headEnd len="med" w="med" type="none"/>
-            <a:tailEnd len="med" w="med" type="none"/>
+            <a:headEnd type="none" w="med" len="med"/>
+            <a:tailEnd type="none" w="med" len="med"/>
           </a:ln>
         </p:spPr>
       </p:cxnSp>
@@ -11116,12 +11278,12 @@
           </a:ln>
         </p:spPr>
         <p:txBody>
-          <a:bodyPr anchorCtr="0" anchor="t" bIns="91425" lIns="91425" spcFirstLastPara="1" rIns="91425" wrap="square" tIns="91425">
+          <a:bodyPr spcFirstLastPara="1" wrap="square" lIns="91425" tIns="91425" rIns="91425" bIns="91425" anchor="t" anchorCtr="0">
             <a:spAutoFit/>
           </a:bodyPr>
           <a:lstStyle/>
           <a:p>
-            <a:pPr indent="0" lvl="0" marL="0" rtl="0" algn="l">
+            <a:pPr marL="0" lvl="0" indent="0" algn="l" rtl="0">
               <a:spcBef>
                 <a:spcPts val="0"/>
               </a:spcBef>
@@ -11130,9 +11292,6 @@
               </a:spcAft>
               <a:buNone/>
             </a:pPr>
-            <a:r>
-              <a:t/>
-            </a:r>
             <a:endParaRPr/>
           </a:p>
         </p:txBody>
@@ -11146,11 +11305,11 @@
 </file>
 
 <file path=ppt/slides/slide9.xml><?xml version="1.0" encoding="utf-8"?>
-<p:sld xmlns:a="http://schemas.openxmlformats.org/drawingml/2006/main" xmlns:r="http://schemas.openxmlformats.org/officeDocument/2006/relationships" xmlns:mc="http://schemas.openxmlformats.org/markup-compatibility/2006" xmlns:mv="urn:schemas-microsoft-com:mac:vml" xmlns:p="http://schemas.openxmlformats.org/presentationml/2006/main" xmlns:c="http://schemas.openxmlformats.org/drawingml/2006/chart" xmlns:dgm="http://schemas.openxmlformats.org/drawingml/2006/diagram" xmlns:o="urn:schemas-microsoft-com:office:office" xmlns:v="urn:schemas-microsoft-com:vml" xmlns:pvml="urn:schemas-microsoft-com:office:powerpoint" xmlns:com="http://schemas.openxmlformats.org/drawingml/2006/compatibility" xmlns:p14="http://schemas.microsoft.com/office/powerpoint/2010/main" xmlns:p15="http://schemas.microsoft.com/office/powerpoint/2012/main" xmlns:ahyp="http://schemas.microsoft.com/office/drawing/2018/hyperlinkcolor">
+<p:sld xmlns:a="http://schemas.openxmlformats.org/drawingml/2006/main" xmlns:r="http://schemas.openxmlformats.org/officeDocument/2006/relationships" xmlns:p="http://schemas.openxmlformats.org/presentationml/2006/main">
   <p:cSld>
     <p:spTree>
       <p:nvGrpSpPr>
-        <p:cNvPr id="139" name="Shape 139"/>
+        <p:cNvPr id="1" name="Shape 139"/>
         <p:cNvGrpSpPr/>
         <p:nvPr/>
       </p:nvGrpSpPr>
@@ -11165,7 +11324,9 @@
       <p:sp>
         <p:nvSpPr>
           <p:cNvPr id="140" name="Google Shape;140;p21"/>
-          <p:cNvSpPr txBox="1"/>
+          <p:cNvSpPr txBox="1">
+            <a:spLocks noGrp="1"/>
+          </p:cNvSpPr>
           <p:nvPr>
             <p:ph type="title"/>
           </p:nvPr>
@@ -11180,12 +11341,12 @@
           </a:prstGeom>
         </p:spPr>
         <p:txBody>
-          <a:bodyPr anchorCtr="0" anchor="t" bIns="91425" lIns="91425" spcFirstLastPara="1" rIns="91425" wrap="square" tIns="91425">
+          <a:bodyPr spcFirstLastPara="1" wrap="square" lIns="91425" tIns="91425" rIns="91425" bIns="91425" anchor="t" anchorCtr="0">
             <a:normAutofit fontScale="90000"/>
           </a:bodyPr>
           <a:lstStyle/>
           <a:p>
-            <a:pPr indent="0" lvl="0" marL="0" rtl="0" algn="l">
+            <a:pPr marL="0" lvl="0" indent="0" algn="l" rtl="0">
               <a:spcBef>
                 <a:spcPts val="0"/>
               </a:spcBef>
@@ -11219,23 +11380,23 @@
           <a:solidFill>
             <a:schemeClr val="lt2"/>
           </a:solidFill>
-          <a:ln cap="flat" cmpd="sng" w="9525">
+          <a:ln w="9525" cap="flat" cmpd="sng">
             <a:solidFill>
               <a:srgbClr val="EA9999"/>
             </a:solidFill>
             <a:prstDash val="solid"/>
             <a:round/>
-            <a:headEnd len="sm" w="sm" type="none"/>
-            <a:tailEnd len="sm" w="sm" type="none"/>
+            <a:headEnd type="none" w="sm" len="sm"/>
+            <a:tailEnd type="none" w="sm" len="sm"/>
           </a:ln>
         </p:spPr>
         <p:txBody>
-          <a:bodyPr anchorCtr="0" anchor="ctr" bIns="91425" lIns="91425" spcFirstLastPara="1" rIns="91425" wrap="square" tIns="91425">
+          <a:bodyPr spcFirstLastPara="1" wrap="square" lIns="91425" tIns="91425" rIns="91425" bIns="91425" anchor="ctr" anchorCtr="0">
             <a:noAutofit/>
           </a:bodyPr>
           <a:lstStyle/>
           <a:p>
-            <a:pPr indent="0" lvl="0" marL="0" rtl="0" algn="l">
+            <a:pPr marL="0" lvl="0" indent="0" algn="l" rtl="0">
               <a:spcBef>
                 <a:spcPts val="0"/>
               </a:spcBef>
@@ -11244,9 +11405,6 @@
               </a:spcAft>
               <a:buNone/>
             </a:pPr>
-            <a:r>
-              <a:t/>
-            </a:r>
             <a:endParaRPr/>
           </a:p>
         </p:txBody>
@@ -11268,23 +11426,23 @@
           <a:solidFill>
             <a:schemeClr val="lt2"/>
           </a:solidFill>
-          <a:ln cap="flat" cmpd="sng" w="9525">
+          <a:ln w="9525" cap="flat" cmpd="sng">
             <a:solidFill>
               <a:schemeClr val="dk2"/>
             </a:solidFill>
             <a:prstDash val="solid"/>
             <a:round/>
-            <a:headEnd len="sm" w="sm" type="none"/>
-            <a:tailEnd len="sm" w="sm" type="none"/>
+            <a:headEnd type="none" w="sm" len="sm"/>
+            <a:tailEnd type="none" w="sm" len="sm"/>
           </a:ln>
         </p:spPr>
         <p:txBody>
-          <a:bodyPr anchorCtr="0" anchor="ctr" bIns="91425" lIns="91425" spcFirstLastPara="1" rIns="91425" wrap="square" tIns="91425">
+          <a:bodyPr spcFirstLastPara="1" wrap="square" lIns="91425" tIns="91425" rIns="91425" bIns="91425" anchor="ctr" anchorCtr="0">
             <a:noAutofit/>
           </a:bodyPr>
           <a:lstStyle/>
           <a:p>
-            <a:pPr indent="0" lvl="0" marL="0" rtl="0" algn="l">
+            <a:pPr marL="0" lvl="0" indent="0" algn="l" rtl="0">
               <a:spcBef>
                 <a:spcPts val="0"/>
               </a:spcBef>
@@ -11300,7 +11458,7 @@
             <a:endParaRPr/>
           </a:p>
           <a:p>
-            <a:pPr indent="0" lvl="0" marL="0" rtl="0" algn="l">
+            <a:pPr marL="0" lvl="0" indent="0" algn="l" rtl="0">
               <a:spcBef>
                 <a:spcPts val="0"/>
               </a:spcBef>
@@ -11316,7 +11474,7 @@
             <a:endParaRPr/>
           </a:p>
           <a:p>
-            <a:pPr indent="0" lvl="0" marL="0" rtl="0" algn="l">
+            <a:pPr marL="0" lvl="0" indent="0" algn="l" rtl="0">
               <a:spcBef>
                 <a:spcPts val="0"/>
               </a:spcBef>
@@ -11332,7 +11490,7 @@
             <a:endParaRPr/>
           </a:p>
           <a:p>
-            <a:pPr indent="0" lvl="0" marL="0" rtl="0" algn="l">
+            <a:pPr marL="0" lvl="0" indent="0" algn="l" rtl="0">
               <a:spcBef>
                 <a:spcPts val="0"/>
               </a:spcBef>
@@ -11366,23 +11524,23 @@
           <a:solidFill>
             <a:schemeClr val="lt2"/>
           </a:solidFill>
-          <a:ln cap="flat" cmpd="sng" w="9525">
+          <a:ln w="9525" cap="flat" cmpd="sng">
             <a:solidFill>
               <a:schemeClr val="dk2"/>
             </a:solidFill>
             <a:prstDash val="solid"/>
             <a:round/>
-            <a:headEnd len="sm" w="sm" type="none"/>
-            <a:tailEnd len="sm" w="sm" type="none"/>
+            <a:headEnd type="none" w="sm" len="sm"/>
+            <a:tailEnd type="none" w="sm" len="sm"/>
           </a:ln>
         </p:spPr>
         <p:txBody>
-          <a:bodyPr anchorCtr="0" anchor="ctr" bIns="91425" lIns="91425" spcFirstLastPara="1" rIns="91425" wrap="square" tIns="91425">
+          <a:bodyPr spcFirstLastPara="1" wrap="square" lIns="91425" tIns="91425" rIns="91425" bIns="91425" anchor="ctr" anchorCtr="0">
             <a:noAutofit/>
           </a:bodyPr>
           <a:lstStyle/>
           <a:p>
-            <a:pPr indent="0" lvl="0" marL="0" rtl="0" algn="l">
+            <a:pPr marL="0" lvl="0" indent="0" algn="l" rtl="0">
               <a:spcBef>
                 <a:spcPts val="0"/>
               </a:spcBef>
@@ -11419,12 +11577,12 @@
           </a:ln>
         </p:spPr>
         <p:txBody>
-          <a:bodyPr anchorCtr="0" anchor="t" bIns="91425" lIns="91425" spcFirstLastPara="1" rIns="91425" wrap="square" tIns="91425">
+          <a:bodyPr spcFirstLastPara="1" wrap="square" lIns="91425" tIns="91425" rIns="91425" bIns="91425" anchor="t" anchorCtr="0">
             <a:spAutoFit/>
           </a:bodyPr>
           <a:lstStyle/>
           <a:p>
-            <a:pPr indent="0" lvl="0" marL="0" rtl="0" algn="l">
+            <a:pPr marL="0" lvl="0" indent="0" algn="l" rtl="0">
               <a:spcBef>
                 <a:spcPts val="0"/>
               </a:spcBef>
@@ -11458,23 +11616,23 @@
           <a:solidFill>
             <a:schemeClr val="lt2"/>
           </a:solidFill>
-          <a:ln cap="flat" cmpd="sng" w="9525">
+          <a:ln w="9525" cap="flat" cmpd="sng">
             <a:solidFill>
               <a:schemeClr val="dk2"/>
             </a:solidFill>
             <a:prstDash val="solid"/>
             <a:round/>
-            <a:headEnd len="sm" w="sm" type="none"/>
-            <a:tailEnd len="sm" w="sm" type="none"/>
+            <a:headEnd type="none" w="sm" len="sm"/>
+            <a:tailEnd type="none" w="sm" len="sm"/>
           </a:ln>
         </p:spPr>
         <p:txBody>
-          <a:bodyPr anchorCtr="0" anchor="ctr" bIns="91425" lIns="91425" spcFirstLastPara="1" rIns="91425" wrap="square" tIns="91425">
+          <a:bodyPr spcFirstLastPara="1" wrap="square" lIns="91425" tIns="91425" rIns="91425" bIns="91425" anchor="ctr" anchorCtr="0">
             <a:noAutofit/>
           </a:bodyPr>
           <a:lstStyle/>
           <a:p>
-            <a:pPr indent="0" lvl="0" marL="0" rtl="0" algn="l">
+            <a:pPr marL="0" lvl="0" indent="0" algn="l" rtl="0">
               <a:spcBef>
                 <a:spcPts val="0"/>
               </a:spcBef>
@@ -11508,23 +11666,23 @@
           <a:solidFill>
             <a:schemeClr val="lt1"/>
           </a:solidFill>
-          <a:ln cap="flat" cmpd="sng" w="9525">
+          <a:ln w="9525" cap="flat" cmpd="sng">
             <a:solidFill>
               <a:schemeClr val="dk2"/>
             </a:solidFill>
             <a:prstDash val="solid"/>
             <a:round/>
-            <a:headEnd len="sm" w="sm" type="none"/>
-            <a:tailEnd len="sm" w="sm" type="none"/>
+            <a:headEnd type="none" w="sm" len="sm"/>
+            <a:tailEnd type="none" w="sm" len="sm"/>
           </a:ln>
         </p:spPr>
         <p:txBody>
-          <a:bodyPr anchorCtr="0" anchor="ctr" bIns="91425" lIns="91425" spcFirstLastPara="1" rIns="91425" wrap="square" tIns="91425">
+          <a:bodyPr spcFirstLastPara="1" wrap="square" lIns="91425" tIns="91425" rIns="91425" bIns="91425" anchor="ctr" anchorCtr="0">
             <a:noAutofit/>
           </a:bodyPr>
           <a:lstStyle/>
           <a:p>
-            <a:pPr indent="0" lvl="0" marL="0" rtl="0" algn="l">
+            <a:pPr marL="0" lvl="0" indent="0" algn="l" rtl="0">
               <a:spcBef>
                 <a:spcPts val="0"/>
               </a:spcBef>
@@ -11566,23 +11724,23 @@
           <a:solidFill>
             <a:schemeClr val="lt2"/>
           </a:solidFill>
-          <a:ln cap="flat" cmpd="sng" w="9525">
+          <a:ln w="9525" cap="flat" cmpd="sng">
             <a:solidFill>
               <a:schemeClr val="dk2"/>
             </a:solidFill>
             <a:prstDash val="solid"/>
             <a:round/>
-            <a:headEnd len="sm" w="sm" type="none"/>
-            <a:tailEnd len="sm" w="sm" type="none"/>
+            <a:headEnd type="none" w="sm" len="sm"/>
+            <a:tailEnd type="none" w="sm" len="sm"/>
           </a:ln>
         </p:spPr>
         <p:txBody>
-          <a:bodyPr anchorCtr="0" anchor="ctr" bIns="91425" lIns="91425" spcFirstLastPara="1" rIns="91425" wrap="square" tIns="91425">
+          <a:bodyPr spcFirstLastPara="1" wrap="square" lIns="91425" tIns="91425" rIns="91425" bIns="91425" anchor="ctr" anchorCtr="0">
             <a:noAutofit/>
           </a:bodyPr>
           <a:lstStyle/>
           <a:p>
-            <a:pPr indent="0" lvl="0" marL="0" rtl="0" algn="l">
+            <a:pPr marL="0" lvl="0" indent="0" algn="l" rtl="0">
               <a:spcBef>
                 <a:spcPts val="0"/>
               </a:spcBef>
@@ -11624,23 +11782,23 @@
           <a:solidFill>
             <a:schemeClr val="lt2"/>
           </a:solidFill>
-          <a:ln cap="flat" cmpd="sng" w="9525">
+          <a:ln w="9525" cap="flat" cmpd="sng">
             <a:solidFill>
               <a:schemeClr val="dk2"/>
             </a:solidFill>
             <a:prstDash val="solid"/>
             <a:round/>
-            <a:headEnd len="sm" w="sm" type="none"/>
-            <a:tailEnd len="sm" w="sm" type="none"/>
+            <a:headEnd type="none" w="sm" len="sm"/>
+            <a:tailEnd type="none" w="sm" len="sm"/>
           </a:ln>
         </p:spPr>
         <p:txBody>
-          <a:bodyPr anchorCtr="0" anchor="ctr" bIns="91425" lIns="91425" spcFirstLastPara="1" rIns="91425" wrap="square" tIns="91425">
+          <a:bodyPr spcFirstLastPara="1" wrap="square" lIns="91425" tIns="91425" rIns="91425" bIns="91425" anchor="ctr" anchorCtr="0">
             <a:noAutofit/>
           </a:bodyPr>
           <a:lstStyle/>
           <a:p>
-            <a:pPr indent="0" lvl="0" marL="0" rtl="0" algn="l">
+            <a:pPr marL="0" lvl="0" indent="0" algn="l" rtl="0">
               <a:spcBef>
                 <a:spcPts val="0"/>
               </a:spcBef>
@@ -11666,7 +11824,7 @@
 </file>
 
 <file path=ppt/theme/theme1.xml><?xml version="1.0" encoding="utf-8"?>
-<a:theme xmlns:a="http://schemas.openxmlformats.org/drawingml/2006/main" xmlns:r="http://schemas.openxmlformats.org/officeDocument/2006/relationships" name="Simple Light">
+<a:theme xmlns:a="http://schemas.openxmlformats.org/drawingml/2006/main" name="Simple Light">
   <a:themeElements>
     <a:clrScheme name="Simple Light">
       <a:dk1>
@@ -11941,11 +12099,13 @@
       </a:bgFillStyleLst>
     </a:fmtScheme>
   </a:themeElements>
+  <a:objectDefaults/>
+  <a:extraClrSchemeLst/>
 </a:theme>
 </file>
 
 <file path=ppt/theme/theme2.xml><?xml version="1.0" encoding="utf-8"?>
-<a:theme xmlns:a="http://schemas.openxmlformats.org/drawingml/2006/main" xmlns:r="http://schemas.openxmlformats.org/officeDocument/2006/relationships">
+<a:theme xmlns:a="http://schemas.openxmlformats.org/drawingml/2006/main">
   <a:themeElements>
     <a:clrScheme name="Default">
       <a:dk1>
@@ -12220,5 +12380,7 @@
       </a:bgFillStyleLst>
     </a:fmtScheme>
   </a:themeElements>
+  <a:objectDefaults/>
+  <a:extraClrSchemeLst/>
 </a:theme>
 </file>